--- a/doc/test/PositionsLab/PositionsLabDistributeGrid.pptx
+++ b/doc/test/PositionsLab/PositionsLabDistributeGrid.pptx
@@ -11,12 +11,24 @@
     <p:sldId id="256" r:id="rId5"/>
     <p:sldId id="403" r:id="rId6"/>
     <p:sldId id="373" r:id="rId7"/>
-    <p:sldId id="404" r:id="rId8"/>
-    <p:sldId id="405" r:id="rId9"/>
-    <p:sldId id="406" r:id="rId10"/>
-    <p:sldId id="407" r:id="rId11"/>
-    <p:sldId id="408" r:id="rId12"/>
-    <p:sldId id="274" r:id="rId13"/>
+    <p:sldId id="413" r:id="rId8"/>
+    <p:sldId id="414" r:id="rId9"/>
+    <p:sldId id="415" r:id="rId10"/>
+    <p:sldId id="416" r:id="rId11"/>
+    <p:sldId id="417" r:id="rId12"/>
+    <p:sldId id="418" r:id="rId13"/>
+    <p:sldId id="419" r:id="rId14"/>
+    <p:sldId id="406" r:id="rId15"/>
+    <p:sldId id="420" r:id="rId16"/>
+    <p:sldId id="421" r:id="rId17"/>
+    <p:sldId id="424" r:id="rId18"/>
+    <p:sldId id="428" r:id="rId19"/>
+    <p:sldId id="429" r:id="rId20"/>
+    <p:sldId id="431" r:id="rId21"/>
+    <p:sldId id="427" r:id="rId22"/>
+    <p:sldId id="426" r:id="rId23"/>
+    <p:sldId id="430" r:id="rId24"/>
+    <p:sldId id="274" r:id="rId25"/>
   </p:sldIdLst>
   <p:sldSz cx="9144000" cy="6858000" type="screen4x3"/>
   <p:notesSz cx="6858000" cy="9144000"/>
@@ -128,18 +140,56 @@
             <p14:sldId id="256"/>
             <p14:sldId id="403"/>
             <p14:sldId id="373"/>
-            <p14:sldId id="404"/>
-            <p14:sldId id="405"/>
+            <p14:sldId id="413"/>
+            <p14:sldId id="414"/>
+            <p14:sldId id="415"/>
+            <p14:sldId id="416"/>
+            <p14:sldId id="417"/>
+            <p14:sldId id="418"/>
+            <p14:sldId id="419"/>
             <p14:sldId id="406"/>
-            <p14:sldId id="407"/>
-            <p14:sldId id="408"/>
+            <p14:sldId id="420"/>
+            <p14:sldId id="421"/>
+            <p14:sldId id="424"/>
+            <p14:sldId id="428"/>
+            <p14:sldId id="429"/>
+            <p14:sldId id="431"/>
+            <p14:sldId id="427"/>
+            <p14:sldId id="426"/>
+            <p14:sldId id="430"/>
             <p14:sldId id="274"/>
           </p14:sldIdLst>
         </p14:section>
       </p14:sectionLst>
     </p:ext>
     <p:ext uri="{EFAFB233-063F-42B5-8137-9DF3F51BA10A}">
-      <p15:sldGuideLst xmlns:p15="http://schemas.microsoft.com/office/powerpoint/2012/main"/>
+      <p15:sldGuideLst xmlns:p15="http://schemas.microsoft.com/office/powerpoint/2012/main">
+        <p15:guide id="1" orient="horz" pos="672" userDrawn="1">
+          <p15:clr>
+            <a:srgbClr val="A4A3A4"/>
+          </p15:clr>
+        </p15:guide>
+        <p15:guide id="2" pos="576" userDrawn="1">
+          <p15:clr>
+            <a:srgbClr val="A4A3A4"/>
+          </p15:clr>
+        </p15:guide>
+        <p15:guide id="3" pos="2592" userDrawn="1">
+          <p15:clr>
+            <a:srgbClr val="A4A3A4"/>
+          </p15:clr>
+        </p15:guide>
+        <p15:guide id="4" pos="4608" userDrawn="1">
+          <p15:clr>
+            <a:srgbClr val="A4A3A4"/>
+          </p15:clr>
+        </p15:guide>
+        <p15:guide id="5" orient="horz" pos="2976" userDrawn="1">
+          <p15:clr>
+            <a:srgbClr val="A4A3A4"/>
+          </p15:clr>
+        </p15:guide>
+      </p15:sldGuideLst>
     </p:ext>
   </p:extLst>
 </p:presentation>
@@ -324,7 +374,7 @@
           <a:p>
             <a:fld id="{699DC775-C286-4358-8C92-D7E584E969B3}" type="datetimeFigureOut">
               <a:rPr lang="en-US" smtClean="0"/>
-              <a:t>3/27/2016</a:t>
+              <a:t>4/7/2016</a:t>
             </a:fld>
             <a:endParaRPr lang="en-US"/>
           </a:p>
@@ -492,7 +542,7 @@
           <a:p>
             <a:fld id="{699DC775-C286-4358-8C92-D7E584E969B3}" type="datetimeFigureOut">
               <a:rPr lang="en-US" smtClean="0"/>
-              <a:t>3/27/2016</a:t>
+              <a:t>4/7/2016</a:t>
             </a:fld>
             <a:endParaRPr lang="en-US"/>
           </a:p>
@@ -670,7 +720,7 @@
           <a:p>
             <a:fld id="{699DC775-C286-4358-8C92-D7E584E969B3}" type="datetimeFigureOut">
               <a:rPr lang="en-US" smtClean="0"/>
-              <a:t>3/27/2016</a:t>
+              <a:t>4/7/2016</a:t>
             </a:fld>
             <a:endParaRPr lang="en-US"/>
           </a:p>
@@ -910,7 +960,7 @@
           <a:p>
             <a:fld id="{699DC775-C286-4358-8C92-D7E584E969B3}" type="datetimeFigureOut">
               <a:rPr lang="en-US" smtClean="0"/>
-              <a:t>3/27/2016</a:t>
+              <a:t>4/7/2016</a:t>
             </a:fld>
             <a:endParaRPr lang="en-US"/>
           </a:p>
@@ -1078,7 +1128,7 @@
           <a:p>
             <a:fld id="{699DC775-C286-4358-8C92-D7E584E969B3}" type="datetimeFigureOut">
               <a:rPr lang="en-US" smtClean="0"/>
-              <a:t>3/27/2016</a:t>
+              <a:t>4/7/2016</a:t>
             </a:fld>
             <a:endParaRPr lang="en-US"/>
           </a:p>
@@ -1323,7 +1373,7 @@
           <a:p>
             <a:fld id="{699DC775-C286-4358-8C92-D7E584E969B3}" type="datetimeFigureOut">
               <a:rPr lang="en-US" smtClean="0"/>
-              <a:t>3/27/2016</a:t>
+              <a:t>4/7/2016</a:t>
             </a:fld>
             <a:endParaRPr lang="en-US"/>
           </a:p>
@@ -1608,7 +1658,7 @@
           <a:p>
             <a:fld id="{699DC775-C286-4358-8C92-D7E584E969B3}" type="datetimeFigureOut">
               <a:rPr lang="en-US" smtClean="0"/>
-              <a:t>3/27/2016</a:t>
+              <a:t>4/7/2016</a:t>
             </a:fld>
             <a:endParaRPr lang="en-US"/>
           </a:p>
@@ -2027,7 +2077,7 @@
           <a:p>
             <a:fld id="{699DC775-C286-4358-8C92-D7E584E969B3}" type="datetimeFigureOut">
               <a:rPr lang="en-US" smtClean="0"/>
-              <a:t>3/27/2016</a:t>
+              <a:t>4/7/2016</a:t>
             </a:fld>
             <a:endParaRPr lang="en-US"/>
           </a:p>
@@ -2144,7 +2194,7 @@
           <a:p>
             <a:fld id="{699DC775-C286-4358-8C92-D7E584E969B3}" type="datetimeFigureOut">
               <a:rPr lang="en-US" smtClean="0"/>
-              <a:t>3/27/2016</a:t>
+              <a:t>4/7/2016</a:t>
             </a:fld>
             <a:endParaRPr lang="en-US"/>
           </a:p>
@@ -2239,7 +2289,7 @@
           <a:p>
             <a:fld id="{699DC775-C286-4358-8C92-D7E584E969B3}" type="datetimeFigureOut">
               <a:rPr lang="en-US" smtClean="0"/>
-              <a:t>3/27/2016</a:t>
+              <a:t>4/7/2016</a:t>
             </a:fld>
             <a:endParaRPr lang="en-US"/>
           </a:p>
@@ -2514,7 +2564,7 @@
           <a:p>
             <a:fld id="{699DC775-C286-4358-8C92-D7E584E969B3}" type="datetimeFigureOut">
               <a:rPr lang="en-US" smtClean="0"/>
-              <a:t>3/27/2016</a:t>
+              <a:t>4/7/2016</a:t>
             </a:fld>
             <a:endParaRPr lang="en-US"/>
           </a:p>
@@ -2682,7 +2732,7 @@
           <a:p>
             <a:fld id="{699DC775-C286-4358-8C92-D7E584E969B3}" type="datetimeFigureOut">
               <a:rPr lang="en-US" smtClean="0"/>
-              <a:t>3/27/2016</a:t>
+              <a:t>4/7/2016</a:t>
             </a:fld>
             <a:endParaRPr lang="en-US"/>
           </a:p>
@@ -2934,7 +2984,7 @@
           <a:p>
             <a:fld id="{699DC775-C286-4358-8C92-D7E584E969B3}" type="datetimeFigureOut">
               <a:rPr lang="en-US" smtClean="0"/>
-              <a:t>3/27/2016</a:t>
+              <a:t>4/7/2016</a:t>
             </a:fld>
             <a:endParaRPr lang="en-US"/>
           </a:p>
@@ -3102,7 +3152,7 @@
           <a:p>
             <a:fld id="{699DC775-C286-4358-8C92-D7E584E969B3}" type="datetimeFigureOut">
               <a:rPr lang="en-US" smtClean="0"/>
-              <a:t>3/27/2016</a:t>
+              <a:t>4/7/2016</a:t>
             </a:fld>
             <a:endParaRPr lang="en-US"/>
           </a:p>
@@ -3280,7 +3330,7 @@
           <a:p>
             <a:fld id="{699DC775-C286-4358-8C92-D7E584E969B3}" type="datetimeFigureOut">
               <a:rPr lang="en-US" smtClean="0"/>
-              <a:t>3/27/2016</a:t>
+              <a:t>4/7/2016</a:t>
             </a:fld>
             <a:endParaRPr lang="en-US"/>
           </a:p>
@@ -3528,7 +3578,7 @@
           <a:p>
             <a:fld id="{699DC775-C286-4358-8C92-D7E584E969B3}" type="datetimeFigureOut">
               <a:rPr lang="en-US" smtClean="0"/>
-              <a:t>3/27/2016</a:t>
+              <a:t>4/7/2016</a:t>
             </a:fld>
             <a:endParaRPr lang="en-US"/>
           </a:p>
@@ -3704,7 +3754,7 @@
           <a:p>
             <a:fld id="{699DC775-C286-4358-8C92-D7E584E969B3}" type="datetimeFigureOut">
               <a:rPr lang="en-US" smtClean="0"/>
-              <a:t>3/27/2016</a:t>
+              <a:t>4/7/2016</a:t>
             </a:fld>
             <a:endParaRPr lang="en-US"/>
           </a:p>
@@ -3957,7 +4007,7 @@
           <a:p>
             <a:fld id="{699DC775-C286-4358-8C92-D7E584E969B3}" type="datetimeFigureOut">
               <a:rPr lang="en-US" smtClean="0"/>
-              <a:t>3/27/2016</a:t>
+              <a:t>4/7/2016</a:t>
             </a:fld>
             <a:endParaRPr lang="en-US"/>
           </a:p>
@@ -4250,7 +4300,7 @@
           <a:p>
             <a:fld id="{699DC775-C286-4358-8C92-D7E584E969B3}" type="datetimeFigureOut">
               <a:rPr lang="en-US" smtClean="0"/>
-              <a:t>3/27/2016</a:t>
+              <a:t>4/7/2016</a:t>
             </a:fld>
             <a:endParaRPr lang="en-US"/>
           </a:p>
@@ -4677,7 +4727,7 @@
           <a:p>
             <a:fld id="{699DC775-C286-4358-8C92-D7E584E969B3}" type="datetimeFigureOut">
               <a:rPr lang="en-US" smtClean="0"/>
-              <a:t>3/27/2016</a:t>
+              <a:t>4/7/2016</a:t>
             </a:fld>
             <a:endParaRPr lang="en-US"/>
           </a:p>
@@ -4802,7 +4852,7 @@
           <a:p>
             <a:fld id="{699DC775-C286-4358-8C92-D7E584E969B3}" type="datetimeFigureOut">
               <a:rPr lang="en-US" smtClean="0"/>
-              <a:t>3/27/2016</a:t>
+              <a:t>4/7/2016</a:t>
             </a:fld>
             <a:endParaRPr lang="en-US"/>
           </a:p>
@@ -4905,7 +4955,7 @@
           <a:p>
             <a:fld id="{699DC775-C286-4358-8C92-D7E584E969B3}" type="datetimeFigureOut">
               <a:rPr lang="en-US" smtClean="0"/>
-              <a:t>3/27/2016</a:t>
+              <a:t>4/7/2016</a:t>
             </a:fld>
             <a:endParaRPr lang="en-US"/>
           </a:p>
@@ -5150,7 +5200,7 @@
           <a:p>
             <a:fld id="{699DC775-C286-4358-8C92-D7E584E969B3}" type="datetimeFigureOut">
               <a:rPr lang="en-US" smtClean="0"/>
-              <a:t>3/27/2016</a:t>
+              <a:t>4/7/2016</a:t>
             </a:fld>
             <a:endParaRPr lang="en-US"/>
           </a:p>
@@ -5433,7 +5483,7 @@
           <a:p>
             <a:fld id="{699DC775-C286-4358-8C92-D7E584E969B3}" type="datetimeFigureOut">
               <a:rPr lang="en-US" smtClean="0"/>
-              <a:t>3/27/2016</a:t>
+              <a:t>4/7/2016</a:t>
             </a:fld>
             <a:endParaRPr lang="en-US"/>
           </a:p>
@@ -5693,7 +5743,7 @@
           <a:p>
             <a:fld id="{699DC775-C286-4358-8C92-D7E584E969B3}" type="datetimeFigureOut">
               <a:rPr lang="en-US" smtClean="0"/>
-              <a:t>3/27/2016</a:t>
+              <a:t>4/7/2016</a:t>
             </a:fld>
             <a:endParaRPr lang="en-US"/>
           </a:p>
@@ -5869,7 +5919,7 @@
           <a:p>
             <a:fld id="{699DC775-C286-4358-8C92-D7E584E969B3}" type="datetimeFigureOut">
               <a:rPr lang="en-US" smtClean="0"/>
-              <a:t>3/27/2016</a:t>
+              <a:t>4/7/2016</a:t>
             </a:fld>
             <a:endParaRPr lang="en-US"/>
           </a:p>
@@ -6055,7 +6105,7 @@
           <a:p>
             <a:fld id="{699DC775-C286-4358-8C92-D7E584E969B3}" type="datetimeFigureOut">
               <a:rPr lang="en-US" smtClean="0"/>
-              <a:t>3/27/2016</a:t>
+              <a:t>4/7/2016</a:t>
             </a:fld>
             <a:endParaRPr lang="en-US"/>
           </a:p>
@@ -6340,7 +6390,7 @@
           <a:p>
             <a:fld id="{699DC775-C286-4358-8C92-D7E584E969B3}" type="datetimeFigureOut">
               <a:rPr lang="en-US" smtClean="0"/>
-              <a:t>3/27/2016</a:t>
+              <a:t>4/7/2016</a:t>
             </a:fld>
             <a:endParaRPr lang="en-US"/>
           </a:p>
@@ -6759,7 +6809,7 @@
           <a:p>
             <a:fld id="{699DC775-C286-4358-8C92-D7E584E969B3}" type="datetimeFigureOut">
               <a:rPr lang="en-US" smtClean="0"/>
-              <a:t>3/27/2016</a:t>
+              <a:t>4/7/2016</a:t>
             </a:fld>
             <a:endParaRPr lang="en-US"/>
           </a:p>
@@ -6876,7 +6926,7 @@
           <a:p>
             <a:fld id="{699DC775-C286-4358-8C92-D7E584E969B3}" type="datetimeFigureOut">
               <a:rPr lang="en-US" smtClean="0"/>
-              <a:t>3/27/2016</a:t>
+              <a:t>4/7/2016</a:t>
             </a:fld>
             <a:endParaRPr lang="en-US"/>
           </a:p>
@@ -6971,7 +7021,7 @@
           <a:p>
             <a:fld id="{699DC775-C286-4358-8C92-D7E584E969B3}" type="datetimeFigureOut">
               <a:rPr lang="en-US" smtClean="0"/>
-              <a:t>3/27/2016</a:t>
+              <a:t>4/7/2016</a:t>
             </a:fld>
             <a:endParaRPr lang="en-US"/>
           </a:p>
@@ -7246,7 +7296,7 @@
           <a:p>
             <a:fld id="{699DC775-C286-4358-8C92-D7E584E969B3}" type="datetimeFigureOut">
               <a:rPr lang="en-US" smtClean="0"/>
-              <a:t>3/27/2016</a:t>
+              <a:t>4/7/2016</a:t>
             </a:fld>
             <a:endParaRPr lang="en-US"/>
           </a:p>
@@ -7498,7 +7548,7 @@
           <a:p>
             <a:fld id="{699DC775-C286-4358-8C92-D7E584E969B3}" type="datetimeFigureOut">
               <a:rPr lang="en-US" smtClean="0"/>
-              <a:t>3/27/2016</a:t>
+              <a:t>4/7/2016</a:t>
             </a:fld>
             <a:endParaRPr lang="en-US"/>
           </a:p>
@@ -7709,7 +7759,7 @@
           <a:p>
             <a:fld id="{699DC775-C286-4358-8C92-D7E584E969B3}" type="datetimeFigureOut">
               <a:rPr lang="en-US" smtClean="0"/>
-              <a:t>3/27/2016</a:t>
+              <a:t>4/7/2016</a:t>
             </a:fld>
             <a:endParaRPr lang="en-US"/>
           </a:p>
@@ -8222,7 +8272,7 @@
           <a:p>
             <a:fld id="{699DC775-C286-4358-8C92-D7E584E969B3}" type="datetimeFigureOut">
               <a:rPr lang="en-US" smtClean="0"/>
-              <a:t>3/27/2016</a:t>
+              <a:t>4/7/2016</a:t>
             </a:fld>
             <a:endParaRPr lang="en-US"/>
           </a:p>
@@ -8733,7 +8783,7 @@
           <a:p>
             <a:fld id="{699DC775-C286-4358-8C92-D7E584E969B3}" type="datetimeFigureOut">
               <a:rPr lang="en-US" smtClean="0"/>
-              <a:t>3/27/2016</a:t>
+              <a:t>4/7/2016</a:t>
             </a:fld>
             <a:endParaRPr lang="en-US"/>
           </a:p>
@@ -9236,8 +9286,8 @@
 </file>
 
 <file path=ppt/slides/slide10.xml><?xml version="1.0" encoding="utf-8"?>
-<p:sld xmlns:a="http://schemas.openxmlformats.org/drawingml/2006/main" xmlns:r="http://schemas.openxmlformats.org/officeDocument/2006/relationships" xmlns:p="http://schemas.openxmlformats.org/presentationml/2006/main" show="0">
-  <p:cSld name="PPAck201403240026082737">
+<p:sld xmlns:a="http://schemas.openxmlformats.org/drawingml/2006/main" xmlns:r="http://schemas.openxmlformats.org/officeDocument/2006/relationships" xmlns:p="http://schemas.openxmlformats.org/presentationml/2006/main">
+  <p:cSld>
     <p:spTree>
       <p:nvGrpSpPr>
         <p:cNvPr id="1" name=""/>
@@ -9254,34 +9304,443 @@
       </p:grpSpPr>
       <p:sp>
         <p:nvSpPr>
-          <p:cNvPr id="2" name="标题 1"/>
-          <p:cNvSpPr>
-            <a:spLocks noGrp="1"/>
-          </p:cNvSpPr>
-          <p:nvPr>
-            <p:ph type="title"/>
-          </p:nvPr>
-        </p:nvSpPr>
-        <p:spPr/>
-        <p:txBody>
-          <a:bodyPr/>
-          <a:lstStyle/>
-          <a:p>
-            <a:endParaRPr lang="en-SG"/>
+          <p:cNvPr id="4" name="Rectangle 3"/>
+          <p:cNvSpPr/>
+          <p:nvPr/>
+        </p:nvSpPr>
+        <p:spPr>
+          <a:xfrm>
+            <a:off x="457200" y="685800"/>
+            <a:ext cx="910004" cy="751742"/>
+          </a:xfrm>
+          <a:prstGeom prst="rect">
+            <a:avLst/>
+          </a:prstGeom>
+        </p:spPr>
+        <p:style>
+          <a:lnRef idx="2">
+            <a:schemeClr val="accent1">
+              <a:shade val="50000"/>
+            </a:schemeClr>
+          </a:lnRef>
+          <a:fillRef idx="1">
+            <a:schemeClr val="accent1"/>
+          </a:fillRef>
+          <a:effectRef idx="0">
+            <a:schemeClr val="accent1"/>
+          </a:effectRef>
+          <a:fontRef idx="minor">
+            <a:schemeClr val="lt1"/>
+          </a:fontRef>
+        </p:style>
+        <p:txBody>
+          <a:bodyPr rtlCol="0" anchor="ctr"/>
+          <a:lstStyle/>
+          <a:p>
+            <a:pPr algn="ctr"/>
+            <a:r>
+              <a:rPr lang="en-US" sz="1350" dirty="0"/>
+              <a:t>1</a:t>
+            </a:r>
+          </a:p>
+        </p:txBody>
+      </p:sp>
+      <p:sp>
+        <p:nvSpPr>
+          <p:cNvPr id="5" name="Rectangle 4"/>
+          <p:cNvSpPr/>
+          <p:nvPr/>
+        </p:nvSpPr>
+        <p:spPr>
+          <a:xfrm rot="1065321">
+            <a:off x="1820985" y="685801"/>
+            <a:ext cx="1370671" cy="751742"/>
+          </a:xfrm>
+          <a:prstGeom prst="rect">
+            <a:avLst/>
+          </a:prstGeom>
+        </p:spPr>
+        <p:style>
+          <a:lnRef idx="2">
+            <a:schemeClr val="accent1">
+              <a:shade val="50000"/>
+            </a:schemeClr>
+          </a:lnRef>
+          <a:fillRef idx="1">
+            <a:schemeClr val="accent1"/>
+          </a:fillRef>
+          <a:effectRef idx="0">
+            <a:schemeClr val="accent1"/>
+          </a:effectRef>
+          <a:fontRef idx="minor">
+            <a:schemeClr val="lt1"/>
+          </a:fontRef>
+        </p:style>
+        <p:txBody>
+          <a:bodyPr rtlCol="0" anchor="ctr"/>
+          <a:lstStyle/>
+          <a:p>
+            <a:pPr algn="ctr"/>
+            <a:r>
+              <a:rPr lang="en-US" sz="1350" dirty="0"/>
+              <a:t>2</a:t>
+            </a:r>
+          </a:p>
+        </p:txBody>
+      </p:sp>
+      <p:sp>
+        <p:nvSpPr>
+          <p:cNvPr id="6" name="Oval 5"/>
+          <p:cNvSpPr/>
+          <p:nvPr/>
+        </p:nvSpPr>
+        <p:spPr>
+          <a:xfrm>
+            <a:off x="486874" y="1628634"/>
+            <a:ext cx="850655" cy="797902"/>
+          </a:xfrm>
+          <a:prstGeom prst="ellipse">
+            <a:avLst/>
+          </a:prstGeom>
+        </p:spPr>
+        <p:style>
+          <a:lnRef idx="2">
+            <a:schemeClr val="accent1">
+              <a:shade val="50000"/>
+            </a:schemeClr>
+          </a:lnRef>
+          <a:fillRef idx="1">
+            <a:schemeClr val="accent1"/>
+          </a:fillRef>
+          <a:effectRef idx="0">
+            <a:schemeClr val="accent1"/>
+          </a:effectRef>
+          <a:fontRef idx="minor">
+            <a:schemeClr val="lt1"/>
+          </a:fontRef>
+        </p:style>
+        <p:txBody>
+          <a:bodyPr rtlCol="0" anchor="ctr"/>
+          <a:lstStyle/>
+          <a:p>
+            <a:pPr algn="ctr"/>
+            <a:r>
+              <a:rPr lang="en-US" sz="1350" dirty="0"/>
+              <a:t>3</a:t>
+            </a:r>
+          </a:p>
+        </p:txBody>
+      </p:sp>
+      <p:sp>
+        <p:nvSpPr>
+          <p:cNvPr id="7" name="Rounded Rectangle 6"/>
+          <p:cNvSpPr/>
+          <p:nvPr/>
+        </p:nvSpPr>
+        <p:spPr>
+          <a:xfrm>
+            <a:off x="2239621" y="1826461"/>
+            <a:ext cx="533400" cy="402248"/>
+          </a:xfrm>
+          <a:prstGeom prst="roundRect">
+            <a:avLst/>
+          </a:prstGeom>
+        </p:spPr>
+        <p:style>
+          <a:lnRef idx="2">
+            <a:schemeClr val="accent1">
+              <a:shade val="50000"/>
+            </a:schemeClr>
+          </a:lnRef>
+          <a:fillRef idx="1">
+            <a:schemeClr val="accent1"/>
+          </a:fillRef>
+          <a:effectRef idx="0">
+            <a:schemeClr val="accent1"/>
+          </a:effectRef>
+          <a:fontRef idx="minor">
+            <a:schemeClr val="lt1"/>
+          </a:fontRef>
+        </p:style>
+        <p:txBody>
+          <a:bodyPr rtlCol="0" anchor="ctr"/>
+          <a:lstStyle/>
+          <a:p>
+            <a:pPr algn="ctr"/>
+            <a:r>
+              <a:rPr lang="en-US" sz="1350" dirty="0"/>
+              <a:t>4</a:t>
+            </a:r>
+          </a:p>
+        </p:txBody>
+      </p:sp>
+      <p:sp>
+        <p:nvSpPr>
+          <p:cNvPr id="8" name="Rectangle 7"/>
+          <p:cNvSpPr/>
+          <p:nvPr/>
+        </p:nvSpPr>
+        <p:spPr>
+          <a:xfrm rot="16200000">
+            <a:off x="457200" y="2563711"/>
+            <a:ext cx="910004" cy="751742"/>
+          </a:xfrm>
+          <a:prstGeom prst="rect">
+            <a:avLst/>
+          </a:prstGeom>
+        </p:spPr>
+        <p:style>
+          <a:lnRef idx="2">
+            <a:schemeClr val="accent1">
+              <a:shade val="50000"/>
+            </a:schemeClr>
+          </a:lnRef>
+          <a:fillRef idx="1">
+            <a:schemeClr val="accent1"/>
+          </a:fillRef>
+          <a:effectRef idx="0">
+            <a:schemeClr val="accent1"/>
+          </a:effectRef>
+          <a:fontRef idx="minor">
+            <a:schemeClr val="lt1"/>
+          </a:fontRef>
+        </p:style>
+        <p:txBody>
+          <a:bodyPr rtlCol="0" anchor="ctr"/>
+          <a:lstStyle/>
+          <a:p>
+            <a:pPr algn="ctr"/>
+            <a:r>
+              <a:rPr lang="en-US" sz="1350" dirty="0"/>
+              <a:t>5</a:t>
+            </a:r>
+          </a:p>
+        </p:txBody>
+      </p:sp>
+      <p:sp>
+        <p:nvSpPr>
+          <p:cNvPr id="9" name="Rectangle 8"/>
+          <p:cNvSpPr/>
+          <p:nvPr/>
+        </p:nvSpPr>
+        <p:spPr>
+          <a:xfrm>
+            <a:off x="1813399" y="2563711"/>
+            <a:ext cx="1385845" cy="751742"/>
+          </a:xfrm>
+          <a:prstGeom prst="rect">
+            <a:avLst/>
+          </a:prstGeom>
+        </p:spPr>
+        <p:style>
+          <a:lnRef idx="2">
+            <a:schemeClr val="accent1">
+              <a:shade val="50000"/>
+            </a:schemeClr>
+          </a:lnRef>
+          <a:fillRef idx="1">
+            <a:schemeClr val="accent1"/>
+          </a:fillRef>
+          <a:effectRef idx="0">
+            <a:schemeClr val="accent1"/>
+          </a:effectRef>
+          <a:fontRef idx="minor">
+            <a:schemeClr val="lt1"/>
+          </a:fontRef>
+        </p:style>
+        <p:txBody>
+          <a:bodyPr rtlCol="0" anchor="ctr"/>
+          <a:lstStyle/>
+          <a:p>
+            <a:pPr algn="ctr"/>
+            <a:r>
+              <a:rPr lang="en-US" sz="1350" dirty="0"/>
+              <a:t>6</a:t>
+            </a:r>
+          </a:p>
+        </p:txBody>
+      </p:sp>
+      <p:sp>
+        <p:nvSpPr>
+          <p:cNvPr id="10" name="Oval 9"/>
+          <p:cNvSpPr/>
+          <p:nvPr/>
+        </p:nvSpPr>
+        <p:spPr>
+          <a:xfrm rot="2252568">
+            <a:off x="3323295" y="2540631"/>
+            <a:ext cx="1325648" cy="797902"/>
+          </a:xfrm>
+          <a:prstGeom prst="ellipse">
+            <a:avLst/>
+          </a:prstGeom>
+        </p:spPr>
+        <p:style>
+          <a:lnRef idx="2">
+            <a:schemeClr val="accent1">
+              <a:shade val="50000"/>
+            </a:schemeClr>
+          </a:lnRef>
+          <a:fillRef idx="1">
+            <a:schemeClr val="accent1"/>
+          </a:fillRef>
+          <a:effectRef idx="0">
+            <a:schemeClr val="accent1"/>
+          </a:effectRef>
+          <a:fontRef idx="minor">
+            <a:schemeClr val="lt1"/>
+          </a:fontRef>
+        </p:style>
+        <p:txBody>
+          <a:bodyPr rtlCol="0" anchor="ctr"/>
+          <a:lstStyle/>
+          <a:p>
+            <a:pPr algn="ctr"/>
+            <a:r>
+              <a:rPr lang="en-US" sz="1350" dirty="0"/>
+              <a:t>7</a:t>
+            </a:r>
+          </a:p>
+        </p:txBody>
+      </p:sp>
+      <p:sp>
+        <p:nvSpPr>
+          <p:cNvPr id="11" name="Rounded Rectangle 10"/>
+          <p:cNvSpPr/>
+          <p:nvPr/>
+        </p:nvSpPr>
+        <p:spPr>
+          <a:xfrm rot="19308688">
+            <a:off x="302236" y="3759598"/>
+            <a:ext cx="1219932" cy="402248"/>
+          </a:xfrm>
+          <a:prstGeom prst="roundRect">
+            <a:avLst/>
+          </a:prstGeom>
+        </p:spPr>
+        <p:style>
+          <a:lnRef idx="2">
+            <a:schemeClr val="accent1">
+              <a:shade val="50000"/>
+            </a:schemeClr>
+          </a:lnRef>
+          <a:fillRef idx="1">
+            <a:schemeClr val="accent1"/>
+          </a:fillRef>
+          <a:effectRef idx="0">
+            <a:schemeClr val="accent1"/>
+          </a:effectRef>
+          <a:fontRef idx="minor">
+            <a:schemeClr val="lt1"/>
+          </a:fontRef>
+        </p:style>
+        <p:txBody>
+          <a:bodyPr rtlCol="0" anchor="ctr"/>
+          <a:lstStyle/>
+          <a:p>
+            <a:pPr algn="ctr"/>
+            <a:r>
+              <a:rPr lang="en-US" sz="1350" dirty="0"/>
+              <a:t>8</a:t>
+            </a:r>
+          </a:p>
+        </p:txBody>
+      </p:sp>
+      <p:sp>
+        <p:nvSpPr>
+          <p:cNvPr id="12" name="Rectangle 11"/>
+          <p:cNvSpPr/>
+          <p:nvPr/>
+        </p:nvSpPr>
+        <p:spPr>
+          <a:xfrm>
+            <a:off x="1749346" y="3584851"/>
+            <a:ext cx="1513948" cy="751742"/>
+          </a:xfrm>
+          <a:prstGeom prst="rect">
+            <a:avLst/>
+          </a:prstGeom>
+        </p:spPr>
+        <p:style>
+          <a:lnRef idx="2">
+            <a:schemeClr val="accent1">
+              <a:shade val="50000"/>
+            </a:schemeClr>
+          </a:lnRef>
+          <a:fillRef idx="1">
+            <a:schemeClr val="accent1"/>
+          </a:fillRef>
+          <a:effectRef idx="0">
+            <a:schemeClr val="accent1"/>
+          </a:effectRef>
+          <a:fontRef idx="minor">
+            <a:schemeClr val="lt1"/>
+          </a:fontRef>
+        </p:style>
+        <p:txBody>
+          <a:bodyPr rtlCol="0" anchor="ctr"/>
+          <a:lstStyle/>
+          <a:p>
+            <a:pPr algn="ctr"/>
+            <a:r>
+              <a:rPr lang="en-US" sz="1350" dirty="0"/>
+              <a:t>9</a:t>
+            </a:r>
+          </a:p>
+        </p:txBody>
+      </p:sp>
+      <p:sp>
+        <p:nvSpPr>
+          <p:cNvPr id="13" name="Rectangle 12"/>
+          <p:cNvSpPr/>
+          <p:nvPr/>
+        </p:nvSpPr>
+        <p:spPr>
+          <a:xfrm>
+            <a:off x="3531117" y="3584851"/>
+            <a:ext cx="910004" cy="751742"/>
+          </a:xfrm>
+          <a:prstGeom prst="rect">
+            <a:avLst/>
+          </a:prstGeom>
+        </p:spPr>
+        <p:style>
+          <a:lnRef idx="2">
+            <a:schemeClr val="accent1">
+              <a:shade val="50000"/>
+            </a:schemeClr>
+          </a:lnRef>
+          <a:fillRef idx="1">
+            <a:schemeClr val="accent1"/>
+          </a:fillRef>
+          <a:effectRef idx="0">
+            <a:schemeClr val="accent1"/>
+          </a:effectRef>
+          <a:fontRef idx="minor">
+            <a:schemeClr val="lt1"/>
+          </a:fontRef>
+        </p:style>
+        <p:txBody>
+          <a:bodyPr rtlCol="0" anchor="ctr"/>
+          <a:lstStyle/>
+          <a:p>
+            <a:pPr algn="ctr"/>
+            <a:r>
+              <a:rPr lang="en-US" sz="1350" dirty="0"/>
+              <a:t>10</a:t>
+            </a:r>
           </a:p>
         </p:txBody>
       </p:sp>
       <p:pic>
         <p:nvPicPr>
-          <p:cNvPr id="4" name="内容占位符 3"/>
+          <p:cNvPr id="14" name="Picture 11"/>
           <p:cNvPicPr>
-            <a:picLocks noGrp="1"/>
+            <a:picLocks noChangeAspect="1" noChangeArrowheads="1"/>
           </p:cNvPicPr>
-          <p:nvPr>
-            <p:ph idx="1"/>
-          </p:nvPr>
+          <p:nvPr/>
         </p:nvPicPr>
-        <p:blipFill>
+        <p:blipFill rotWithShape="1">
           <a:blip r:embed="rId2">
             <a:extLst>
               <a:ext uri="{28A0092B-C50C-407E-A947-70E740481C1C}">
@@ -9289,35 +9748,4495 @@
               </a:ext>
             </a:extLst>
           </a:blip>
-          <a:stretch>
-            <a:fillRect/>
-          </a:stretch>
+          <a:srcRect l="17869" r="10975"/>
+          <a:stretch/>
         </p:blipFill>
-        <p:spPr>
-          <a:xfrm>
-            <a:off x="1074665" y="1600200"/>
-            <a:ext cx="6994670" cy="4525963"/>
-          </a:xfrm>
+        <p:spPr bwMode="auto">
+          <a:xfrm rot="1756192">
+            <a:off x="400131" y="4870930"/>
+            <a:ext cx="1024143" cy="1009650"/>
+          </a:xfrm>
+          <a:prstGeom prst="rect">
+            <a:avLst/>
+          </a:prstGeom>
+          <a:ln>
+            <a:noFill/>
+          </a:ln>
+          <a:effectLst>
+            <a:outerShdw blurRad="190500" algn="tl" rotWithShape="0">
+              <a:srgbClr val="000000">
+                <a:alpha val="70000"/>
+              </a:srgbClr>
+            </a:outerShdw>
+          </a:effectLst>
+          <a:extLst>
+            <a:ext uri="{909E8E84-426E-40DD-AFC4-6F175D3DCCD1}">
+              <a14:hiddenFill xmlns:a14="http://schemas.microsoft.com/office/drawing/2010/main">
+                <a:solidFill>
+                  <a:schemeClr val="accent1"/>
+                </a:solidFill>
+              </a14:hiddenFill>
+            </a:ext>
+            <a:ext uri="{91240B29-F687-4F45-9708-019B960494DF}">
+              <a14:hiddenLine xmlns:a14="http://schemas.microsoft.com/office/drawing/2010/main" w="9525">
+                <a:solidFill>
+                  <a:schemeClr val="tx1"/>
+                </a:solidFill>
+                <a:miter lim="800000"/>
+                <a:headEnd/>
+                <a:tailEnd/>
+              </a14:hiddenLine>
+            </a:ext>
+          </a:extLst>
         </p:spPr>
       </p:pic>
+      <p:pic>
+        <p:nvPicPr>
+          <p:cNvPr id="15" name="Picture 12"/>
+          <p:cNvPicPr>
+            <a:picLocks noChangeAspect="1" noChangeArrowheads="1"/>
+          </p:cNvPicPr>
+          <p:nvPr/>
+        </p:nvPicPr>
+        <p:blipFill rotWithShape="1">
+          <a:blip r:embed="rId3">
+            <a:extLst>
+              <a:ext uri="{28A0092B-C50C-407E-A947-70E740481C1C}">
+                <a14:useLocalDpi xmlns:a14="http://schemas.microsoft.com/office/drawing/2010/main" val="0"/>
+              </a:ext>
+            </a:extLst>
+          </a:blip>
+          <a:srcRect l="14680" r="13179"/>
+          <a:stretch/>
+        </p:blipFill>
+        <p:spPr bwMode="auto">
+          <a:xfrm rot="18564554">
+            <a:off x="1841210" y="4756630"/>
+            <a:ext cx="1330222" cy="1238250"/>
+          </a:xfrm>
+          <a:prstGeom prst="rect">
+            <a:avLst/>
+          </a:prstGeom>
+          <a:ln>
+            <a:noFill/>
+          </a:ln>
+          <a:effectLst>
+            <a:outerShdw blurRad="190500" algn="tl" rotWithShape="0">
+              <a:srgbClr val="000000">
+                <a:alpha val="70000"/>
+              </a:srgbClr>
+            </a:outerShdw>
+          </a:effectLst>
+          <a:extLst>
+            <a:ext uri="{909E8E84-426E-40DD-AFC4-6F175D3DCCD1}">
+              <a14:hiddenFill xmlns:a14="http://schemas.microsoft.com/office/drawing/2010/main">
+                <a:solidFill>
+                  <a:schemeClr val="accent1"/>
+                </a:solidFill>
+              </a14:hiddenFill>
+            </a:ext>
+            <a:ext uri="{91240B29-F687-4F45-9708-019B960494DF}">
+              <a14:hiddenLine xmlns:a14="http://schemas.microsoft.com/office/drawing/2010/main" w="9525">
+                <a:solidFill>
+                  <a:schemeClr val="tx1"/>
+                </a:solidFill>
+                <a:miter lim="800000"/>
+                <a:headEnd/>
+                <a:tailEnd/>
+              </a14:hiddenLine>
+            </a:ext>
+          </a:extLst>
+        </p:spPr>
+      </p:pic>
+      <p:pic>
+        <p:nvPicPr>
+          <p:cNvPr id="16" name="Picture 3"/>
+          <p:cNvPicPr>
+            <a:picLocks noChangeAspect="1" noChangeArrowheads="1"/>
+          </p:cNvPicPr>
+          <p:nvPr/>
+        </p:nvPicPr>
+        <p:blipFill rotWithShape="1">
+          <a:blip r:embed="rId4">
+            <a:extLst>
+              <a:ext uri="{28A0092B-C50C-407E-A947-70E740481C1C}">
+                <a14:useLocalDpi xmlns:a14="http://schemas.microsoft.com/office/drawing/2010/main" val="0"/>
+              </a:ext>
+            </a:extLst>
+          </a:blip>
+          <a:srcRect l="19185"/>
+          <a:stretch/>
+        </p:blipFill>
+        <p:spPr bwMode="auto">
+          <a:xfrm rot="42386591">
+            <a:off x="400979" y="6384907"/>
+            <a:ext cx="1022446" cy="1265171"/>
+          </a:xfrm>
+          <a:prstGeom prst="rect">
+            <a:avLst/>
+          </a:prstGeom>
+          <a:ln>
+            <a:noFill/>
+          </a:ln>
+          <a:effectLst>
+            <a:outerShdw blurRad="190500" algn="tl" rotWithShape="0">
+              <a:srgbClr val="000000">
+                <a:alpha val="70000"/>
+              </a:srgbClr>
+            </a:outerShdw>
+          </a:effectLst>
+          <a:extLst>
+            <a:ext uri="{909E8E84-426E-40DD-AFC4-6F175D3DCCD1}">
+              <a14:hiddenFill xmlns:a14="http://schemas.microsoft.com/office/drawing/2010/main">
+                <a:solidFill>
+                  <a:schemeClr val="accent1"/>
+                </a:solidFill>
+              </a14:hiddenFill>
+            </a:ext>
+            <a:ext uri="{91240B29-F687-4F45-9708-019B960494DF}">
+              <a14:hiddenLine xmlns:a14="http://schemas.microsoft.com/office/drawing/2010/main" w="9525">
+                <a:solidFill>
+                  <a:schemeClr val="tx1"/>
+                </a:solidFill>
+                <a:miter lim="800000"/>
+                <a:headEnd/>
+                <a:tailEnd/>
+              </a14:hiddenLine>
+            </a:ext>
+          </a:extLst>
+        </p:spPr>
+      </p:pic>
+      <p:sp>
+        <p:nvSpPr>
+          <p:cNvPr id="17" name="Rectangle 16"/>
+          <p:cNvSpPr/>
+          <p:nvPr/>
+        </p:nvSpPr>
+        <p:spPr>
+          <a:xfrm rot="1065321">
+            <a:off x="1820985" y="6641620"/>
+            <a:ext cx="1370671" cy="751742"/>
+          </a:xfrm>
+          <a:prstGeom prst="rect">
+            <a:avLst/>
+          </a:prstGeom>
+        </p:spPr>
+        <p:style>
+          <a:lnRef idx="2">
+            <a:schemeClr val="accent1">
+              <a:shade val="50000"/>
+            </a:schemeClr>
+          </a:lnRef>
+          <a:fillRef idx="1">
+            <a:schemeClr val="accent1"/>
+          </a:fillRef>
+          <a:effectRef idx="0">
+            <a:schemeClr val="accent1"/>
+          </a:effectRef>
+          <a:fontRef idx="minor">
+            <a:schemeClr val="lt1"/>
+          </a:fontRef>
+        </p:style>
+        <p:txBody>
+          <a:bodyPr rtlCol="0" anchor="ctr"/>
+          <a:lstStyle/>
+          <a:p>
+            <a:pPr algn="ctr"/>
+            <a:r>
+              <a:rPr lang="en-US" sz="1350" dirty="0"/>
+              <a:t>14</a:t>
+            </a:r>
+          </a:p>
+        </p:txBody>
+      </p:sp>
     </p:spTree>
     <p:extLst>
       <p:ext uri="{BB962C8B-B14F-4D97-AF65-F5344CB8AC3E}">
-        <p14:creationId xmlns:p14="http://schemas.microsoft.com/office/powerpoint/2010/main" val="2306293579"/>
+        <p14:creationId xmlns:p14="http://schemas.microsoft.com/office/powerpoint/2010/main" val="259461943"/>
       </p:ext>
     </p:extLst>
   </p:cSld>
   <p:clrMapOvr>
     <a:masterClrMapping/>
   </p:clrMapOvr>
-  <mc:AlternateContent xmlns:mc="http://schemas.openxmlformats.org/markup-compatibility/2006" xmlns:p14="http://schemas.microsoft.com/office/powerpoint/2010/main">
-    <mc:Choice Requires="p14">
-      <p:transition spd="slow" p14:dur="2000"/>
-    </mc:Choice>
-    <mc:Fallback xmlns="">
-      <p:transition spd="slow"/>
-    </mc:Fallback>
-  </mc:AlternateContent>
+</p:sld>
+</file>
+
+<file path=ppt/slides/slide11.xml><?xml version="1.0" encoding="utf-8"?>
+<p:sld xmlns:a="http://schemas.openxmlformats.org/drawingml/2006/main" xmlns:r="http://schemas.openxmlformats.org/officeDocument/2006/relationships" xmlns:p="http://schemas.openxmlformats.org/presentationml/2006/main">
+  <p:cSld>
+    <p:spTree>
+      <p:nvGrpSpPr>
+        <p:cNvPr id="1" name=""/>
+        <p:cNvGrpSpPr/>
+        <p:nvPr/>
+      </p:nvGrpSpPr>
+      <p:grpSpPr>
+        <a:xfrm>
+          <a:off x="0" y="0"/>
+          <a:ext cx="0" cy="0"/>
+          <a:chOff x="0" y="0"/>
+          <a:chExt cx="0" cy="0"/>
+        </a:xfrm>
+      </p:grpSpPr>
+      <p:sp>
+        <p:nvSpPr>
+          <p:cNvPr id="4" name="Rectangle 3"/>
+          <p:cNvSpPr/>
+          <p:nvPr/>
+        </p:nvSpPr>
+        <p:spPr>
+          <a:xfrm>
+            <a:off x="457200" y="685800"/>
+            <a:ext cx="910004" cy="751742"/>
+          </a:xfrm>
+          <a:prstGeom prst="rect">
+            <a:avLst/>
+          </a:prstGeom>
+        </p:spPr>
+        <p:style>
+          <a:lnRef idx="2">
+            <a:schemeClr val="accent1">
+              <a:shade val="50000"/>
+            </a:schemeClr>
+          </a:lnRef>
+          <a:fillRef idx="1">
+            <a:schemeClr val="accent1"/>
+          </a:fillRef>
+          <a:effectRef idx="0">
+            <a:schemeClr val="accent1"/>
+          </a:effectRef>
+          <a:fontRef idx="minor">
+            <a:schemeClr val="lt1"/>
+          </a:fontRef>
+        </p:style>
+        <p:txBody>
+          <a:bodyPr rtlCol="0" anchor="ctr"/>
+          <a:lstStyle/>
+          <a:p>
+            <a:pPr algn="ctr"/>
+            <a:r>
+              <a:rPr lang="en-US" sz="1350" dirty="0"/>
+              <a:t>1</a:t>
+            </a:r>
+          </a:p>
+        </p:txBody>
+      </p:sp>
+      <p:sp>
+        <p:nvSpPr>
+          <p:cNvPr id="5" name="Rectangle 4"/>
+          <p:cNvSpPr/>
+          <p:nvPr/>
+        </p:nvSpPr>
+        <p:spPr>
+          <a:xfrm rot="1065321">
+            <a:off x="1894787" y="685800"/>
+            <a:ext cx="1370671" cy="751742"/>
+          </a:xfrm>
+          <a:prstGeom prst="rect">
+            <a:avLst/>
+          </a:prstGeom>
+        </p:spPr>
+        <p:style>
+          <a:lnRef idx="2">
+            <a:schemeClr val="accent1">
+              <a:shade val="50000"/>
+            </a:schemeClr>
+          </a:lnRef>
+          <a:fillRef idx="1">
+            <a:schemeClr val="accent1"/>
+          </a:fillRef>
+          <a:effectRef idx="0">
+            <a:schemeClr val="accent1"/>
+          </a:effectRef>
+          <a:fontRef idx="minor">
+            <a:schemeClr val="lt1"/>
+          </a:fontRef>
+        </p:style>
+        <p:txBody>
+          <a:bodyPr rtlCol="0" anchor="ctr"/>
+          <a:lstStyle/>
+          <a:p>
+            <a:pPr algn="ctr"/>
+            <a:r>
+              <a:rPr lang="en-US" sz="1350" dirty="0"/>
+              <a:t>2</a:t>
+            </a:r>
+          </a:p>
+        </p:txBody>
+      </p:sp>
+      <p:sp>
+        <p:nvSpPr>
+          <p:cNvPr id="6" name="Oval 5"/>
+          <p:cNvSpPr/>
+          <p:nvPr/>
+        </p:nvSpPr>
+        <p:spPr>
+          <a:xfrm>
+            <a:off x="486874" y="1628634"/>
+            <a:ext cx="850655" cy="797902"/>
+          </a:xfrm>
+          <a:prstGeom prst="ellipse">
+            <a:avLst/>
+          </a:prstGeom>
+        </p:spPr>
+        <p:style>
+          <a:lnRef idx="2">
+            <a:schemeClr val="accent1">
+              <a:shade val="50000"/>
+            </a:schemeClr>
+          </a:lnRef>
+          <a:fillRef idx="1">
+            <a:schemeClr val="accent1"/>
+          </a:fillRef>
+          <a:effectRef idx="0">
+            <a:schemeClr val="accent1"/>
+          </a:effectRef>
+          <a:fontRef idx="minor">
+            <a:schemeClr val="lt1"/>
+          </a:fontRef>
+        </p:style>
+        <p:txBody>
+          <a:bodyPr rtlCol="0" anchor="ctr"/>
+          <a:lstStyle/>
+          <a:p>
+            <a:pPr algn="ctr"/>
+            <a:r>
+              <a:rPr lang="en-US" sz="1350" dirty="0"/>
+              <a:t>3</a:t>
+            </a:r>
+          </a:p>
+        </p:txBody>
+      </p:sp>
+      <p:sp>
+        <p:nvSpPr>
+          <p:cNvPr id="7" name="Rounded Rectangle 6"/>
+          <p:cNvSpPr/>
+          <p:nvPr/>
+        </p:nvSpPr>
+        <p:spPr>
+          <a:xfrm>
+            <a:off x="2313422" y="1826461"/>
+            <a:ext cx="533400" cy="402248"/>
+          </a:xfrm>
+          <a:prstGeom prst="roundRect">
+            <a:avLst/>
+          </a:prstGeom>
+        </p:spPr>
+        <p:style>
+          <a:lnRef idx="2">
+            <a:schemeClr val="accent1">
+              <a:shade val="50000"/>
+            </a:schemeClr>
+          </a:lnRef>
+          <a:fillRef idx="1">
+            <a:schemeClr val="accent1"/>
+          </a:fillRef>
+          <a:effectRef idx="0">
+            <a:schemeClr val="accent1"/>
+          </a:effectRef>
+          <a:fontRef idx="minor">
+            <a:schemeClr val="lt1"/>
+          </a:fontRef>
+        </p:style>
+        <p:txBody>
+          <a:bodyPr rtlCol="0" anchor="ctr"/>
+          <a:lstStyle/>
+          <a:p>
+            <a:pPr algn="ctr"/>
+            <a:r>
+              <a:rPr lang="en-US" sz="1350" dirty="0"/>
+              <a:t>4</a:t>
+            </a:r>
+          </a:p>
+        </p:txBody>
+      </p:sp>
+      <p:sp>
+        <p:nvSpPr>
+          <p:cNvPr id="8" name="Rectangle 7"/>
+          <p:cNvSpPr/>
+          <p:nvPr/>
+        </p:nvSpPr>
+        <p:spPr>
+          <a:xfrm rot="16200000">
+            <a:off x="457200" y="2505667"/>
+            <a:ext cx="910004" cy="751742"/>
+          </a:xfrm>
+          <a:prstGeom prst="rect">
+            <a:avLst/>
+          </a:prstGeom>
+        </p:spPr>
+        <p:style>
+          <a:lnRef idx="2">
+            <a:schemeClr val="accent1">
+              <a:shade val="50000"/>
+            </a:schemeClr>
+          </a:lnRef>
+          <a:fillRef idx="1">
+            <a:schemeClr val="accent1"/>
+          </a:fillRef>
+          <a:effectRef idx="0">
+            <a:schemeClr val="accent1"/>
+          </a:effectRef>
+          <a:fontRef idx="minor">
+            <a:schemeClr val="lt1"/>
+          </a:fontRef>
+        </p:style>
+        <p:txBody>
+          <a:bodyPr rtlCol="0" anchor="ctr"/>
+          <a:lstStyle/>
+          <a:p>
+            <a:pPr algn="ctr"/>
+            <a:r>
+              <a:rPr lang="en-US" sz="1350" dirty="0"/>
+              <a:t>5</a:t>
+            </a:r>
+          </a:p>
+        </p:txBody>
+      </p:sp>
+      <p:sp>
+        <p:nvSpPr>
+          <p:cNvPr id="9" name="Rectangle 8"/>
+          <p:cNvSpPr/>
+          <p:nvPr/>
+        </p:nvSpPr>
+        <p:spPr>
+          <a:xfrm>
+            <a:off x="1887199" y="2505667"/>
+            <a:ext cx="1385845" cy="751742"/>
+          </a:xfrm>
+          <a:prstGeom prst="rect">
+            <a:avLst/>
+          </a:prstGeom>
+        </p:spPr>
+        <p:style>
+          <a:lnRef idx="2">
+            <a:schemeClr val="accent1">
+              <a:shade val="50000"/>
+            </a:schemeClr>
+          </a:lnRef>
+          <a:fillRef idx="1">
+            <a:schemeClr val="accent1"/>
+          </a:fillRef>
+          <a:effectRef idx="0">
+            <a:schemeClr val="accent1"/>
+          </a:effectRef>
+          <a:fontRef idx="minor">
+            <a:schemeClr val="lt1"/>
+          </a:fontRef>
+        </p:style>
+        <p:txBody>
+          <a:bodyPr rtlCol="0" anchor="ctr"/>
+          <a:lstStyle/>
+          <a:p>
+            <a:pPr algn="ctr"/>
+            <a:r>
+              <a:rPr lang="en-US" sz="1350" dirty="0"/>
+              <a:t>6</a:t>
+            </a:r>
+          </a:p>
+        </p:txBody>
+      </p:sp>
+      <p:sp>
+        <p:nvSpPr>
+          <p:cNvPr id="10" name="Oval 9"/>
+          <p:cNvSpPr/>
+          <p:nvPr/>
+        </p:nvSpPr>
+        <p:spPr>
+          <a:xfrm rot="2252568">
+            <a:off x="249378" y="3450636"/>
+            <a:ext cx="1325648" cy="797902"/>
+          </a:xfrm>
+          <a:prstGeom prst="ellipse">
+            <a:avLst/>
+          </a:prstGeom>
+        </p:spPr>
+        <p:style>
+          <a:lnRef idx="2">
+            <a:schemeClr val="accent1">
+              <a:shade val="50000"/>
+            </a:schemeClr>
+          </a:lnRef>
+          <a:fillRef idx="1">
+            <a:schemeClr val="accent1"/>
+          </a:fillRef>
+          <a:effectRef idx="0">
+            <a:schemeClr val="accent1"/>
+          </a:effectRef>
+          <a:fontRef idx="minor">
+            <a:schemeClr val="lt1"/>
+          </a:fontRef>
+        </p:style>
+        <p:txBody>
+          <a:bodyPr rtlCol="0" anchor="ctr"/>
+          <a:lstStyle/>
+          <a:p>
+            <a:pPr algn="ctr"/>
+            <a:r>
+              <a:rPr lang="en-US" sz="1350" dirty="0"/>
+              <a:t>7</a:t>
+            </a:r>
+          </a:p>
+        </p:txBody>
+      </p:sp>
+      <p:sp>
+        <p:nvSpPr>
+          <p:cNvPr id="11" name="Rounded Rectangle 10"/>
+          <p:cNvSpPr/>
+          <p:nvPr/>
+        </p:nvSpPr>
+        <p:spPr>
+          <a:xfrm rot="19308688">
+            <a:off x="1970155" y="3648462"/>
+            <a:ext cx="1219932" cy="402248"/>
+          </a:xfrm>
+          <a:prstGeom prst="roundRect">
+            <a:avLst/>
+          </a:prstGeom>
+        </p:spPr>
+        <p:style>
+          <a:lnRef idx="2">
+            <a:schemeClr val="accent1">
+              <a:shade val="50000"/>
+            </a:schemeClr>
+          </a:lnRef>
+          <a:fillRef idx="1">
+            <a:schemeClr val="accent1"/>
+          </a:fillRef>
+          <a:effectRef idx="0">
+            <a:schemeClr val="accent1"/>
+          </a:effectRef>
+          <a:fontRef idx="minor">
+            <a:schemeClr val="lt1"/>
+          </a:fontRef>
+        </p:style>
+        <p:txBody>
+          <a:bodyPr rtlCol="0" anchor="ctr"/>
+          <a:lstStyle/>
+          <a:p>
+            <a:pPr algn="ctr"/>
+            <a:r>
+              <a:rPr lang="en-US" sz="1350" dirty="0"/>
+              <a:t>8</a:t>
+            </a:r>
+          </a:p>
+        </p:txBody>
+      </p:sp>
+      <p:sp>
+        <p:nvSpPr>
+          <p:cNvPr id="12" name="Rectangle 11"/>
+          <p:cNvSpPr/>
+          <p:nvPr/>
+        </p:nvSpPr>
+        <p:spPr>
+          <a:xfrm>
+            <a:off x="155228" y="4677498"/>
+            <a:ext cx="1513948" cy="751742"/>
+          </a:xfrm>
+          <a:prstGeom prst="rect">
+            <a:avLst/>
+          </a:prstGeom>
+        </p:spPr>
+        <p:style>
+          <a:lnRef idx="2">
+            <a:schemeClr val="accent1">
+              <a:shade val="50000"/>
+            </a:schemeClr>
+          </a:lnRef>
+          <a:fillRef idx="1">
+            <a:schemeClr val="accent1"/>
+          </a:fillRef>
+          <a:effectRef idx="0">
+            <a:schemeClr val="accent1"/>
+          </a:effectRef>
+          <a:fontRef idx="minor">
+            <a:schemeClr val="lt1"/>
+          </a:fontRef>
+        </p:style>
+        <p:txBody>
+          <a:bodyPr rtlCol="0" anchor="ctr"/>
+          <a:lstStyle/>
+          <a:p>
+            <a:pPr algn="ctr"/>
+            <a:r>
+              <a:rPr lang="en-US" sz="1350" dirty="0"/>
+              <a:t>9</a:t>
+            </a:r>
+          </a:p>
+        </p:txBody>
+      </p:sp>
+      <p:sp>
+        <p:nvSpPr>
+          <p:cNvPr id="13" name="Rectangle 12"/>
+          <p:cNvSpPr/>
+          <p:nvPr/>
+        </p:nvSpPr>
+        <p:spPr>
+          <a:xfrm>
+            <a:off x="2125120" y="4677498"/>
+            <a:ext cx="910004" cy="751742"/>
+          </a:xfrm>
+          <a:prstGeom prst="rect">
+            <a:avLst/>
+          </a:prstGeom>
+        </p:spPr>
+        <p:style>
+          <a:lnRef idx="2">
+            <a:schemeClr val="accent1">
+              <a:shade val="50000"/>
+            </a:schemeClr>
+          </a:lnRef>
+          <a:fillRef idx="1">
+            <a:schemeClr val="accent1"/>
+          </a:fillRef>
+          <a:effectRef idx="0">
+            <a:schemeClr val="accent1"/>
+          </a:effectRef>
+          <a:fontRef idx="minor">
+            <a:schemeClr val="lt1"/>
+          </a:fontRef>
+        </p:style>
+        <p:txBody>
+          <a:bodyPr rtlCol="0" anchor="ctr"/>
+          <a:lstStyle/>
+          <a:p>
+            <a:pPr algn="ctr"/>
+            <a:r>
+              <a:rPr lang="en-US" sz="1350" dirty="0"/>
+              <a:t>10</a:t>
+            </a:r>
+          </a:p>
+        </p:txBody>
+      </p:sp>
+      <p:pic>
+        <p:nvPicPr>
+          <p:cNvPr id="14" name="Picture 11"/>
+          <p:cNvPicPr>
+            <a:picLocks noChangeAspect="1" noChangeArrowheads="1"/>
+          </p:cNvPicPr>
+          <p:nvPr/>
+        </p:nvPicPr>
+        <p:blipFill rotWithShape="1">
+          <a:blip r:embed="rId2">
+            <a:extLst>
+              <a:ext uri="{28A0092B-C50C-407E-A947-70E740481C1C}">
+                <a14:useLocalDpi xmlns:a14="http://schemas.microsoft.com/office/drawing/2010/main" val="0"/>
+              </a:ext>
+            </a:extLst>
+          </a:blip>
+          <a:srcRect l="17869" r="10975"/>
+          <a:stretch/>
+        </p:blipFill>
+        <p:spPr bwMode="auto">
+          <a:xfrm rot="1756192">
+            <a:off x="3602680" y="4548544"/>
+            <a:ext cx="1024143" cy="1009650"/>
+          </a:xfrm>
+          <a:prstGeom prst="rect">
+            <a:avLst/>
+          </a:prstGeom>
+          <a:ln>
+            <a:noFill/>
+          </a:ln>
+          <a:effectLst>
+            <a:outerShdw blurRad="190500" algn="tl" rotWithShape="0">
+              <a:srgbClr val="000000">
+                <a:alpha val="70000"/>
+              </a:srgbClr>
+            </a:outerShdw>
+          </a:effectLst>
+          <a:extLst>
+            <a:ext uri="{909E8E84-426E-40DD-AFC4-6F175D3DCCD1}">
+              <a14:hiddenFill xmlns:a14="http://schemas.microsoft.com/office/drawing/2010/main">
+                <a:solidFill>
+                  <a:schemeClr val="accent1"/>
+                </a:solidFill>
+              </a14:hiddenFill>
+            </a:ext>
+            <a:ext uri="{91240B29-F687-4F45-9708-019B960494DF}">
+              <a14:hiddenLine xmlns:a14="http://schemas.microsoft.com/office/drawing/2010/main" w="9525">
+                <a:solidFill>
+                  <a:schemeClr val="tx1"/>
+                </a:solidFill>
+                <a:miter lim="800000"/>
+                <a:headEnd/>
+                <a:tailEnd/>
+              </a14:hiddenLine>
+            </a:ext>
+          </a:extLst>
+        </p:spPr>
+      </p:pic>
+      <p:pic>
+        <p:nvPicPr>
+          <p:cNvPr id="15" name="Picture 12"/>
+          <p:cNvPicPr>
+            <a:picLocks noChangeAspect="1" noChangeArrowheads="1"/>
+          </p:cNvPicPr>
+          <p:nvPr/>
+        </p:nvPicPr>
+        <p:blipFill rotWithShape="1">
+          <a:blip r:embed="rId3">
+            <a:extLst>
+              <a:ext uri="{28A0092B-C50C-407E-A947-70E740481C1C}">
+                <a14:useLocalDpi xmlns:a14="http://schemas.microsoft.com/office/drawing/2010/main" val="0"/>
+              </a:ext>
+            </a:extLst>
+          </a:blip>
+          <a:srcRect l="14680" r="13179"/>
+          <a:stretch/>
+        </p:blipFill>
+        <p:spPr bwMode="auto">
+          <a:xfrm rot="18564554">
+            <a:off x="247091" y="6031920"/>
+            <a:ext cx="1330222" cy="1238250"/>
+          </a:xfrm>
+          <a:prstGeom prst="rect">
+            <a:avLst/>
+          </a:prstGeom>
+          <a:ln>
+            <a:noFill/>
+          </a:ln>
+          <a:effectLst>
+            <a:outerShdw blurRad="190500" algn="tl" rotWithShape="0">
+              <a:srgbClr val="000000">
+                <a:alpha val="70000"/>
+              </a:srgbClr>
+            </a:outerShdw>
+          </a:effectLst>
+          <a:extLst>
+            <a:ext uri="{909E8E84-426E-40DD-AFC4-6F175D3DCCD1}">
+              <a14:hiddenFill xmlns:a14="http://schemas.microsoft.com/office/drawing/2010/main">
+                <a:solidFill>
+                  <a:schemeClr val="accent1"/>
+                </a:solidFill>
+              </a14:hiddenFill>
+            </a:ext>
+            <a:ext uri="{91240B29-F687-4F45-9708-019B960494DF}">
+              <a14:hiddenLine xmlns:a14="http://schemas.microsoft.com/office/drawing/2010/main" w="9525">
+                <a:solidFill>
+                  <a:schemeClr val="tx1"/>
+                </a:solidFill>
+                <a:miter lim="800000"/>
+                <a:headEnd/>
+                <a:tailEnd/>
+              </a14:hiddenLine>
+            </a:ext>
+          </a:extLst>
+        </p:spPr>
+      </p:pic>
+      <p:pic>
+        <p:nvPicPr>
+          <p:cNvPr id="16" name="Picture 3"/>
+          <p:cNvPicPr>
+            <a:picLocks noChangeAspect="1" noChangeArrowheads="1"/>
+          </p:cNvPicPr>
+          <p:nvPr/>
+        </p:nvPicPr>
+        <p:blipFill rotWithShape="1">
+          <a:blip r:embed="rId4">
+            <a:extLst>
+              <a:ext uri="{28A0092B-C50C-407E-A947-70E740481C1C}">
+                <a14:useLocalDpi xmlns:a14="http://schemas.microsoft.com/office/drawing/2010/main" val="0"/>
+              </a:ext>
+            </a:extLst>
+          </a:blip>
+          <a:srcRect l="19185"/>
+          <a:stretch/>
+        </p:blipFill>
+        <p:spPr bwMode="auto">
+          <a:xfrm rot="42386591">
+            <a:off x="2068898" y="6018461"/>
+            <a:ext cx="1022446" cy="1265171"/>
+          </a:xfrm>
+          <a:prstGeom prst="rect">
+            <a:avLst/>
+          </a:prstGeom>
+          <a:ln>
+            <a:noFill/>
+          </a:ln>
+          <a:effectLst>
+            <a:outerShdw blurRad="190500" algn="tl" rotWithShape="0">
+              <a:srgbClr val="000000">
+                <a:alpha val="70000"/>
+              </a:srgbClr>
+            </a:outerShdw>
+          </a:effectLst>
+          <a:extLst>
+            <a:ext uri="{909E8E84-426E-40DD-AFC4-6F175D3DCCD1}">
+              <a14:hiddenFill xmlns:a14="http://schemas.microsoft.com/office/drawing/2010/main">
+                <a:solidFill>
+                  <a:schemeClr val="accent1"/>
+                </a:solidFill>
+              </a14:hiddenFill>
+            </a:ext>
+            <a:ext uri="{91240B29-F687-4F45-9708-019B960494DF}">
+              <a14:hiddenLine xmlns:a14="http://schemas.microsoft.com/office/drawing/2010/main" w="9525">
+                <a:solidFill>
+                  <a:schemeClr val="tx1"/>
+                </a:solidFill>
+                <a:miter lim="800000"/>
+                <a:headEnd/>
+                <a:tailEnd/>
+              </a14:hiddenLine>
+            </a:ext>
+          </a:extLst>
+        </p:spPr>
+      </p:pic>
+      <p:sp>
+        <p:nvSpPr>
+          <p:cNvPr id="17" name="Rectangle 16"/>
+          <p:cNvSpPr/>
+          <p:nvPr/>
+        </p:nvSpPr>
+        <p:spPr>
+          <a:xfrm rot="1065321">
+            <a:off x="3429416" y="6275174"/>
+            <a:ext cx="1370671" cy="751742"/>
+          </a:xfrm>
+          <a:prstGeom prst="rect">
+            <a:avLst/>
+          </a:prstGeom>
+        </p:spPr>
+        <p:style>
+          <a:lnRef idx="2">
+            <a:schemeClr val="accent1">
+              <a:shade val="50000"/>
+            </a:schemeClr>
+          </a:lnRef>
+          <a:fillRef idx="1">
+            <a:schemeClr val="accent1"/>
+          </a:fillRef>
+          <a:effectRef idx="0">
+            <a:schemeClr val="accent1"/>
+          </a:effectRef>
+          <a:fontRef idx="minor">
+            <a:schemeClr val="lt1"/>
+          </a:fontRef>
+        </p:style>
+        <p:txBody>
+          <a:bodyPr rtlCol="0" anchor="ctr"/>
+          <a:lstStyle/>
+          <a:p>
+            <a:pPr algn="ctr"/>
+            <a:r>
+              <a:rPr lang="en-US" sz="1350" dirty="0"/>
+              <a:t>14</a:t>
+            </a:r>
+          </a:p>
+        </p:txBody>
+      </p:sp>
+    </p:spTree>
+    <p:extLst>
+      <p:ext uri="{BB962C8B-B14F-4D97-AF65-F5344CB8AC3E}">
+        <p14:creationId xmlns:p14="http://schemas.microsoft.com/office/powerpoint/2010/main" val="197079604"/>
+      </p:ext>
+    </p:extLst>
+  </p:cSld>
+  <p:clrMapOvr>
+    <a:masterClrMapping/>
+  </p:clrMapOvr>
+</p:sld>
+</file>
+
+<file path=ppt/slides/slide12.xml><?xml version="1.0" encoding="utf-8"?>
+<p:sld xmlns:a="http://schemas.openxmlformats.org/drawingml/2006/main" xmlns:r="http://schemas.openxmlformats.org/officeDocument/2006/relationships" xmlns:p="http://schemas.openxmlformats.org/presentationml/2006/main">
+  <p:cSld>
+    <p:spTree>
+      <p:nvGrpSpPr>
+        <p:cNvPr id="1" name=""/>
+        <p:cNvGrpSpPr/>
+        <p:nvPr/>
+      </p:nvGrpSpPr>
+      <p:grpSpPr>
+        <a:xfrm>
+          <a:off x="0" y="0"/>
+          <a:ext cx="0" cy="0"/>
+          <a:chOff x="0" y="0"/>
+          <a:chExt cx="0" cy="0"/>
+        </a:xfrm>
+      </p:grpSpPr>
+      <p:sp>
+        <p:nvSpPr>
+          <p:cNvPr id="2" name="Title 1"/>
+          <p:cNvSpPr>
+            <a:spLocks noGrp="1"/>
+          </p:cNvSpPr>
+          <p:nvPr>
+            <p:ph type="title"/>
+          </p:nvPr>
+        </p:nvSpPr>
+        <p:spPr/>
+        <p:txBody>
+          <a:bodyPr/>
+          <a:lstStyle/>
+          <a:p>
+            <a:r>
+              <a:rPr lang="en-US" dirty="0"/>
+              <a:t>Distribute:: Grid / First / Shape Edge</a:t>
+            </a:r>
+            <a:endParaRPr lang="en-SG" dirty="0"/>
+          </a:p>
+        </p:txBody>
+      </p:sp>
+      <p:sp>
+        <p:nvSpPr>
+          <p:cNvPr id="3" name="Content Placeholder 2"/>
+          <p:cNvSpPr>
+            <a:spLocks noGrp="1"/>
+          </p:cNvSpPr>
+          <p:nvPr>
+            <p:ph idx="1"/>
+          </p:nvPr>
+        </p:nvSpPr>
+        <p:spPr/>
+        <p:txBody>
+          <a:bodyPr/>
+          <a:lstStyle/>
+          <a:p>
+            <a:endParaRPr lang="en-SG" dirty="0"/>
+          </a:p>
+        </p:txBody>
+      </p:sp>
+    </p:spTree>
+    <p:extLst>
+      <p:ext uri="{BB962C8B-B14F-4D97-AF65-F5344CB8AC3E}">
+        <p14:creationId xmlns:p14="http://schemas.microsoft.com/office/powerpoint/2010/main" val="3415541696"/>
+      </p:ext>
+    </p:extLst>
+  </p:cSld>
+  <p:clrMapOvr>
+    <a:masterClrMapping/>
+  </p:clrMapOvr>
+</p:sld>
+</file>
+
+<file path=ppt/slides/slide13.xml><?xml version="1.0" encoding="utf-8"?>
+<p:sld xmlns:a="http://schemas.openxmlformats.org/drawingml/2006/main" xmlns:r="http://schemas.openxmlformats.org/officeDocument/2006/relationships" xmlns:p="http://schemas.openxmlformats.org/presentationml/2006/main">
+  <p:cSld>
+    <p:spTree>
+      <p:nvGrpSpPr>
+        <p:cNvPr id="1" name=""/>
+        <p:cNvGrpSpPr/>
+        <p:nvPr/>
+      </p:nvGrpSpPr>
+      <p:grpSpPr>
+        <a:xfrm>
+          <a:off x="0" y="0"/>
+          <a:ext cx="0" cy="0"/>
+          <a:chOff x="0" y="0"/>
+          <a:chExt cx="0" cy="0"/>
+        </a:xfrm>
+      </p:grpSpPr>
+      <p:sp>
+        <p:nvSpPr>
+          <p:cNvPr id="4" name="Rectangle 3"/>
+          <p:cNvSpPr/>
+          <p:nvPr/>
+        </p:nvSpPr>
+        <p:spPr>
+          <a:xfrm>
+            <a:off x="457200" y="685800"/>
+            <a:ext cx="910004" cy="751742"/>
+          </a:xfrm>
+          <a:prstGeom prst="rect">
+            <a:avLst/>
+          </a:prstGeom>
+        </p:spPr>
+        <p:style>
+          <a:lnRef idx="2">
+            <a:schemeClr val="accent1">
+              <a:shade val="50000"/>
+            </a:schemeClr>
+          </a:lnRef>
+          <a:fillRef idx="1">
+            <a:schemeClr val="accent1"/>
+          </a:fillRef>
+          <a:effectRef idx="0">
+            <a:schemeClr val="accent1"/>
+          </a:effectRef>
+          <a:fontRef idx="minor">
+            <a:schemeClr val="lt1"/>
+          </a:fontRef>
+        </p:style>
+        <p:txBody>
+          <a:bodyPr rtlCol="0" anchor="ctr"/>
+          <a:lstStyle/>
+          <a:p>
+            <a:pPr algn="ctr"/>
+            <a:r>
+              <a:rPr lang="en-US" sz="1350" dirty="0"/>
+              <a:t>1</a:t>
+            </a:r>
+          </a:p>
+        </p:txBody>
+      </p:sp>
+      <p:sp>
+        <p:nvSpPr>
+          <p:cNvPr id="5" name="Rectangle 4"/>
+          <p:cNvSpPr/>
+          <p:nvPr/>
+        </p:nvSpPr>
+        <p:spPr>
+          <a:xfrm rot="1065321">
+            <a:off x="2170684" y="685801"/>
+            <a:ext cx="1370671" cy="751742"/>
+          </a:xfrm>
+          <a:prstGeom prst="rect">
+            <a:avLst/>
+          </a:prstGeom>
+        </p:spPr>
+        <p:style>
+          <a:lnRef idx="2">
+            <a:schemeClr val="accent1">
+              <a:shade val="50000"/>
+            </a:schemeClr>
+          </a:lnRef>
+          <a:fillRef idx="1">
+            <a:schemeClr val="accent1"/>
+          </a:fillRef>
+          <a:effectRef idx="0">
+            <a:schemeClr val="accent1"/>
+          </a:effectRef>
+          <a:fontRef idx="minor">
+            <a:schemeClr val="lt1"/>
+          </a:fontRef>
+        </p:style>
+        <p:txBody>
+          <a:bodyPr rtlCol="0" anchor="ctr"/>
+          <a:lstStyle/>
+          <a:p>
+            <a:pPr algn="ctr"/>
+            <a:r>
+              <a:rPr lang="en-US" sz="1350" dirty="0"/>
+              <a:t>2</a:t>
+            </a:r>
+          </a:p>
+        </p:txBody>
+      </p:sp>
+      <p:sp>
+        <p:nvSpPr>
+          <p:cNvPr id="6" name="Oval 5"/>
+          <p:cNvSpPr/>
+          <p:nvPr/>
+        </p:nvSpPr>
+        <p:spPr>
+          <a:xfrm>
+            <a:off x="4344835" y="662720"/>
+            <a:ext cx="850655" cy="797902"/>
+          </a:xfrm>
+          <a:prstGeom prst="ellipse">
+            <a:avLst/>
+          </a:prstGeom>
+        </p:spPr>
+        <p:style>
+          <a:lnRef idx="2">
+            <a:schemeClr val="accent1">
+              <a:shade val="50000"/>
+            </a:schemeClr>
+          </a:lnRef>
+          <a:fillRef idx="1">
+            <a:schemeClr val="accent1"/>
+          </a:fillRef>
+          <a:effectRef idx="0">
+            <a:schemeClr val="accent1"/>
+          </a:effectRef>
+          <a:fontRef idx="minor">
+            <a:schemeClr val="lt1"/>
+          </a:fontRef>
+        </p:style>
+        <p:txBody>
+          <a:bodyPr rtlCol="0" anchor="ctr"/>
+          <a:lstStyle/>
+          <a:p>
+            <a:pPr algn="ctr"/>
+            <a:r>
+              <a:rPr lang="en-US" sz="1350" dirty="0"/>
+              <a:t>3</a:t>
+            </a:r>
+          </a:p>
+        </p:txBody>
+      </p:sp>
+      <p:sp>
+        <p:nvSpPr>
+          <p:cNvPr id="7" name="Rounded Rectangle 6"/>
+          <p:cNvSpPr/>
+          <p:nvPr/>
+        </p:nvSpPr>
+        <p:spPr>
+          <a:xfrm>
+            <a:off x="5916990" y="860547"/>
+            <a:ext cx="533400" cy="402248"/>
+          </a:xfrm>
+          <a:prstGeom prst="roundRect">
+            <a:avLst/>
+          </a:prstGeom>
+        </p:spPr>
+        <p:style>
+          <a:lnRef idx="2">
+            <a:schemeClr val="accent1">
+              <a:shade val="50000"/>
+            </a:schemeClr>
+          </a:lnRef>
+          <a:fillRef idx="1">
+            <a:schemeClr val="accent1"/>
+          </a:fillRef>
+          <a:effectRef idx="0">
+            <a:schemeClr val="accent1"/>
+          </a:effectRef>
+          <a:fontRef idx="minor">
+            <a:schemeClr val="lt1"/>
+          </a:fontRef>
+        </p:style>
+        <p:txBody>
+          <a:bodyPr rtlCol="0" anchor="ctr"/>
+          <a:lstStyle/>
+          <a:p>
+            <a:pPr algn="ctr"/>
+            <a:r>
+              <a:rPr lang="en-US" sz="1350" dirty="0"/>
+              <a:t>4</a:t>
+            </a:r>
+          </a:p>
+        </p:txBody>
+      </p:sp>
+      <p:sp>
+        <p:nvSpPr>
+          <p:cNvPr id="8" name="Rectangle 7"/>
+          <p:cNvSpPr/>
+          <p:nvPr/>
+        </p:nvSpPr>
+        <p:spPr>
+          <a:xfrm rot="16200000">
+            <a:off x="378070" y="1892809"/>
+            <a:ext cx="910004" cy="751742"/>
+          </a:xfrm>
+          <a:prstGeom prst="rect">
+            <a:avLst/>
+          </a:prstGeom>
+        </p:spPr>
+        <p:style>
+          <a:lnRef idx="2">
+            <a:schemeClr val="accent1">
+              <a:shade val="50000"/>
+            </a:schemeClr>
+          </a:lnRef>
+          <a:fillRef idx="1">
+            <a:schemeClr val="accent1"/>
+          </a:fillRef>
+          <a:effectRef idx="0">
+            <a:schemeClr val="accent1"/>
+          </a:effectRef>
+          <a:fontRef idx="minor">
+            <a:schemeClr val="lt1"/>
+          </a:fontRef>
+        </p:style>
+        <p:txBody>
+          <a:bodyPr rtlCol="0" anchor="ctr"/>
+          <a:lstStyle/>
+          <a:p>
+            <a:pPr algn="ctr"/>
+            <a:r>
+              <a:rPr lang="en-US" sz="1350" dirty="0"/>
+              <a:t>5</a:t>
+            </a:r>
+          </a:p>
+        </p:txBody>
+      </p:sp>
+      <p:sp>
+        <p:nvSpPr>
+          <p:cNvPr id="9" name="Rectangle 8"/>
+          <p:cNvSpPr/>
+          <p:nvPr/>
+        </p:nvSpPr>
+        <p:spPr>
+          <a:xfrm>
+            <a:off x="1723569" y="1892809"/>
+            <a:ext cx="1385845" cy="751742"/>
+          </a:xfrm>
+          <a:prstGeom prst="rect">
+            <a:avLst/>
+          </a:prstGeom>
+        </p:spPr>
+        <p:style>
+          <a:lnRef idx="2">
+            <a:schemeClr val="accent1">
+              <a:shade val="50000"/>
+            </a:schemeClr>
+          </a:lnRef>
+          <a:fillRef idx="1">
+            <a:schemeClr val="accent1"/>
+          </a:fillRef>
+          <a:effectRef idx="0">
+            <a:schemeClr val="accent1"/>
+          </a:effectRef>
+          <a:fontRef idx="minor">
+            <a:schemeClr val="lt1"/>
+          </a:fontRef>
+        </p:style>
+        <p:txBody>
+          <a:bodyPr rtlCol="0" anchor="ctr"/>
+          <a:lstStyle/>
+          <a:p>
+            <a:pPr algn="ctr"/>
+            <a:r>
+              <a:rPr lang="en-US" sz="1350" dirty="0"/>
+              <a:t>6</a:t>
+            </a:r>
+          </a:p>
+        </p:txBody>
+      </p:sp>
+      <p:sp>
+        <p:nvSpPr>
+          <p:cNvPr id="10" name="Oval 9"/>
+          <p:cNvSpPr/>
+          <p:nvPr/>
+        </p:nvSpPr>
+        <p:spPr>
+          <a:xfrm rot="2252568">
+            <a:off x="3540409" y="1869729"/>
+            <a:ext cx="1325648" cy="797902"/>
+          </a:xfrm>
+          <a:prstGeom prst="ellipse">
+            <a:avLst/>
+          </a:prstGeom>
+        </p:spPr>
+        <p:style>
+          <a:lnRef idx="2">
+            <a:schemeClr val="accent1">
+              <a:shade val="50000"/>
+            </a:schemeClr>
+          </a:lnRef>
+          <a:fillRef idx="1">
+            <a:schemeClr val="accent1"/>
+          </a:fillRef>
+          <a:effectRef idx="0">
+            <a:schemeClr val="accent1"/>
+          </a:effectRef>
+          <a:fontRef idx="minor">
+            <a:schemeClr val="lt1"/>
+          </a:fontRef>
+        </p:style>
+        <p:txBody>
+          <a:bodyPr rtlCol="0" anchor="ctr"/>
+          <a:lstStyle/>
+          <a:p>
+            <a:pPr algn="ctr"/>
+            <a:r>
+              <a:rPr lang="en-US" sz="1350" dirty="0"/>
+              <a:t>7</a:t>
+            </a:r>
+          </a:p>
+        </p:txBody>
+      </p:sp>
+      <p:sp>
+        <p:nvSpPr>
+          <p:cNvPr id="11" name="Rounded Rectangle 10"/>
+          <p:cNvSpPr/>
+          <p:nvPr/>
+        </p:nvSpPr>
+        <p:spPr>
+          <a:xfrm rot="19308688">
+            <a:off x="5263755" y="2067556"/>
+            <a:ext cx="1219932" cy="402248"/>
+          </a:xfrm>
+          <a:prstGeom prst="roundRect">
+            <a:avLst/>
+          </a:prstGeom>
+        </p:spPr>
+        <p:style>
+          <a:lnRef idx="2">
+            <a:schemeClr val="accent1">
+              <a:shade val="50000"/>
+            </a:schemeClr>
+          </a:lnRef>
+          <a:fillRef idx="1">
+            <a:schemeClr val="accent1"/>
+          </a:fillRef>
+          <a:effectRef idx="0">
+            <a:schemeClr val="accent1"/>
+          </a:effectRef>
+          <a:fontRef idx="minor">
+            <a:schemeClr val="lt1"/>
+          </a:fontRef>
+        </p:style>
+        <p:txBody>
+          <a:bodyPr rtlCol="0" anchor="ctr"/>
+          <a:lstStyle/>
+          <a:p>
+            <a:pPr algn="ctr"/>
+            <a:r>
+              <a:rPr lang="en-US" sz="1350" dirty="0"/>
+              <a:t>8</a:t>
+            </a:r>
+          </a:p>
+        </p:txBody>
+      </p:sp>
+      <p:sp>
+        <p:nvSpPr>
+          <p:cNvPr id="12" name="Rectangle 11"/>
+          <p:cNvSpPr/>
+          <p:nvPr/>
+        </p:nvSpPr>
+        <p:spPr>
+          <a:xfrm>
+            <a:off x="457199" y="3439796"/>
+            <a:ext cx="1513948" cy="751742"/>
+          </a:xfrm>
+          <a:prstGeom prst="rect">
+            <a:avLst/>
+          </a:prstGeom>
+        </p:spPr>
+        <p:style>
+          <a:lnRef idx="2">
+            <a:schemeClr val="accent1">
+              <a:shade val="50000"/>
+            </a:schemeClr>
+          </a:lnRef>
+          <a:fillRef idx="1">
+            <a:schemeClr val="accent1"/>
+          </a:fillRef>
+          <a:effectRef idx="0">
+            <a:schemeClr val="accent1"/>
+          </a:effectRef>
+          <a:fontRef idx="minor">
+            <a:schemeClr val="lt1"/>
+          </a:fontRef>
+        </p:style>
+        <p:txBody>
+          <a:bodyPr rtlCol="0" anchor="ctr"/>
+          <a:lstStyle/>
+          <a:p>
+            <a:pPr algn="ctr"/>
+            <a:r>
+              <a:rPr lang="en-US" sz="1350" dirty="0"/>
+              <a:t>9</a:t>
+            </a:r>
+          </a:p>
+        </p:txBody>
+      </p:sp>
+      <p:sp>
+        <p:nvSpPr>
+          <p:cNvPr id="13" name="Rectangle 12"/>
+          <p:cNvSpPr/>
+          <p:nvPr/>
+        </p:nvSpPr>
+        <p:spPr>
+          <a:xfrm>
+            <a:off x="2098148" y="3439796"/>
+            <a:ext cx="910004" cy="751742"/>
+          </a:xfrm>
+          <a:prstGeom prst="rect">
+            <a:avLst/>
+          </a:prstGeom>
+        </p:spPr>
+        <p:style>
+          <a:lnRef idx="2">
+            <a:schemeClr val="accent1">
+              <a:shade val="50000"/>
+            </a:schemeClr>
+          </a:lnRef>
+          <a:fillRef idx="1">
+            <a:schemeClr val="accent1"/>
+          </a:fillRef>
+          <a:effectRef idx="0">
+            <a:schemeClr val="accent1"/>
+          </a:effectRef>
+          <a:fontRef idx="minor">
+            <a:schemeClr val="lt1"/>
+          </a:fontRef>
+        </p:style>
+        <p:txBody>
+          <a:bodyPr rtlCol="0" anchor="ctr"/>
+          <a:lstStyle/>
+          <a:p>
+            <a:pPr algn="ctr"/>
+            <a:r>
+              <a:rPr lang="en-US" sz="1350" dirty="0"/>
+              <a:t>10</a:t>
+            </a:r>
+          </a:p>
+        </p:txBody>
+      </p:sp>
+      <p:pic>
+        <p:nvPicPr>
+          <p:cNvPr id="14" name="Picture 11"/>
+          <p:cNvPicPr>
+            <a:picLocks noChangeAspect="1" noChangeArrowheads="1"/>
+          </p:cNvPicPr>
+          <p:nvPr/>
+        </p:nvPicPr>
+        <p:blipFill rotWithShape="1">
+          <a:blip r:embed="rId2">
+            <a:extLst>
+              <a:ext uri="{28A0092B-C50C-407E-A947-70E740481C1C}">
+                <a14:useLocalDpi xmlns:a14="http://schemas.microsoft.com/office/drawing/2010/main" val="0"/>
+              </a:ext>
+            </a:extLst>
+          </a:blip>
+          <a:srcRect l="17869" r="10975"/>
+          <a:stretch/>
+        </p:blipFill>
+        <p:spPr bwMode="auto">
+          <a:xfrm rot="1756192">
+            <a:off x="3316595" y="3310842"/>
+            <a:ext cx="1024143" cy="1009650"/>
+          </a:xfrm>
+          <a:prstGeom prst="rect">
+            <a:avLst/>
+          </a:prstGeom>
+          <a:ln>
+            <a:noFill/>
+          </a:ln>
+          <a:effectLst>
+            <a:outerShdw blurRad="190500" algn="tl" rotWithShape="0">
+              <a:srgbClr val="000000">
+                <a:alpha val="70000"/>
+              </a:srgbClr>
+            </a:outerShdw>
+          </a:effectLst>
+          <a:extLst>
+            <a:ext uri="{909E8E84-426E-40DD-AFC4-6F175D3DCCD1}">
+              <a14:hiddenFill xmlns:a14="http://schemas.microsoft.com/office/drawing/2010/main">
+                <a:solidFill>
+                  <a:schemeClr val="accent1"/>
+                </a:solidFill>
+              </a14:hiddenFill>
+            </a:ext>
+            <a:ext uri="{91240B29-F687-4F45-9708-019B960494DF}">
+              <a14:hiddenLine xmlns:a14="http://schemas.microsoft.com/office/drawing/2010/main" w="9525">
+                <a:solidFill>
+                  <a:schemeClr val="tx1"/>
+                </a:solidFill>
+                <a:miter lim="800000"/>
+                <a:headEnd/>
+                <a:tailEnd/>
+              </a14:hiddenLine>
+            </a:ext>
+          </a:extLst>
+        </p:spPr>
+      </p:pic>
+      <p:pic>
+        <p:nvPicPr>
+          <p:cNvPr id="15" name="Picture 12"/>
+          <p:cNvPicPr>
+            <a:picLocks noChangeAspect="1" noChangeArrowheads="1"/>
+          </p:cNvPicPr>
+          <p:nvPr/>
+        </p:nvPicPr>
+        <p:blipFill rotWithShape="1">
+          <a:blip r:embed="rId3">
+            <a:extLst>
+              <a:ext uri="{28A0092B-C50C-407E-A947-70E740481C1C}">
+                <a14:useLocalDpi xmlns:a14="http://schemas.microsoft.com/office/drawing/2010/main" val="0"/>
+              </a:ext>
+            </a:extLst>
+          </a:blip>
+          <a:srcRect l="14680" r="13179"/>
+          <a:stretch/>
+        </p:blipFill>
+        <p:spPr bwMode="auto">
+          <a:xfrm rot="18564554">
+            <a:off x="4884675" y="3196542"/>
+            <a:ext cx="1330222" cy="1238250"/>
+          </a:xfrm>
+          <a:prstGeom prst="rect">
+            <a:avLst/>
+          </a:prstGeom>
+          <a:ln>
+            <a:noFill/>
+          </a:ln>
+          <a:effectLst>
+            <a:outerShdw blurRad="190500" algn="tl" rotWithShape="0">
+              <a:srgbClr val="000000">
+                <a:alpha val="70000"/>
+              </a:srgbClr>
+            </a:outerShdw>
+          </a:effectLst>
+          <a:extLst>
+            <a:ext uri="{909E8E84-426E-40DD-AFC4-6F175D3DCCD1}">
+              <a14:hiddenFill xmlns:a14="http://schemas.microsoft.com/office/drawing/2010/main">
+                <a:solidFill>
+                  <a:schemeClr val="accent1"/>
+                </a:solidFill>
+              </a14:hiddenFill>
+            </a:ext>
+            <a:ext uri="{91240B29-F687-4F45-9708-019B960494DF}">
+              <a14:hiddenLine xmlns:a14="http://schemas.microsoft.com/office/drawing/2010/main" w="9525">
+                <a:solidFill>
+                  <a:schemeClr val="tx1"/>
+                </a:solidFill>
+                <a:miter lim="800000"/>
+                <a:headEnd/>
+                <a:tailEnd/>
+              </a14:hiddenLine>
+            </a:ext>
+          </a:extLst>
+        </p:spPr>
+      </p:pic>
+      <p:pic>
+        <p:nvPicPr>
+          <p:cNvPr id="16" name="Picture 3"/>
+          <p:cNvPicPr>
+            <a:picLocks noChangeAspect="1" noChangeArrowheads="1"/>
+          </p:cNvPicPr>
+          <p:nvPr/>
+        </p:nvPicPr>
+        <p:blipFill rotWithShape="1">
+          <a:blip r:embed="rId4">
+            <a:extLst>
+              <a:ext uri="{28A0092B-C50C-407E-A947-70E740481C1C}">
+                <a14:useLocalDpi xmlns:a14="http://schemas.microsoft.com/office/drawing/2010/main" val="0"/>
+              </a:ext>
+            </a:extLst>
+          </a:blip>
+          <a:srcRect l="19185"/>
+          <a:stretch/>
+        </p:blipFill>
+        <p:spPr bwMode="auto">
+          <a:xfrm rot="42386591">
+            <a:off x="591240" y="4951818"/>
+            <a:ext cx="1022446" cy="1265171"/>
+          </a:xfrm>
+          <a:prstGeom prst="rect">
+            <a:avLst/>
+          </a:prstGeom>
+          <a:ln>
+            <a:noFill/>
+          </a:ln>
+          <a:effectLst>
+            <a:outerShdw blurRad="190500" algn="tl" rotWithShape="0">
+              <a:srgbClr val="000000">
+                <a:alpha val="70000"/>
+              </a:srgbClr>
+            </a:outerShdw>
+          </a:effectLst>
+          <a:extLst>
+            <a:ext uri="{909E8E84-426E-40DD-AFC4-6F175D3DCCD1}">
+              <a14:hiddenFill xmlns:a14="http://schemas.microsoft.com/office/drawing/2010/main">
+                <a:solidFill>
+                  <a:schemeClr val="accent1"/>
+                </a:solidFill>
+              </a14:hiddenFill>
+            </a:ext>
+            <a:ext uri="{91240B29-F687-4F45-9708-019B960494DF}">
+              <a14:hiddenLine xmlns:a14="http://schemas.microsoft.com/office/drawing/2010/main" w="9525">
+                <a:solidFill>
+                  <a:schemeClr val="tx1"/>
+                </a:solidFill>
+                <a:miter lim="800000"/>
+                <a:headEnd/>
+                <a:tailEnd/>
+              </a14:hiddenLine>
+            </a:ext>
+          </a:extLst>
+        </p:spPr>
+      </p:pic>
+      <p:sp>
+        <p:nvSpPr>
+          <p:cNvPr id="17" name="Rectangle 16"/>
+          <p:cNvSpPr/>
+          <p:nvPr/>
+        </p:nvSpPr>
+        <p:spPr>
+          <a:xfrm rot="1065321">
+            <a:off x="4997739" y="5208532"/>
+            <a:ext cx="1370671" cy="751742"/>
+          </a:xfrm>
+          <a:prstGeom prst="rect">
+            <a:avLst/>
+          </a:prstGeom>
+        </p:spPr>
+        <p:style>
+          <a:lnRef idx="2">
+            <a:schemeClr val="accent1">
+              <a:shade val="50000"/>
+            </a:schemeClr>
+          </a:lnRef>
+          <a:fillRef idx="1">
+            <a:schemeClr val="accent1"/>
+          </a:fillRef>
+          <a:effectRef idx="0">
+            <a:schemeClr val="accent1"/>
+          </a:effectRef>
+          <a:fontRef idx="minor">
+            <a:schemeClr val="lt1"/>
+          </a:fontRef>
+        </p:style>
+        <p:txBody>
+          <a:bodyPr rtlCol="0" anchor="ctr"/>
+          <a:lstStyle/>
+          <a:p>
+            <a:pPr algn="ctr"/>
+            <a:r>
+              <a:rPr lang="en-US" sz="1350" dirty="0"/>
+              <a:t>14</a:t>
+            </a:r>
+          </a:p>
+        </p:txBody>
+      </p:sp>
+    </p:spTree>
+    <p:extLst>
+      <p:ext uri="{BB962C8B-B14F-4D97-AF65-F5344CB8AC3E}">
+        <p14:creationId xmlns:p14="http://schemas.microsoft.com/office/powerpoint/2010/main" val="4008030329"/>
+      </p:ext>
+    </p:extLst>
+  </p:cSld>
+  <p:clrMapOvr>
+    <a:masterClrMapping/>
+  </p:clrMapOvr>
+</p:sld>
+</file>
+
+<file path=ppt/slides/slide14.xml><?xml version="1.0" encoding="utf-8"?>
+<p:sld xmlns:a="http://schemas.openxmlformats.org/drawingml/2006/main" xmlns:r="http://schemas.openxmlformats.org/officeDocument/2006/relationships" xmlns:p="http://schemas.openxmlformats.org/presentationml/2006/main">
+  <p:cSld>
+    <p:spTree>
+      <p:nvGrpSpPr>
+        <p:cNvPr id="1" name=""/>
+        <p:cNvGrpSpPr/>
+        <p:nvPr/>
+      </p:nvGrpSpPr>
+      <p:grpSpPr>
+        <a:xfrm>
+          <a:off x="0" y="0"/>
+          <a:ext cx="0" cy="0"/>
+          <a:chOff x="0" y="0"/>
+          <a:chExt cx="0" cy="0"/>
+        </a:xfrm>
+      </p:grpSpPr>
+      <p:sp>
+        <p:nvSpPr>
+          <p:cNvPr id="4" name="Rectangle 3"/>
+          <p:cNvSpPr/>
+          <p:nvPr/>
+        </p:nvSpPr>
+        <p:spPr>
+          <a:xfrm>
+            <a:off x="457200" y="685800"/>
+            <a:ext cx="910004" cy="751742"/>
+          </a:xfrm>
+          <a:prstGeom prst="rect">
+            <a:avLst/>
+          </a:prstGeom>
+        </p:spPr>
+        <p:style>
+          <a:lnRef idx="2">
+            <a:schemeClr val="accent1">
+              <a:shade val="50000"/>
+            </a:schemeClr>
+          </a:lnRef>
+          <a:fillRef idx="1">
+            <a:schemeClr val="accent1"/>
+          </a:fillRef>
+          <a:effectRef idx="0">
+            <a:schemeClr val="accent1"/>
+          </a:effectRef>
+          <a:fontRef idx="minor">
+            <a:schemeClr val="lt1"/>
+          </a:fontRef>
+        </p:style>
+        <p:txBody>
+          <a:bodyPr rtlCol="0" anchor="ctr"/>
+          <a:lstStyle/>
+          <a:p>
+            <a:pPr algn="ctr"/>
+            <a:r>
+              <a:rPr lang="en-US" sz="1350" dirty="0"/>
+              <a:t>1</a:t>
+            </a:r>
+          </a:p>
+        </p:txBody>
+      </p:sp>
+      <p:sp>
+        <p:nvSpPr>
+          <p:cNvPr id="5" name="Rectangle 4"/>
+          <p:cNvSpPr/>
+          <p:nvPr/>
+        </p:nvSpPr>
+        <p:spPr>
+          <a:xfrm rot="1065321">
+            <a:off x="2043684" y="685801"/>
+            <a:ext cx="1370671" cy="751742"/>
+          </a:xfrm>
+          <a:prstGeom prst="rect">
+            <a:avLst/>
+          </a:prstGeom>
+        </p:spPr>
+        <p:style>
+          <a:lnRef idx="2">
+            <a:schemeClr val="accent1">
+              <a:shade val="50000"/>
+            </a:schemeClr>
+          </a:lnRef>
+          <a:fillRef idx="1">
+            <a:schemeClr val="accent1"/>
+          </a:fillRef>
+          <a:effectRef idx="0">
+            <a:schemeClr val="accent1"/>
+          </a:effectRef>
+          <a:fontRef idx="minor">
+            <a:schemeClr val="lt1"/>
+          </a:fontRef>
+        </p:style>
+        <p:txBody>
+          <a:bodyPr rtlCol="0" anchor="ctr"/>
+          <a:lstStyle/>
+          <a:p>
+            <a:pPr algn="ctr"/>
+            <a:r>
+              <a:rPr lang="en-US" sz="1350" dirty="0"/>
+              <a:t>2</a:t>
+            </a:r>
+          </a:p>
+        </p:txBody>
+      </p:sp>
+      <p:sp>
+        <p:nvSpPr>
+          <p:cNvPr id="6" name="Oval 5"/>
+          <p:cNvSpPr/>
+          <p:nvPr/>
+        </p:nvSpPr>
+        <p:spPr>
+          <a:xfrm>
+            <a:off x="4090835" y="662720"/>
+            <a:ext cx="850655" cy="797902"/>
+          </a:xfrm>
+          <a:prstGeom prst="ellipse">
+            <a:avLst/>
+          </a:prstGeom>
+        </p:spPr>
+        <p:style>
+          <a:lnRef idx="2">
+            <a:schemeClr val="accent1">
+              <a:shade val="50000"/>
+            </a:schemeClr>
+          </a:lnRef>
+          <a:fillRef idx="1">
+            <a:schemeClr val="accent1"/>
+          </a:fillRef>
+          <a:effectRef idx="0">
+            <a:schemeClr val="accent1"/>
+          </a:effectRef>
+          <a:fontRef idx="minor">
+            <a:schemeClr val="lt1"/>
+          </a:fontRef>
+        </p:style>
+        <p:txBody>
+          <a:bodyPr rtlCol="0" anchor="ctr"/>
+          <a:lstStyle/>
+          <a:p>
+            <a:pPr algn="ctr"/>
+            <a:r>
+              <a:rPr lang="en-US" sz="1350" dirty="0"/>
+              <a:t>3</a:t>
+            </a:r>
+          </a:p>
+        </p:txBody>
+      </p:sp>
+      <p:sp>
+        <p:nvSpPr>
+          <p:cNvPr id="7" name="Rounded Rectangle 6"/>
+          <p:cNvSpPr/>
+          <p:nvPr/>
+        </p:nvSpPr>
+        <p:spPr>
+          <a:xfrm>
+            <a:off x="5535990" y="860547"/>
+            <a:ext cx="533400" cy="402248"/>
+          </a:xfrm>
+          <a:prstGeom prst="roundRect">
+            <a:avLst/>
+          </a:prstGeom>
+        </p:spPr>
+        <p:style>
+          <a:lnRef idx="2">
+            <a:schemeClr val="accent1">
+              <a:shade val="50000"/>
+            </a:schemeClr>
+          </a:lnRef>
+          <a:fillRef idx="1">
+            <a:schemeClr val="accent1"/>
+          </a:fillRef>
+          <a:effectRef idx="0">
+            <a:schemeClr val="accent1"/>
+          </a:effectRef>
+          <a:fontRef idx="minor">
+            <a:schemeClr val="lt1"/>
+          </a:fontRef>
+        </p:style>
+        <p:txBody>
+          <a:bodyPr rtlCol="0" anchor="ctr"/>
+          <a:lstStyle/>
+          <a:p>
+            <a:pPr algn="ctr"/>
+            <a:r>
+              <a:rPr lang="en-US" sz="1350" dirty="0"/>
+              <a:t>4</a:t>
+            </a:r>
+          </a:p>
+        </p:txBody>
+      </p:sp>
+      <p:sp>
+        <p:nvSpPr>
+          <p:cNvPr id="8" name="Rectangle 7"/>
+          <p:cNvSpPr/>
+          <p:nvPr/>
+        </p:nvSpPr>
+        <p:spPr>
+          <a:xfrm rot="16200000">
+            <a:off x="378070" y="1765809"/>
+            <a:ext cx="910004" cy="751742"/>
+          </a:xfrm>
+          <a:prstGeom prst="rect">
+            <a:avLst/>
+          </a:prstGeom>
+        </p:spPr>
+        <p:style>
+          <a:lnRef idx="2">
+            <a:schemeClr val="accent1">
+              <a:shade val="50000"/>
+            </a:schemeClr>
+          </a:lnRef>
+          <a:fillRef idx="1">
+            <a:schemeClr val="accent1"/>
+          </a:fillRef>
+          <a:effectRef idx="0">
+            <a:schemeClr val="accent1"/>
+          </a:effectRef>
+          <a:fontRef idx="minor">
+            <a:schemeClr val="lt1"/>
+          </a:fontRef>
+        </p:style>
+        <p:txBody>
+          <a:bodyPr rtlCol="0" anchor="ctr"/>
+          <a:lstStyle/>
+          <a:p>
+            <a:pPr algn="ctr"/>
+            <a:r>
+              <a:rPr lang="en-US" sz="1350" dirty="0"/>
+              <a:t>5</a:t>
+            </a:r>
+          </a:p>
+        </p:txBody>
+      </p:sp>
+      <p:sp>
+        <p:nvSpPr>
+          <p:cNvPr id="9" name="Rectangle 8"/>
+          <p:cNvSpPr/>
+          <p:nvPr/>
+        </p:nvSpPr>
+        <p:spPr>
+          <a:xfrm>
+            <a:off x="1596569" y="1765809"/>
+            <a:ext cx="1385845" cy="751742"/>
+          </a:xfrm>
+          <a:prstGeom prst="rect">
+            <a:avLst/>
+          </a:prstGeom>
+        </p:spPr>
+        <p:style>
+          <a:lnRef idx="2">
+            <a:schemeClr val="accent1">
+              <a:shade val="50000"/>
+            </a:schemeClr>
+          </a:lnRef>
+          <a:fillRef idx="1">
+            <a:schemeClr val="accent1"/>
+          </a:fillRef>
+          <a:effectRef idx="0">
+            <a:schemeClr val="accent1"/>
+          </a:effectRef>
+          <a:fontRef idx="minor">
+            <a:schemeClr val="lt1"/>
+          </a:fontRef>
+        </p:style>
+        <p:txBody>
+          <a:bodyPr rtlCol="0" anchor="ctr"/>
+          <a:lstStyle/>
+          <a:p>
+            <a:pPr algn="ctr"/>
+            <a:r>
+              <a:rPr lang="en-US" sz="1350" dirty="0"/>
+              <a:t>6</a:t>
+            </a:r>
+          </a:p>
+        </p:txBody>
+      </p:sp>
+      <p:sp>
+        <p:nvSpPr>
+          <p:cNvPr id="10" name="Oval 9"/>
+          <p:cNvSpPr/>
+          <p:nvPr/>
+        </p:nvSpPr>
+        <p:spPr>
+          <a:xfrm rot="2252568">
+            <a:off x="3286409" y="1742729"/>
+            <a:ext cx="1325648" cy="797902"/>
+          </a:xfrm>
+          <a:prstGeom prst="ellipse">
+            <a:avLst/>
+          </a:prstGeom>
+        </p:spPr>
+        <p:style>
+          <a:lnRef idx="2">
+            <a:schemeClr val="accent1">
+              <a:shade val="50000"/>
+            </a:schemeClr>
+          </a:lnRef>
+          <a:fillRef idx="1">
+            <a:schemeClr val="accent1"/>
+          </a:fillRef>
+          <a:effectRef idx="0">
+            <a:schemeClr val="accent1"/>
+          </a:effectRef>
+          <a:fontRef idx="minor">
+            <a:schemeClr val="lt1"/>
+          </a:fontRef>
+        </p:style>
+        <p:txBody>
+          <a:bodyPr rtlCol="0" anchor="ctr"/>
+          <a:lstStyle/>
+          <a:p>
+            <a:pPr algn="ctr"/>
+            <a:r>
+              <a:rPr lang="en-US" sz="1350" dirty="0"/>
+              <a:t>7</a:t>
+            </a:r>
+          </a:p>
+        </p:txBody>
+      </p:sp>
+      <p:sp>
+        <p:nvSpPr>
+          <p:cNvPr id="11" name="Rounded Rectangle 10"/>
+          <p:cNvSpPr/>
+          <p:nvPr/>
+        </p:nvSpPr>
+        <p:spPr>
+          <a:xfrm rot="19308688">
+            <a:off x="4882755" y="1940556"/>
+            <a:ext cx="1219932" cy="402248"/>
+          </a:xfrm>
+          <a:prstGeom prst="roundRect">
+            <a:avLst/>
+          </a:prstGeom>
+        </p:spPr>
+        <p:style>
+          <a:lnRef idx="2">
+            <a:schemeClr val="accent1">
+              <a:shade val="50000"/>
+            </a:schemeClr>
+          </a:lnRef>
+          <a:fillRef idx="1">
+            <a:schemeClr val="accent1"/>
+          </a:fillRef>
+          <a:effectRef idx="0">
+            <a:schemeClr val="accent1"/>
+          </a:effectRef>
+          <a:fontRef idx="minor">
+            <a:schemeClr val="lt1"/>
+          </a:fontRef>
+        </p:style>
+        <p:txBody>
+          <a:bodyPr rtlCol="0" anchor="ctr"/>
+          <a:lstStyle/>
+          <a:p>
+            <a:pPr algn="ctr"/>
+            <a:r>
+              <a:rPr lang="en-US" sz="1350" dirty="0"/>
+              <a:t>8</a:t>
+            </a:r>
+          </a:p>
+        </p:txBody>
+      </p:sp>
+      <p:sp>
+        <p:nvSpPr>
+          <p:cNvPr id="12" name="Rectangle 11"/>
+          <p:cNvSpPr/>
+          <p:nvPr/>
+        </p:nvSpPr>
+        <p:spPr>
+          <a:xfrm>
+            <a:off x="457199" y="3185796"/>
+            <a:ext cx="1513948" cy="751742"/>
+          </a:xfrm>
+          <a:prstGeom prst="rect">
+            <a:avLst/>
+          </a:prstGeom>
+        </p:spPr>
+        <p:style>
+          <a:lnRef idx="2">
+            <a:schemeClr val="accent1">
+              <a:shade val="50000"/>
+            </a:schemeClr>
+          </a:lnRef>
+          <a:fillRef idx="1">
+            <a:schemeClr val="accent1"/>
+          </a:fillRef>
+          <a:effectRef idx="0">
+            <a:schemeClr val="accent1"/>
+          </a:effectRef>
+          <a:fontRef idx="minor">
+            <a:schemeClr val="lt1"/>
+          </a:fontRef>
+        </p:style>
+        <p:txBody>
+          <a:bodyPr rtlCol="0" anchor="ctr"/>
+          <a:lstStyle/>
+          <a:p>
+            <a:pPr algn="ctr"/>
+            <a:r>
+              <a:rPr lang="en-US" sz="1350" dirty="0"/>
+              <a:t>9</a:t>
+            </a:r>
+          </a:p>
+        </p:txBody>
+      </p:sp>
+      <p:sp>
+        <p:nvSpPr>
+          <p:cNvPr id="13" name="Rectangle 12"/>
+          <p:cNvSpPr/>
+          <p:nvPr/>
+        </p:nvSpPr>
+        <p:spPr>
+          <a:xfrm>
+            <a:off x="1971148" y="3185796"/>
+            <a:ext cx="910004" cy="751742"/>
+          </a:xfrm>
+          <a:prstGeom prst="rect">
+            <a:avLst/>
+          </a:prstGeom>
+        </p:spPr>
+        <p:style>
+          <a:lnRef idx="2">
+            <a:schemeClr val="accent1">
+              <a:shade val="50000"/>
+            </a:schemeClr>
+          </a:lnRef>
+          <a:fillRef idx="1">
+            <a:schemeClr val="accent1"/>
+          </a:fillRef>
+          <a:effectRef idx="0">
+            <a:schemeClr val="accent1"/>
+          </a:effectRef>
+          <a:fontRef idx="minor">
+            <a:schemeClr val="lt1"/>
+          </a:fontRef>
+        </p:style>
+        <p:txBody>
+          <a:bodyPr rtlCol="0" anchor="ctr"/>
+          <a:lstStyle/>
+          <a:p>
+            <a:pPr algn="ctr"/>
+            <a:r>
+              <a:rPr lang="en-US" sz="1350" dirty="0"/>
+              <a:t>10</a:t>
+            </a:r>
+          </a:p>
+        </p:txBody>
+      </p:sp>
+      <p:pic>
+        <p:nvPicPr>
+          <p:cNvPr id="14" name="Picture 11"/>
+          <p:cNvPicPr>
+            <a:picLocks noChangeAspect="1" noChangeArrowheads="1"/>
+          </p:cNvPicPr>
+          <p:nvPr/>
+        </p:nvPicPr>
+        <p:blipFill rotWithShape="1">
+          <a:blip r:embed="rId2">
+            <a:extLst>
+              <a:ext uri="{28A0092B-C50C-407E-A947-70E740481C1C}">
+                <a14:useLocalDpi xmlns:a14="http://schemas.microsoft.com/office/drawing/2010/main" val="0"/>
+              </a:ext>
+            </a:extLst>
+          </a:blip>
+          <a:srcRect l="17869" r="10975"/>
+          <a:stretch/>
+        </p:blipFill>
+        <p:spPr bwMode="auto">
+          <a:xfrm rot="1756192">
+            <a:off x="3062595" y="3056842"/>
+            <a:ext cx="1024143" cy="1009650"/>
+          </a:xfrm>
+          <a:prstGeom prst="rect">
+            <a:avLst/>
+          </a:prstGeom>
+          <a:ln>
+            <a:noFill/>
+          </a:ln>
+          <a:effectLst>
+            <a:outerShdw blurRad="190500" algn="tl" rotWithShape="0">
+              <a:srgbClr val="000000">
+                <a:alpha val="70000"/>
+              </a:srgbClr>
+            </a:outerShdw>
+          </a:effectLst>
+          <a:extLst>
+            <a:ext uri="{909E8E84-426E-40DD-AFC4-6F175D3DCCD1}">
+              <a14:hiddenFill xmlns:a14="http://schemas.microsoft.com/office/drawing/2010/main">
+                <a:solidFill>
+                  <a:schemeClr val="accent1"/>
+                </a:solidFill>
+              </a14:hiddenFill>
+            </a:ext>
+            <a:ext uri="{91240B29-F687-4F45-9708-019B960494DF}">
+              <a14:hiddenLine xmlns:a14="http://schemas.microsoft.com/office/drawing/2010/main" w="9525">
+                <a:solidFill>
+                  <a:schemeClr val="tx1"/>
+                </a:solidFill>
+                <a:miter lim="800000"/>
+                <a:headEnd/>
+                <a:tailEnd/>
+              </a14:hiddenLine>
+            </a:ext>
+          </a:extLst>
+        </p:spPr>
+      </p:pic>
+      <p:pic>
+        <p:nvPicPr>
+          <p:cNvPr id="15" name="Picture 12"/>
+          <p:cNvPicPr>
+            <a:picLocks noChangeAspect="1" noChangeArrowheads="1"/>
+          </p:cNvPicPr>
+          <p:nvPr/>
+        </p:nvPicPr>
+        <p:blipFill rotWithShape="1">
+          <a:blip r:embed="rId3">
+            <a:extLst>
+              <a:ext uri="{28A0092B-C50C-407E-A947-70E740481C1C}">
+                <a14:useLocalDpi xmlns:a14="http://schemas.microsoft.com/office/drawing/2010/main" val="0"/>
+              </a:ext>
+            </a:extLst>
+          </a:blip>
+          <a:srcRect l="14680" r="13179"/>
+          <a:stretch/>
+        </p:blipFill>
+        <p:spPr bwMode="auto">
+          <a:xfrm rot="18564554">
+            <a:off x="4503675" y="2942542"/>
+            <a:ext cx="1330222" cy="1238250"/>
+          </a:xfrm>
+          <a:prstGeom prst="rect">
+            <a:avLst/>
+          </a:prstGeom>
+          <a:ln>
+            <a:noFill/>
+          </a:ln>
+          <a:effectLst>
+            <a:outerShdw blurRad="190500" algn="tl" rotWithShape="0">
+              <a:srgbClr val="000000">
+                <a:alpha val="70000"/>
+              </a:srgbClr>
+            </a:outerShdw>
+          </a:effectLst>
+          <a:extLst>
+            <a:ext uri="{909E8E84-426E-40DD-AFC4-6F175D3DCCD1}">
+              <a14:hiddenFill xmlns:a14="http://schemas.microsoft.com/office/drawing/2010/main">
+                <a:solidFill>
+                  <a:schemeClr val="accent1"/>
+                </a:solidFill>
+              </a14:hiddenFill>
+            </a:ext>
+            <a:ext uri="{91240B29-F687-4F45-9708-019B960494DF}">
+              <a14:hiddenLine xmlns:a14="http://schemas.microsoft.com/office/drawing/2010/main" w="9525">
+                <a:solidFill>
+                  <a:schemeClr val="tx1"/>
+                </a:solidFill>
+                <a:miter lim="800000"/>
+                <a:headEnd/>
+                <a:tailEnd/>
+              </a14:hiddenLine>
+            </a:ext>
+          </a:extLst>
+        </p:spPr>
+      </p:pic>
+      <p:pic>
+        <p:nvPicPr>
+          <p:cNvPr id="16" name="Picture 3"/>
+          <p:cNvPicPr>
+            <a:picLocks noChangeAspect="1" noChangeArrowheads="1"/>
+          </p:cNvPicPr>
+          <p:nvPr/>
+        </p:nvPicPr>
+        <p:blipFill rotWithShape="1">
+          <a:blip r:embed="rId4">
+            <a:extLst>
+              <a:ext uri="{28A0092B-C50C-407E-A947-70E740481C1C}">
+                <a14:useLocalDpi xmlns:a14="http://schemas.microsoft.com/office/drawing/2010/main" val="0"/>
+              </a:ext>
+            </a:extLst>
+          </a:blip>
+          <a:srcRect l="19185"/>
+          <a:stretch/>
+        </p:blipFill>
+        <p:spPr bwMode="auto">
+          <a:xfrm rot="42386591">
+            <a:off x="591240" y="4570818"/>
+            <a:ext cx="1022446" cy="1265171"/>
+          </a:xfrm>
+          <a:prstGeom prst="rect">
+            <a:avLst/>
+          </a:prstGeom>
+          <a:ln>
+            <a:noFill/>
+          </a:ln>
+          <a:effectLst>
+            <a:outerShdw blurRad="190500" algn="tl" rotWithShape="0">
+              <a:srgbClr val="000000">
+                <a:alpha val="70000"/>
+              </a:srgbClr>
+            </a:outerShdw>
+          </a:effectLst>
+          <a:extLst>
+            <a:ext uri="{909E8E84-426E-40DD-AFC4-6F175D3DCCD1}">
+              <a14:hiddenFill xmlns:a14="http://schemas.microsoft.com/office/drawing/2010/main">
+                <a:solidFill>
+                  <a:schemeClr val="accent1"/>
+                </a:solidFill>
+              </a14:hiddenFill>
+            </a:ext>
+            <a:ext uri="{91240B29-F687-4F45-9708-019B960494DF}">
+              <a14:hiddenLine xmlns:a14="http://schemas.microsoft.com/office/drawing/2010/main" w="9525">
+                <a:solidFill>
+                  <a:schemeClr val="tx1"/>
+                </a:solidFill>
+                <a:miter lim="800000"/>
+                <a:headEnd/>
+                <a:tailEnd/>
+              </a14:hiddenLine>
+            </a:ext>
+          </a:extLst>
+        </p:spPr>
+      </p:pic>
+      <p:sp>
+        <p:nvSpPr>
+          <p:cNvPr id="17" name="Rectangle 16"/>
+          <p:cNvSpPr/>
+          <p:nvPr/>
+        </p:nvSpPr>
+        <p:spPr>
+          <a:xfrm rot="1065321">
+            <a:off x="4616739" y="4827532"/>
+            <a:ext cx="1370671" cy="751742"/>
+          </a:xfrm>
+          <a:prstGeom prst="rect">
+            <a:avLst/>
+          </a:prstGeom>
+        </p:spPr>
+        <p:style>
+          <a:lnRef idx="2">
+            <a:schemeClr val="accent1">
+              <a:shade val="50000"/>
+            </a:schemeClr>
+          </a:lnRef>
+          <a:fillRef idx="1">
+            <a:schemeClr val="accent1"/>
+          </a:fillRef>
+          <a:effectRef idx="0">
+            <a:schemeClr val="accent1"/>
+          </a:effectRef>
+          <a:fontRef idx="minor">
+            <a:schemeClr val="lt1"/>
+          </a:fontRef>
+        </p:style>
+        <p:txBody>
+          <a:bodyPr rtlCol="0" anchor="ctr"/>
+          <a:lstStyle/>
+          <a:p>
+            <a:pPr algn="ctr"/>
+            <a:r>
+              <a:rPr lang="en-US" sz="1350" dirty="0"/>
+              <a:t>14</a:t>
+            </a:r>
+          </a:p>
+        </p:txBody>
+      </p:sp>
+    </p:spTree>
+    <p:extLst>
+      <p:ext uri="{BB962C8B-B14F-4D97-AF65-F5344CB8AC3E}">
+        <p14:creationId xmlns:p14="http://schemas.microsoft.com/office/powerpoint/2010/main" val="658508713"/>
+      </p:ext>
+    </p:extLst>
+  </p:cSld>
+  <p:clrMapOvr>
+    <a:masterClrMapping/>
+  </p:clrMapOvr>
+</p:sld>
+</file>
+
+<file path=ppt/slides/slide15.xml><?xml version="1.0" encoding="utf-8"?>
+<p:sld xmlns:a="http://schemas.openxmlformats.org/drawingml/2006/main" xmlns:r="http://schemas.openxmlformats.org/officeDocument/2006/relationships" xmlns:p="http://schemas.openxmlformats.org/presentationml/2006/main">
+  <p:cSld>
+    <p:spTree>
+      <p:nvGrpSpPr>
+        <p:cNvPr id="1" name=""/>
+        <p:cNvGrpSpPr/>
+        <p:nvPr/>
+      </p:nvGrpSpPr>
+      <p:grpSpPr>
+        <a:xfrm>
+          <a:off x="0" y="0"/>
+          <a:ext cx="0" cy="0"/>
+          <a:chOff x="0" y="0"/>
+          <a:chExt cx="0" cy="0"/>
+        </a:xfrm>
+      </p:grpSpPr>
+      <p:sp>
+        <p:nvSpPr>
+          <p:cNvPr id="4" name="Rectangle 3"/>
+          <p:cNvSpPr/>
+          <p:nvPr/>
+        </p:nvSpPr>
+        <p:spPr>
+          <a:xfrm>
+            <a:off x="457200" y="685800"/>
+            <a:ext cx="910004" cy="751742"/>
+          </a:xfrm>
+          <a:prstGeom prst="rect">
+            <a:avLst/>
+          </a:prstGeom>
+        </p:spPr>
+        <p:style>
+          <a:lnRef idx="2">
+            <a:schemeClr val="accent1">
+              <a:shade val="50000"/>
+            </a:schemeClr>
+          </a:lnRef>
+          <a:fillRef idx="1">
+            <a:schemeClr val="accent1"/>
+          </a:fillRef>
+          <a:effectRef idx="0">
+            <a:schemeClr val="accent1"/>
+          </a:effectRef>
+          <a:fontRef idx="minor">
+            <a:schemeClr val="lt1"/>
+          </a:fontRef>
+        </p:style>
+        <p:txBody>
+          <a:bodyPr rtlCol="0" anchor="ctr"/>
+          <a:lstStyle/>
+          <a:p>
+            <a:pPr algn="ctr"/>
+            <a:r>
+              <a:rPr lang="en-US" sz="1350" dirty="0"/>
+              <a:t>1</a:t>
+            </a:r>
+          </a:p>
+        </p:txBody>
+      </p:sp>
+      <p:sp>
+        <p:nvSpPr>
+          <p:cNvPr id="5" name="Rectangle 4"/>
+          <p:cNvSpPr/>
+          <p:nvPr/>
+        </p:nvSpPr>
+        <p:spPr>
+          <a:xfrm rot="1065321">
+            <a:off x="1449183" y="685801"/>
+            <a:ext cx="1370671" cy="751742"/>
+          </a:xfrm>
+          <a:prstGeom prst="rect">
+            <a:avLst/>
+          </a:prstGeom>
+        </p:spPr>
+        <p:style>
+          <a:lnRef idx="2">
+            <a:schemeClr val="accent1">
+              <a:shade val="50000"/>
+            </a:schemeClr>
+          </a:lnRef>
+          <a:fillRef idx="1">
+            <a:schemeClr val="accent1"/>
+          </a:fillRef>
+          <a:effectRef idx="0">
+            <a:schemeClr val="accent1"/>
+          </a:effectRef>
+          <a:fontRef idx="minor">
+            <a:schemeClr val="lt1"/>
+          </a:fontRef>
+        </p:style>
+        <p:txBody>
+          <a:bodyPr rtlCol="0" anchor="ctr"/>
+          <a:lstStyle/>
+          <a:p>
+            <a:pPr algn="ctr"/>
+            <a:r>
+              <a:rPr lang="en-US" sz="1350" dirty="0"/>
+              <a:t>2</a:t>
+            </a:r>
+          </a:p>
+        </p:txBody>
+      </p:sp>
+      <p:sp>
+        <p:nvSpPr>
+          <p:cNvPr id="6" name="Oval 5"/>
+          <p:cNvSpPr/>
+          <p:nvPr/>
+        </p:nvSpPr>
+        <p:spPr>
+          <a:xfrm>
+            <a:off x="2901834" y="662720"/>
+            <a:ext cx="850655" cy="797902"/>
+          </a:xfrm>
+          <a:prstGeom prst="ellipse">
+            <a:avLst/>
+          </a:prstGeom>
+        </p:spPr>
+        <p:style>
+          <a:lnRef idx="2">
+            <a:schemeClr val="accent1">
+              <a:shade val="50000"/>
+            </a:schemeClr>
+          </a:lnRef>
+          <a:fillRef idx="1">
+            <a:schemeClr val="accent1"/>
+          </a:fillRef>
+          <a:effectRef idx="0">
+            <a:schemeClr val="accent1"/>
+          </a:effectRef>
+          <a:fontRef idx="minor">
+            <a:schemeClr val="lt1"/>
+          </a:fontRef>
+        </p:style>
+        <p:txBody>
+          <a:bodyPr rtlCol="0" anchor="ctr"/>
+          <a:lstStyle/>
+          <a:p>
+            <a:pPr algn="ctr"/>
+            <a:r>
+              <a:rPr lang="en-US" sz="1350" dirty="0"/>
+              <a:t>3</a:t>
+            </a:r>
+          </a:p>
+        </p:txBody>
+      </p:sp>
+      <p:sp>
+        <p:nvSpPr>
+          <p:cNvPr id="7" name="Rounded Rectangle 6"/>
+          <p:cNvSpPr/>
+          <p:nvPr/>
+        </p:nvSpPr>
+        <p:spPr>
+          <a:xfrm>
+            <a:off x="457200" y="1882512"/>
+            <a:ext cx="533400" cy="402248"/>
+          </a:xfrm>
+          <a:prstGeom prst="roundRect">
+            <a:avLst/>
+          </a:prstGeom>
+        </p:spPr>
+        <p:style>
+          <a:lnRef idx="2">
+            <a:schemeClr val="accent1">
+              <a:shade val="50000"/>
+            </a:schemeClr>
+          </a:lnRef>
+          <a:fillRef idx="1">
+            <a:schemeClr val="accent1"/>
+          </a:fillRef>
+          <a:effectRef idx="0">
+            <a:schemeClr val="accent1"/>
+          </a:effectRef>
+          <a:fontRef idx="minor">
+            <a:schemeClr val="lt1"/>
+          </a:fontRef>
+        </p:style>
+        <p:txBody>
+          <a:bodyPr rtlCol="0" anchor="ctr"/>
+          <a:lstStyle/>
+          <a:p>
+            <a:pPr algn="ctr"/>
+            <a:r>
+              <a:rPr lang="en-US" sz="1350" dirty="0"/>
+              <a:t>4</a:t>
+            </a:r>
+          </a:p>
+        </p:txBody>
+      </p:sp>
+      <p:sp>
+        <p:nvSpPr>
+          <p:cNvPr id="8" name="Rectangle 7"/>
+          <p:cNvSpPr/>
+          <p:nvPr/>
+        </p:nvSpPr>
+        <p:spPr>
+          <a:xfrm rot="16200000">
+            <a:off x="1223620" y="1707765"/>
+            <a:ext cx="910004" cy="751742"/>
+          </a:xfrm>
+          <a:prstGeom prst="rect">
+            <a:avLst/>
+          </a:prstGeom>
+        </p:spPr>
+        <p:style>
+          <a:lnRef idx="2">
+            <a:schemeClr val="accent1">
+              <a:shade val="50000"/>
+            </a:schemeClr>
+          </a:lnRef>
+          <a:fillRef idx="1">
+            <a:schemeClr val="accent1"/>
+          </a:fillRef>
+          <a:effectRef idx="0">
+            <a:schemeClr val="accent1"/>
+          </a:effectRef>
+          <a:fontRef idx="minor">
+            <a:schemeClr val="lt1"/>
+          </a:fontRef>
+        </p:style>
+        <p:txBody>
+          <a:bodyPr rtlCol="0" anchor="ctr"/>
+          <a:lstStyle/>
+          <a:p>
+            <a:pPr algn="ctr"/>
+            <a:r>
+              <a:rPr lang="en-US" sz="1350" dirty="0"/>
+              <a:t>5</a:t>
+            </a:r>
+          </a:p>
+        </p:txBody>
+      </p:sp>
+      <p:sp>
+        <p:nvSpPr>
+          <p:cNvPr id="9" name="Rectangle 8"/>
+          <p:cNvSpPr/>
+          <p:nvPr/>
+        </p:nvSpPr>
+        <p:spPr>
+          <a:xfrm>
+            <a:off x="2366644" y="1707764"/>
+            <a:ext cx="1385845" cy="751742"/>
+          </a:xfrm>
+          <a:prstGeom prst="rect">
+            <a:avLst/>
+          </a:prstGeom>
+        </p:spPr>
+        <p:style>
+          <a:lnRef idx="2">
+            <a:schemeClr val="accent1">
+              <a:shade val="50000"/>
+            </a:schemeClr>
+          </a:lnRef>
+          <a:fillRef idx="1">
+            <a:schemeClr val="accent1"/>
+          </a:fillRef>
+          <a:effectRef idx="0">
+            <a:schemeClr val="accent1"/>
+          </a:effectRef>
+          <a:fontRef idx="minor">
+            <a:schemeClr val="lt1"/>
+          </a:fontRef>
+        </p:style>
+        <p:txBody>
+          <a:bodyPr rtlCol="0" anchor="ctr"/>
+          <a:lstStyle/>
+          <a:p>
+            <a:pPr algn="ctr"/>
+            <a:r>
+              <a:rPr lang="en-US" sz="1350" dirty="0"/>
+              <a:t>6</a:t>
+            </a:r>
+          </a:p>
+        </p:txBody>
+      </p:sp>
+      <p:sp>
+        <p:nvSpPr>
+          <p:cNvPr id="10" name="Oval 9"/>
+          <p:cNvSpPr/>
+          <p:nvPr/>
+        </p:nvSpPr>
+        <p:spPr>
+          <a:xfrm rot="2252568">
+            <a:off x="373569" y="2652734"/>
+            <a:ext cx="1325648" cy="797902"/>
+          </a:xfrm>
+          <a:prstGeom prst="ellipse">
+            <a:avLst/>
+          </a:prstGeom>
+        </p:spPr>
+        <p:style>
+          <a:lnRef idx="2">
+            <a:schemeClr val="accent1">
+              <a:shade val="50000"/>
+            </a:schemeClr>
+          </a:lnRef>
+          <a:fillRef idx="1">
+            <a:schemeClr val="accent1"/>
+          </a:fillRef>
+          <a:effectRef idx="0">
+            <a:schemeClr val="accent1"/>
+          </a:effectRef>
+          <a:fontRef idx="minor">
+            <a:schemeClr val="lt1"/>
+          </a:fontRef>
+        </p:style>
+        <p:txBody>
+          <a:bodyPr rtlCol="0" anchor="ctr"/>
+          <a:lstStyle/>
+          <a:p>
+            <a:pPr algn="ctr"/>
+            <a:r>
+              <a:rPr lang="en-US" sz="1350" dirty="0"/>
+              <a:t>7</a:t>
+            </a:r>
+          </a:p>
+        </p:txBody>
+      </p:sp>
+      <p:sp>
+        <p:nvSpPr>
+          <p:cNvPr id="11" name="Rounded Rectangle 10"/>
+          <p:cNvSpPr/>
+          <p:nvPr/>
+        </p:nvSpPr>
+        <p:spPr>
+          <a:xfrm rot="19308688">
+            <a:off x="2565854" y="2850560"/>
+            <a:ext cx="1219932" cy="402248"/>
+          </a:xfrm>
+          <a:prstGeom prst="roundRect">
+            <a:avLst/>
+          </a:prstGeom>
+        </p:spPr>
+        <p:style>
+          <a:lnRef idx="2">
+            <a:schemeClr val="accent1">
+              <a:shade val="50000"/>
+            </a:schemeClr>
+          </a:lnRef>
+          <a:fillRef idx="1">
+            <a:schemeClr val="accent1"/>
+          </a:fillRef>
+          <a:effectRef idx="0">
+            <a:schemeClr val="accent1"/>
+          </a:effectRef>
+          <a:fontRef idx="minor">
+            <a:schemeClr val="lt1"/>
+          </a:fontRef>
+        </p:style>
+        <p:txBody>
+          <a:bodyPr rtlCol="0" anchor="ctr"/>
+          <a:lstStyle/>
+          <a:p>
+            <a:pPr algn="ctr"/>
+            <a:r>
+              <a:rPr lang="en-US" sz="1350" dirty="0"/>
+              <a:t>8</a:t>
+            </a:r>
+          </a:p>
+        </p:txBody>
+      </p:sp>
+      <p:sp>
+        <p:nvSpPr>
+          <p:cNvPr id="12" name="Rectangle 11"/>
+          <p:cNvSpPr/>
+          <p:nvPr/>
+        </p:nvSpPr>
+        <p:spPr>
+          <a:xfrm>
+            <a:off x="457199" y="3564730"/>
+            <a:ext cx="1513948" cy="751742"/>
+          </a:xfrm>
+          <a:prstGeom prst="rect">
+            <a:avLst/>
+          </a:prstGeom>
+        </p:spPr>
+        <p:style>
+          <a:lnRef idx="2">
+            <a:schemeClr val="accent1">
+              <a:shade val="50000"/>
+            </a:schemeClr>
+          </a:lnRef>
+          <a:fillRef idx="1">
+            <a:schemeClr val="accent1"/>
+          </a:fillRef>
+          <a:effectRef idx="0">
+            <a:schemeClr val="accent1"/>
+          </a:effectRef>
+          <a:fontRef idx="minor">
+            <a:schemeClr val="lt1"/>
+          </a:fontRef>
+        </p:style>
+        <p:txBody>
+          <a:bodyPr rtlCol="0" anchor="ctr"/>
+          <a:lstStyle/>
+          <a:p>
+            <a:pPr algn="ctr"/>
+            <a:r>
+              <a:rPr lang="en-US" sz="1350" dirty="0"/>
+              <a:t>9</a:t>
+            </a:r>
+          </a:p>
+        </p:txBody>
+      </p:sp>
+      <p:sp>
+        <p:nvSpPr>
+          <p:cNvPr id="13" name="Rectangle 12"/>
+          <p:cNvSpPr/>
+          <p:nvPr/>
+        </p:nvSpPr>
+        <p:spPr>
+          <a:xfrm>
+            <a:off x="2842485" y="3564730"/>
+            <a:ext cx="910004" cy="751742"/>
+          </a:xfrm>
+          <a:prstGeom prst="rect">
+            <a:avLst/>
+          </a:prstGeom>
+        </p:spPr>
+        <p:style>
+          <a:lnRef idx="2">
+            <a:schemeClr val="accent1">
+              <a:shade val="50000"/>
+            </a:schemeClr>
+          </a:lnRef>
+          <a:fillRef idx="1">
+            <a:schemeClr val="accent1"/>
+          </a:fillRef>
+          <a:effectRef idx="0">
+            <a:schemeClr val="accent1"/>
+          </a:effectRef>
+          <a:fontRef idx="minor">
+            <a:schemeClr val="lt1"/>
+          </a:fontRef>
+        </p:style>
+        <p:txBody>
+          <a:bodyPr rtlCol="0" anchor="ctr"/>
+          <a:lstStyle/>
+          <a:p>
+            <a:pPr algn="ctr"/>
+            <a:r>
+              <a:rPr lang="en-US" sz="1350" dirty="0"/>
+              <a:t>10</a:t>
+            </a:r>
+          </a:p>
+        </p:txBody>
+      </p:sp>
+      <p:pic>
+        <p:nvPicPr>
+          <p:cNvPr id="14" name="Picture 11"/>
+          <p:cNvPicPr>
+            <a:picLocks noChangeAspect="1" noChangeArrowheads="1"/>
+          </p:cNvPicPr>
+          <p:nvPr/>
+        </p:nvPicPr>
+        <p:blipFill rotWithShape="1">
+          <a:blip r:embed="rId2">
+            <a:extLst>
+              <a:ext uri="{28A0092B-C50C-407E-A947-70E740481C1C}">
+                <a14:useLocalDpi xmlns:a14="http://schemas.microsoft.com/office/drawing/2010/main" val="0"/>
+              </a:ext>
+            </a:extLst>
+          </a:blip>
+          <a:srcRect l="17869" r="10975"/>
+          <a:stretch/>
+        </p:blipFill>
+        <p:spPr bwMode="auto">
+          <a:xfrm rot="1756192">
+            <a:off x="638643" y="4718588"/>
+            <a:ext cx="1024143" cy="1009650"/>
+          </a:xfrm>
+          <a:prstGeom prst="rect">
+            <a:avLst/>
+          </a:prstGeom>
+          <a:ln>
+            <a:noFill/>
+          </a:ln>
+          <a:effectLst>
+            <a:outerShdw blurRad="190500" algn="tl" rotWithShape="0">
+              <a:srgbClr val="000000">
+                <a:alpha val="70000"/>
+              </a:srgbClr>
+            </a:outerShdw>
+          </a:effectLst>
+          <a:extLst>
+            <a:ext uri="{909E8E84-426E-40DD-AFC4-6F175D3DCCD1}">
+              <a14:hiddenFill xmlns:a14="http://schemas.microsoft.com/office/drawing/2010/main">
+                <a:solidFill>
+                  <a:schemeClr val="accent1"/>
+                </a:solidFill>
+              </a14:hiddenFill>
+            </a:ext>
+            <a:ext uri="{91240B29-F687-4F45-9708-019B960494DF}">
+              <a14:hiddenLine xmlns:a14="http://schemas.microsoft.com/office/drawing/2010/main" w="9525">
+                <a:solidFill>
+                  <a:schemeClr val="tx1"/>
+                </a:solidFill>
+                <a:miter lim="800000"/>
+                <a:headEnd/>
+                <a:tailEnd/>
+              </a14:hiddenLine>
+            </a:ext>
+          </a:extLst>
+        </p:spPr>
+      </p:pic>
+      <p:pic>
+        <p:nvPicPr>
+          <p:cNvPr id="15" name="Picture 12"/>
+          <p:cNvPicPr>
+            <a:picLocks noChangeAspect="1" noChangeArrowheads="1"/>
+          </p:cNvPicPr>
+          <p:nvPr/>
+        </p:nvPicPr>
+        <p:blipFill rotWithShape="1">
+          <a:blip r:embed="rId3">
+            <a:extLst>
+              <a:ext uri="{28A0092B-C50C-407E-A947-70E740481C1C}">
+                <a14:useLocalDpi xmlns:a14="http://schemas.microsoft.com/office/drawing/2010/main" val="0"/>
+              </a:ext>
+            </a:extLst>
+          </a:blip>
+          <a:srcRect l="14680" r="13179"/>
+          <a:stretch/>
+        </p:blipFill>
+        <p:spPr bwMode="auto">
+          <a:xfrm rot="18564554">
+            <a:off x="2186774" y="4604288"/>
+            <a:ext cx="1330222" cy="1238250"/>
+          </a:xfrm>
+          <a:prstGeom prst="rect">
+            <a:avLst/>
+          </a:prstGeom>
+          <a:ln>
+            <a:noFill/>
+          </a:ln>
+          <a:effectLst>
+            <a:outerShdw blurRad="190500" algn="tl" rotWithShape="0">
+              <a:srgbClr val="000000">
+                <a:alpha val="70000"/>
+              </a:srgbClr>
+            </a:outerShdw>
+          </a:effectLst>
+          <a:extLst>
+            <a:ext uri="{909E8E84-426E-40DD-AFC4-6F175D3DCCD1}">
+              <a14:hiddenFill xmlns:a14="http://schemas.microsoft.com/office/drawing/2010/main">
+                <a:solidFill>
+                  <a:schemeClr val="accent1"/>
+                </a:solidFill>
+              </a14:hiddenFill>
+            </a:ext>
+            <a:ext uri="{91240B29-F687-4F45-9708-019B960494DF}">
+              <a14:hiddenLine xmlns:a14="http://schemas.microsoft.com/office/drawing/2010/main" w="9525">
+                <a:solidFill>
+                  <a:schemeClr val="tx1"/>
+                </a:solidFill>
+                <a:miter lim="800000"/>
+                <a:headEnd/>
+                <a:tailEnd/>
+              </a14:hiddenLine>
+            </a:ext>
+          </a:extLst>
+        </p:spPr>
+      </p:pic>
+      <p:pic>
+        <p:nvPicPr>
+          <p:cNvPr id="16" name="Picture 3"/>
+          <p:cNvPicPr>
+            <a:picLocks noChangeAspect="1" noChangeArrowheads="1"/>
+          </p:cNvPicPr>
+          <p:nvPr/>
+        </p:nvPicPr>
+        <p:blipFill rotWithShape="1">
+          <a:blip r:embed="rId4">
+            <a:extLst>
+              <a:ext uri="{28A0092B-C50C-407E-A947-70E740481C1C}">
+                <a14:useLocalDpi xmlns:a14="http://schemas.microsoft.com/office/drawing/2010/main" val="0"/>
+              </a:ext>
+            </a:extLst>
+          </a:blip>
+          <a:srcRect l="19185"/>
+          <a:stretch/>
+        </p:blipFill>
+        <p:spPr bwMode="auto">
+          <a:xfrm rot="42386591">
+            <a:off x="591240" y="6232563"/>
+            <a:ext cx="1022446" cy="1265171"/>
+          </a:xfrm>
+          <a:prstGeom prst="rect">
+            <a:avLst/>
+          </a:prstGeom>
+          <a:ln>
+            <a:noFill/>
+          </a:ln>
+          <a:effectLst>
+            <a:outerShdw blurRad="190500" algn="tl" rotWithShape="0">
+              <a:srgbClr val="000000">
+                <a:alpha val="70000"/>
+              </a:srgbClr>
+            </a:outerShdw>
+          </a:effectLst>
+          <a:extLst>
+            <a:ext uri="{909E8E84-426E-40DD-AFC4-6F175D3DCCD1}">
+              <a14:hiddenFill xmlns:a14="http://schemas.microsoft.com/office/drawing/2010/main">
+                <a:solidFill>
+                  <a:schemeClr val="accent1"/>
+                </a:solidFill>
+              </a14:hiddenFill>
+            </a:ext>
+            <a:ext uri="{91240B29-F687-4F45-9708-019B960494DF}">
+              <a14:hiddenLine xmlns:a14="http://schemas.microsoft.com/office/drawing/2010/main" w="9525">
+                <a:solidFill>
+                  <a:schemeClr val="tx1"/>
+                </a:solidFill>
+                <a:miter lim="800000"/>
+                <a:headEnd/>
+                <a:tailEnd/>
+              </a14:hiddenLine>
+            </a:ext>
+          </a:extLst>
+        </p:spPr>
+      </p:pic>
+      <p:sp>
+        <p:nvSpPr>
+          <p:cNvPr id="17" name="Rectangle 16"/>
+          <p:cNvSpPr/>
+          <p:nvPr/>
+        </p:nvSpPr>
+        <p:spPr>
+          <a:xfrm rot="1065321">
+            <a:off x="2299838" y="6489278"/>
+            <a:ext cx="1370671" cy="751742"/>
+          </a:xfrm>
+          <a:prstGeom prst="rect">
+            <a:avLst/>
+          </a:prstGeom>
+        </p:spPr>
+        <p:style>
+          <a:lnRef idx="2">
+            <a:schemeClr val="accent1">
+              <a:shade val="50000"/>
+            </a:schemeClr>
+          </a:lnRef>
+          <a:fillRef idx="1">
+            <a:schemeClr val="accent1"/>
+          </a:fillRef>
+          <a:effectRef idx="0">
+            <a:schemeClr val="accent1"/>
+          </a:effectRef>
+          <a:fontRef idx="minor">
+            <a:schemeClr val="lt1"/>
+          </a:fontRef>
+        </p:style>
+        <p:txBody>
+          <a:bodyPr rtlCol="0" anchor="ctr"/>
+          <a:lstStyle/>
+          <a:p>
+            <a:pPr algn="ctr"/>
+            <a:r>
+              <a:rPr lang="en-US" sz="1350" dirty="0"/>
+              <a:t>14</a:t>
+            </a:r>
+          </a:p>
+        </p:txBody>
+      </p:sp>
+    </p:spTree>
+    <p:extLst>
+      <p:ext uri="{BB962C8B-B14F-4D97-AF65-F5344CB8AC3E}">
+        <p14:creationId xmlns:p14="http://schemas.microsoft.com/office/powerpoint/2010/main" val="1271498436"/>
+      </p:ext>
+    </p:extLst>
+  </p:cSld>
+  <p:clrMapOvr>
+    <a:masterClrMapping/>
+  </p:clrMapOvr>
+</p:sld>
+</file>
+
+<file path=ppt/slides/slide16.xml><?xml version="1.0" encoding="utf-8"?>
+<p:sld xmlns:a="http://schemas.openxmlformats.org/drawingml/2006/main" xmlns:r="http://schemas.openxmlformats.org/officeDocument/2006/relationships" xmlns:p="http://schemas.openxmlformats.org/presentationml/2006/main">
+  <p:cSld>
+    <p:spTree>
+      <p:nvGrpSpPr>
+        <p:cNvPr id="1" name=""/>
+        <p:cNvGrpSpPr/>
+        <p:nvPr/>
+      </p:nvGrpSpPr>
+      <p:grpSpPr>
+        <a:xfrm>
+          <a:off x="0" y="0"/>
+          <a:ext cx="0" cy="0"/>
+          <a:chOff x="0" y="0"/>
+          <a:chExt cx="0" cy="0"/>
+        </a:xfrm>
+      </p:grpSpPr>
+      <p:sp>
+        <p:nvSpPr>
+          <p:cNvPr id="2" name="Title 1"/>
+          <p:cNvSpPr>
+            <a:spLocks noGrp="1"/>
+          </p:cNvSpPr>
+          <p:nvPr>
+            <p:ph type="title"/>
+          </p:nvPr>
+        </p:nvSpPr>
+        <p:spPr/>
+        <p:txBody>
+          <a:bodyPr/>
+          <a:lstStyle/>
+          <a:p>
+            <a:r>
+              <a:rPr lang="en-US" dirty="0"/>
+              <a:t>Distribute:: Grid / First &amp; Second / Center</a:t>
+            </a:r>
+            <a:endParaRPr lang="en-SG" dirty="0"/>
+          </a:p>
+        </p:txBody>
+      </p:sp>
+      <p:sp>
+        <p:nvSpPr>
+          <p:cNvPr id="3" name="Content Placeholder 2"/>
+          <p:cNvSpPr>
+            <a:spLocks noGrp="1"/>
+          </p:cNvSpPr>
+          <p:nvPr>
+            <p:ph idx="1"/>
+          </p:nvPr>
+        </p:nvSpPr>
+        <p:spPr/>
+        <p:txBody>
+          <a:bodyPr/>
+          <a:lstStyle/>
+          <a:p>
+            <a:endParaRPr lang="en-SG" dirty="0"/>
+          </a:p>
+        </p:txBody>
+      </p:sp>
+    </p:spTree>
+    <p:extLst>
+      <p:ext uri="{BB962C8B-B14F-4D97-AF65-F5344CB8AC3E}">
+        <p14:creationId xmlns:p14="http://schemas.microsoft.com/office/powerpoint/2010/main" val="1751481392"/>
+      </p:ext>
+    </p:extLst>
+  </p:cSld>
+  <p:clrMapOvr>
+    <a:masterClrMapping/>
+  </p:clrMapOvr>
+</p:sld>
+</file>
+
+<file path=ppt/slides/slide17.xml><?xml version="1.0" encoding="utf-8"?>
+<p:sld xmlns:a="http://schemas.openxmlformats.org/drawingml/2006/main" xmlns:r="http://schemas.openxmlformats.org/officeDocument/2006/relationships" xmlns:p="http://schemas.openxmlformats.org/presentationml/2006/main">
+  <p:cSld>
+    <p:spTree>
+      <p:nvGrpSpPr>
+        <p:cNvPr id="1" name=""/>
+        <p:cNvGrpSpPr/>
+        <p:nvPr/>
+      </p:nvGrpSpPr>
+      <p:grpSpPr>
+        <a:xfrm>
+          <a:off x="0" y="0"/>
+          <a:ext cx="0" cy="0"/>
+          <a:chOff x="0" y="0"/>
+          <a:chExt cx="0" cy="0"/>
+        </a:xfrm>
+      </p:grpSpPr>
+      <p:sp>
+        <p:nvSpPr>
+          <p:cNvPr id="4" name="Rectangle 3"/>
+          <p:cNvSpPr/>
+          <p:nvPr/>
+        </p:nvSpPr>
+        <p:spPr>
+          <a:xfrm>
+            <a:off x="457200" y="685800"/>
+            <a:ext cx="910004" cy="751742"/>
+          </a:xfrm>
+          <a:prstGeom prst="rect">
+            <a:avLst/>
+          </a:prstGeom>
+        </p:spPr>
+        <p:style>
+          <a:lnRef idx="2">
+            <a:schemeClr val="accent1">
+              <a:shade val="50000"/>
+            </a:schemeClr>
+          </a:lnRef>
+          <a:fillRef idx="1">
+            <a:schemeClr val="accent1"/>
+          </a:fillRef>
+          <a:effectRef idx="0">
+            <a:schemeClr val="accent1"/>
+          </a:effectRef>
+          <a:fontRef idx="minor">
+            <a:schemeClr val="lt1"/>
+          </a:fontRef>
+        </p:style>
+        <p:txBody>
+          <a:bodyPr rtlCol="0" anchor="ctr"/>
+          <a:lstStyle/>
+          <a:p>
+            <a:pPr algn="ctr"/>
+            <a:r>
+              <a:rPr lang="en-US" sz="1350" dirty="0"/>
+              <a:t>1</a:t>
+            </a:r>
+          </a:p>
+        </p:txBody>
+      </p:sp>
+      <p:sp>
+        <p:nvSpPr>
+          <p:cNvPr id="5" name="Rectangle 4"/>
+          <p:cNvSpPr/>
+          <p:nvPr/>
+        </p:nvSpPr>
+        <p:spPr>
+          <a:xfrm rot="1065321">
+            <a:off x="2352619" y="685801"/>
+            <a:ext cx="1370671" cy="751742"/>
+          </a:xfrm>
+          <a:prstGeom prst="rect">
+            <a:avLst/>
+          </a:prstGeom>
+        </p:spPr>
+        <p:style>
+          <a:lnRef idx="2">
+            <a:schemeClr val="accent1">
+              <a:shade val="50000"/>
+            </a:schemeClr>
+          </a:lnRef>
+          <a:fillRef idx="1">
+            <a:schemeClr val="accent1"/>
+          </a:fillRef>
+          <a:effectRef idx="0">
+            <a:schemeClr val="accent1"/>
+          </a:effectRef>
+          <a:fontRef idx="minor">
+            <a:schemeClr val="lt1"/>
+          </a:fontRef>
+        </p:style>
+        <p:txBody>
+          <a:bodyPr rtlCol="0" anchor="ctr"/>
+          <a:lstStyle/>
+          <a:p>
+            <a:pPr algn="ctr"/>
+            <a:r>
+              <a:rPr lang="en-US" sz="1350" dirty="0"/>
+              <a:t>2</a:t>
+            </a:r>
+          </a:p>
+        </p:txBody>
+      </p:sp>
+      <p:sp>
+        <p:nvSpPr>
+          <p:cNvPr id="6" name="Oval 5"/>
+          <p:cNvSpPr/>
+          <p:nvPr/>
+        </p:nvSpPr>
+        <p:spPr>
+          <a:xfrm>
+            <a:off x="4738379" y="662720"/>
+            <a:ext cx="850655" cy="797902"/>
+          </a:xfrm>
+          <a:prstGeom prst="ellipse">
+            <a:avLst/>
+          </a:prstGeom>
+        </p:spPr>
+        <p:style>
+          <a:lnRef idx="2">
+            <a:schemeClr val="accent1">
+              <a:shade val="50000"/>
+            </a:schemeClr>
+          </a:lnRef>
+          <a:fillRef idx="1">
+            <a:schemeClr val="accent1"/>
+          </a:fillRef>
+          <a:effectRef idx="0">
+            <a:schemeClr val="accent1"/>
+          </a:effectRef>
+          <a:fontRef idx="minor">
+            <a:schemeClr val="lt1"/>
+          </a:fontRef>
+        </p:style>
+        <p:txBody>
+          <a:bodyPr rtlCol="0" anchor="ctr"/>
+          <a:lstStyle/>
+          <a:p>
+            <a:pPr algn="ctr"/>
+            <a:r>
+              <a:rPr lang="en-US" sz="1350" dirty="0"/>
+              <a:t>3</a:t>
+            </a:r>
+          </a:p>
+        </p:txBody>
+      </p:sp>
+      <p:sp>
+        <p:nvSpPr>
+          <p:cNvPr id="7" name="Rounded Rectangle 6"/>
+          <p:cNvSpPr/>
+          <p:nvPr/>
+        </p:nvSpPr>
+        <p:spPr>
+          <a:xfrm>
+            <a:off x="7022759" y="860547"/>
+            <a:ext cx="533400" cy="402248"/>
+          </a:xfrm>
+          <a:prstGeom prst="roundRect">
+            <a:avLst/>
+          </a:prstGeom>
+        </p:spPr>
+        <p:style>
+          <a:lnRef idx="2">
+            <a:schemeClr val="accent1">
+              <a:shade val="50000"/>
+            </a:schemeClr>
+          </a:lnRef>
+          <a:fillRef idx="1">
+            <a:schemeClr val="accent1"/>
+          </a:fillRef>
+          <a:effectRef idx="0">
+            <a:schemeClr val="accent1"/>
+          </a:effectRef>
+          <a:fontRef idx="minor">
+            <a:schemeClr val="lt1"/>
+          </a:fontRef>
+        </p:style>
+        <p:txBody>
+          <a:bodyPr rtlCol="0" anchor="ctr"/>
+          <a:lstStyle/>
+          <a:p>
+            <a:pPr algn="ctr"/>
+            <a:r>
+              <a:rPr lang="en-US" sz="1350" dirty="0"/>
+              <a:t>4</a:t>
+            </a:r>
+          </a:p>
+        </p:txBody>
+      </p:sp>
+      <p:sp>
+        <p:nvSpPr>
+          <p:cNvPr id="8" name="Rectangle 7"/>
+          <p:cNvSpPr/>
+          <p:nvPr/>
+        </p:nvSpPr>
+        <p:spPr>
+          <a:xfrm rot="16200000">
+            <a:off x="457200" y="1931594"/>
+            <a:ext cx="910004" cy="751742"/>
+          </a:xfrm>
+          <a:prstGeom prst="rect">
+            <a:avLst/>
+          </a:prstGeom>
+        </p:spPr>
+        <p:style>
+          <a:lnRef idx="2">
+            <a:schemeClr val="accent1">
+              <a:shade val="50000"/>
+            </a:schemeClr>
+          </a:lnRef>
+          <a:fillRef idx="1">
+            <a:schemeClr val="accent1"/>
+          </a:fillRef>
+          <a:effectRef idx="0">
+            <a:schemeClr val="accent1"/>
+          </a:effectRef>
+          <a:fontRef idx="minor">
+            <a:schemeClr val="lt1"/>
+          </a:fontRef>
+        </p:style>
+        <p:txBody>
+          <a:bodyPr rtlCol="0" anchor="ctr"/>
+          <a:lstStyle/>
+          <a:p>
+            <a:pPr algn="ctr"/>
+            <a:r>
+              <a:rPr lang="en-US" sz="1350" dirty="0"/>
+              <a:t>5</a:t>
+            </a:r>
+          </a:p>
+        </p:txBody>
+      </p:sp>
+      <p:sp>
+        <p:nvSpPr>
+          <p:cNvPr id="9" name="Rectangle 8"/>
+          <p:cNvSpPr/>
+          <p:nvPr/>
+        </p:nvSpPr>
+        <p:spPr>
+          <a:xfrm>
+            <a:off x="2345032" y="1931594"/>
+            <a:ext cx="1385845" cy="751742"/>
+          </a:xfrm>
+          <a:prstGeom prst="rect">
+            <a:avLst/>
+          </a:prstGeom>
+        </p:spPr>
+        <p:style>
+          <a:lnRef idx="2">
+            <a:schemeClr val="accent1">
+              <a:shade val="50000"/>
+            </a:schemeClr>
+          </a:lnRef>
+          <a:fillRef idx="1">
+            <a:schemeClr val="accent1"/>
+          </a:fillRef>
+          <a:effectRef idx="0">
+            <a:schemeClr val="accent1"/>
+          </a:effectRef>
+          <a:fontRef idx="minor">
+            <a:schemeClr val="lt1"/>
+          </a:fontRef>
+        </p:style>
+        <p:txBody>
+          <a:bodyPr rtlCol="0" anchor="ctr"/>
+          <a:lstStyle/>
+          <a:p>
+            <a:pPr algn="ctr"/>
+            <a:r>
+              <a:rPr lang="en-US" sz="1350" dirty="0"/>
+              <a:t>6</a:t>
+            </a:r>
+          </a:p>
+        </p:txBody>
+      </p:sp>
+      <p:sp>
+        <p:nvSpPr>
+          <p:cNvPr id="10" name="Oval 9"/>
+          <p:cNvSpPr/>
+          <p:nvPr/>
+        </p:nvSpPr>
+        <p:spPr>
+          <a:xfrm rot="2252568">
+            <a:off x="4500882" y="1908514"/>
+            <a:ext cx="1325648" cy="797902"/>
+          </a:xfrm>
+          <a:prstGeom prst="ellipse">
+            <a:avLst/>
+          </a:prstGeom>
+        </p:spPr>
+        <p:style>
+          <a:lnRef idx="2">
+            <a:schemeClr val="accent1">
+              <a:shade val="50000"/>
+            </a:schemeClr>
+          </a:lnRef>
+          <a:fillRef idx="1">
+            <a:schemeClr val="accent1"/>
+          </a:fillRef>
+          <a:effectRef idx="0">
+            <a:schemeClr val="accent1"/>
+          </a:effectRef>
+          <a:fontRef idx="minor">
+            <a:schemeClr val="lt1"/>
+          </a:fontRef>
+        </p:style>
+        <p:txBody>
+          <a:bodyPr rtlCol="0" anchor="ctr"/>
+          <a:lstStyle/>
+          <a:p>
+            <a:pPr algn="ctr"/>
+            <a:r>
+              <a:rPr lang="en-US" sz="1350" dirty="0"/>
+              <a:t>7</a:t>
+            </a:r>
+          </a:p>
+        </p:txBody>
+      </p:sp>
+      <p:sp>
+        <p:nvSpPr>
+          <p:cNvPr id="11" name="Rounded Rectangle 10"/>
+          <p:cNvSpPr/>
+          <p:nvPr/>
+        </p:nvSpPr>
+        <p:spPr>
+          <a:xfrm rot="19308688">
+            <a:off x="6679493" y="2106341"/>
+            <a:ext cx="1219932" cy="402248"/>
+          </a:xfrm>
+          <a:prstGeom prst="roundRect">
+            <a:avLst/>
+          </a:prstGeom>
+        </p:spPr>
+        <p:style>
+          <a:lnRef idx="2">
+            <a:schemeClr val="accent1">
+              <a:shade val="50000"/>
+            </a:schemeClr>
+          </a:lnRef>
+          <a:fillRef idx="1">
+            <a:schemeClr val="accent1"/>
+          </a:fillRef>
+          <a:effectRef idx="0">
+            <a:schemeClr val="accent1"/>
+          </a:effectRef>
+          <a:fontRef idx="minor">
+            <a:schemeClr val="lt1"/>
+          </a:fontRef>
+        </p:style>
+        <p:txBody>
+          <a:bodyPr rtlCol="0" anchor="ctr"/>
+          <a:lstStyle/>
+          <a:p>
+            <a:pPr algn="ctr"/>
+            <a:r>
+              <a:rPr lang="en-US" sz="1350" dirty="0"/>
+              <a:t>8</a:t>
+            </a:r>
+          </a:p>
+        </p:txBody>
+      </p:sp>
+      <p:sp>
+        <p:nvSpPr>
+          <p:cNvPr id="12" name="Rectangle 11"/>
+          <p:cNvSpPr/>
+          <p:nvPr/>
+        </p:nvSpPr>
+        <p:spPr>
+          <a:xfrm>
+            <a:off x="155228" y="3177388"/>
+            <a:ext cx="1513948" cy="751742"/>
+          </a:xfrm>
+          <a:prstGeom prst="rect">
+            <a:avLst/>
+          </a:prstGeom>
+        </p:spPr>
+        <p:style>
+          <a:lnRef idx="2">
+            <a:schemeClr val="accent1">
+              <a:shade val="50000"/>
+            </a:schemeClr>
+          </a:lnRef>
+          <a:fillRef idx="1">
+            <a:schemeClr val="accent1"/>
+          </a:fillRef>
+          <a:effectRef idx="0">
+            <a:schemeClr val="accent1"/>
+          </a:effectRef>
+          <a:fontRef idx="minor">
+            <a:schemeClr val="lt1"/>
+          </a:fontRef>
+        </p:style>
+        <p:txBody>
+          <a:bodyPr rtlCol="0" anchor="ctr"/>
+          <a:lstStyle/>
+          <a:p>
+            <a:pPr algn="ctr"/>
+            <a:r>
+              <a:rPr lang="en-US" sz="1350" dirty="0"/>
+              <a:t>9</a:t>
+            </a:r>
+          </a:p>
+        </p:txBody>
+      </p:sp>
+      <p:sp>
+        <p:nvSpPr>
+          <p:cNvPr id="13" name="Rectangle 12"/>
+          <p:cNvSpPr/>
+          <p:nvPr/>
+        </p:nvSpPr>
+        <p:spPr>
+          <a:xfrm>
+            <a:off x="2582952" y="3177388"/>
+            <a:ext cx="910004" cy="751742"/>
+          </a:xfrm>
+          <a:prstGeom prst="rect">
+            <a:avLst/>
+          </a:prstGeom>
+        </p:spPr>
+        <p:style>
+          <a:lnRef idx="2">
+            <a:schemeClr val="accent1">
+              <a:shade val="50000"/>
+            </a:schemeClr>
+          </a:lnRef>
+          <a:fillRef idx="1">
+            <a:schemeClr val="accent1"/>
+          </a:fillRef>
+          <a:effectRef idx="0">
+            <a:schemeClr val="accent1"/>
+          </a:effectRef>
+          <a:fontRef idx="minor">
+            <a:schemeClr val="lt1"/>
+          </a:fontRef>
+        </p:style>
+        <p:txBody>
+          <a:bodyPr rtlCol="0" anchor="ctr"/>
+          <a:lstStyle/>
+          <a:p>
+            <a:pPr algn="ctr"/>
+            <a:r>
+              <a:rPr lang="en-US" sz="1350" dirty="0"/>
+              <a:t>10</a:t>
+            </a:r>
+          </a:p>
+        </p:txBody>
+      </p:sp>
+      <p:pic>
+        <p:nvPicPr>
+          <p:cNvPr id="14" name="Picture 11"/>
+          <p:cNvPicPr>
+            <a:picLocks noChangeAspect="1" noChangeArrowheads="1"/>
+          </p:cNvPicPr>
+          <p:nvPr/>
+        </p:nvPicPr>
+        <p:blipFill rotWithShape="1">
+          <a:blip r:embed="rId2">
+            <a:extLst>
+              <a:ext uri="{28A0092B-C50C-407E-A947-70E740481C1C}">
+                <a14:useLocalDpi xmlns:a14="http://schemas.microsoft.com/office/drawing/2010/main" val="0"/>
+              </a:ext>
+            </a:extLst>
+          </a:blip>
+          <a:srcRect l="17869" r="10975"/>
+          <a:stretch/>
+        </p:blipFill>
+        <p:spPr bwMode="auto">
+          <a:xfrm rot="1756192">
+            <a:off x="4651635" y="3048434"/>
+            <a:ext cx="1024143" cy="1009650"/>
+          </a:xfrm>
+          <a:prstGeom prst="rect">
+            <a:avLst/>
+          </a:prstGeom>
+          <a:ln>
+            <a:noFill/>
+          </a:ln>
+          <a:effectLst>
+            <a:outerShdw blurRad="190500" algn="tl" rotWithShape="0">
+              <a:srgbClr val="000000">
+                <a:alpha val="70000"/>
+              </a:srgbClr>
+            </a:outerShdw>
+          </a:effectLst>
+          <a:extLst>
+            <a:ext uri="{909E8E84-426E-40DD-AFC4-6F175D3DCCD1}">
+              <a14:hiddenFill xmlns:a14="http://schemas.microsoft.com/office/drawing/2010/main">
+                <a:solidFill>
+                  <a:schemeClr val="accent1"/>
+                </a:solidFill>
+              </a14:hiddenFill>
+            </a:ext>
+            <a:ext uri="{91240B29-F687-4F45-9708-019B960494DF}">
+              <a14:hiddenLine xmlns:a14="http://schemas.microsoft.com/office/drawing/2010/main" w="9525">
+                <a:solidFill>
+                  <a:schemeClr val="tx1"/>
+                </a:solidFill>
+                <a:miter lim="800000"/>
+                <a:headEnd/>
+                <a:tailEnd/>
+              </a14:hiddenLine>
+            </a:ext>
+          </a:extLst>
+        </p:spPr>
+      </p:pic>
+      <p:pic>
+        <p:nvPicPr>
+          <p:cNvPr id="15" name="Picture 12"/>
+          <p:cNvPicPr>
+            <a:picLocks noChangeAspect="1" noChangeArrowheads="1"/>
+          </p:cNvPicPr>
+          <p:nvPr/>
+        </p:nvPicPr>
+        <p:blipFill rotWithShape="1">
+          <a:blip r:embed="rId3">
+            <a:extLst>
+              <a:ext uri="{28A0092B-C50C-407E-A947-70E740481C1C}">
+                <a14:useLocalDpi xmlns:a14="http://schemas.microsoft.com/office/drawing/2010/main" val="0"/>
+              </a:ext>
+            </a:extLst>
+          </a:blip>
+          <a:srcRect l="14680" r="13179"/>
+          <a:stretch/>
+        </p:blipFill>
+        <p:spPr bwMode="auto">
+          <a:xfrm rot="18564554">
+            <a:off x="6624349" y="2934134"/>
+            <a:ext cx="1330222" cy="1238250"/>
+          </a:xfrm>
+          <a:prstGeom prst="rect">
+            <a:avLst/>
+          </a:prstGeom>
+          <a:ln>
+            <a:noFill/>
+          </a:ln>
+          <a:effectLst>
+            <a:outerShdw blurRad="190500" algn="tl" rotWithShape="0">
+              <a:srgbClr val="000000">
+                <a:alpha val="70000"/>
+              </a:srgbClr>
+            </a:outerShdw>
+          </a:effectLst>
+          <a:extLst>
+            <a:ext uri="{909E8E84-426E-40DD-AFC4-6F175D3DCCD1}">
+              <a14:hiddenFill xmlns:a14="http://schemas.microsoft.com/office/drawing/2010/main">
+                <a:solidFill>
+                  <a:schemeClr val="accent1"/>
+                </a:solidFill>
+              </a14:hiddenFill>
+            </a:ext>
+            <a:ext uri="{91240B29-F687-4F45-9708-019B960494DF}">
+              <a14:hiddenLine xmlns:a14="http://schemas.microsoft.com/office/drawing/2010/main" w="9525">
+                <a:solidFill>
+                  <a:schemeClr val="tx1"/>
+                </a:solidFill>
+                <a:miter lim="800000"/>
+                <a:headEnd/>
+                <a:tailEnd/>
+              </a14:hiddenLine>
+            </a:ext>
+          </a:extLst>
+        </p:spPr>
+      </p:pic>
+      <p:pic>
+        <p:nvPicPr>
+          <p:cNvPr id="16" name="Picture 3"/>
+          <p:cNvPicPr>
+            <a:picLocks noChangeAspect="1" noChangeArrowheads="1"/>
+          </p:cNvPicPr>
+          <p:nvPr/>
+        </p:nvPicPr>
+        <p:blipFill rotWithShape="1">
+          <a:blip r:embed="rId4">
+            <a:extLst>
+              <a:ext uri="{28A0092B-C50C-407E-A947-70E740481C1C}">
+                <a14:useLocalDpi xmlns:a14="http://schemas.microsoft.com/office/drawing/2010/main" val="0"/>
+              </a:ext>
+            </a:extLst>
+          </a:blip>
+          <a:srcRect l="19185"/>
+          <a:stretch/>
+        </p:blipFill>
+        <p:spPr bwMode="auto">
+          <a:xfrm rot="42386591">
+            <a:off x="400979" y="4166468"/>
+            <a:ext cx="1022446" cy="1265171"/>
+          </a:xfrm>
+          <a:prstGeom prst="rect">
+            <a:avLst/>
+          </a:prstGeom>
+          <a:ln>
+            <a:noFill/>
+          </a:ln>
+          <a:effectLst>
+            <a:outerShdw blurRad="190500" algn="tl" rotWithShape="0">
+              <a:srgbClr val="000000">
+                <a:alpha val="70000"/>
+              </a:srgbClr>
+            </a:outerShdw>
+          </a:effectLst>
+          <a:extLst>
+            <a:ext uri="{909E8E84-426E-40DD-AFC4-6F175D3DCCD1}">
+              <a14:hiddenFill xmlns:a14="http://schemas.microsoft.com/office/drawing/2010/main">
+                <a:solidFill>
+                  <a:schemeClr val="accent1"/>
+                </a:solidFill>
+              </a14:hiddenFill>
+            </a:ext>
+            <a:ext uri="{91240B29-F687-4F45-9708-019B960494DF}">
+              <a14:hiddenLine xmlns:a14="http://schemas.microsoft.com/office/drawing/2010/main" w="9525">
+                <a:solidFill>
+                  <a:schemeClr val="tx1"/>
+                </a:solidFill>
+                <a:miter lim="800000"/>
+                <a:headEnd/>
+                <a:tailEnd/>
+              </a14:hiddenLine>
+            </a:ext>
+          </a:extLst>
+        </p:spPr>
+      </p:pic>
+      <p:sp>
+        <p:nvSpPr>
+          <p:cNvPr id="17" name="Rectangle 16"/>
+          <p:cNvSpPr/>
+          <p:nvPr/>
+        </p:nvSpPr>
+        <p:spPr>
+          <a:xfrm rot="1065321">
+            <a:off x="6604123" y="4423182"/>
+            <a:ext cx="1370671" cy="751742"/>
+          </a:xfrm>
+          <a:prstGeom prst="rect">
+            <a:avLst/>
+          </a:prstGeom>
+        </p:spPr>
+        <p:style>
+          <a:lnRef idx="2">
+            <a:schemeClr val="accent1">
+              <a:shade val="50000"/>
+            </a:schemeClr>
+          </a:lnRef>
+          <a:fillRef idx="1">
+            <a:schemeClr val="accent1"/>
+          </a:fillRef>
+          <a:effectRef idx="0">
+            <a:schemeClr val="accent1"/>
+          </a:effectRef>
+          <a:fontRef idx="minor">
+            <a:schemeClr val="lt1"/>
+          </a:fontRef>
+        </p:style>
+        <p:txBody>
+          <a:bodyPr rtlCol="0" anchor="ctr"/>
+          <a:lstStyle/>
+          <a:p>
+            <a:pPr algn="ctr"/>
+            <a:r>
+              <a:rPr lang="en-US" sz="1350" dirty="0"/>
+              <a:t>14</a:t>
+            </a:r>
+          </a:p>
+        </p:txBody>
+      </p:sp>
+    </p:spTree>
+    <p:extLst>
+      <p:ext uri="{BB962C8B-B14F-4D97-AF65-F5344CB8AC3E}">
+        <p14:creationId xmlns:p14="http://schemas.microsoft.com/office/powerpoint/2010/main" val="2250180661"/>
+      </p:ext>
+    </p:extLst>
+  </p:cSld>
+  <p:clrMapOvr>
+    <a:masterClrMapping/>
+  </p:clrMapOvr>
+</p:sld>
+</file>
+
+<file path=ppt/slides/slide18.xml><?xml version="1.0" encoding="utf-8"?>
+<p:sld xmlns:a="http://schemas.openxmlformats.org/drawingml/2006/main" xmlns:r="http://schemas.openxmlformats.org/officeDocument/2006/relationships" xmlns:p="http://schemas.openxmlformats.org/presentationml/2006/main">
+  <p:cSld>
+    <p:spTree>
+      <p:nvGrpSpPr>
+        <p:cNvPr id="1" name=""/>
+        <p:cNvGrpSpPr/>
+        <p:nvPr/>
+      </p:nvGrpSpPr>
+      <p:grpSpPr>
+        <a:xfrm>
+          <a:off x="0" y="0"/>
+          <a:ext cx="0" cy="0"/>
+          <a:chOff x="0" y="0"/>
+          <a:chExt cx="0" cy="0"/>
+        </a:xfrm>
+      </p:grpSpPr>
+      <p:sp>
+        <p:nvSpPr>
+          <p:cNvPr id="4" name="Rectangle 3"/>
+          <p:cNvSpPr/>
+          <p:nvPr/>
+        </p:nvSpPr>
+        <p:spPr>
+          <a:xfrm>
+            <a:off x="457200" y="685800"/>
+            <a:ext cx="910004" cy="751742"/>
+          </a:xfrm>
+          <a:prstGeom prst="rect">
+            <a:avLst/>
+          </a:prstGeom>
+        </p:spPr>
+        <p:style>
+          <a:lnRef idx="2">
+            <a:schemeClr val="accent1">
+              <a:shade val="50000"/>
+            </a:schemeClr>
+          </a:lnRef>
+          <a:fillRef idx="1">
+            <a:schemeClr val="accent1"/>
+          </a:fillRef>
+          <a:effectRef idx="0">
+            <a:schemeClr val="accent1"/>
+          </a:effectRef>
+          <a:fontRef idx="minor">
+            <a:schemeClr val="lt1"/>
+          </a:fontRef>
+        </p:style>
+        <p:txBody>
+          <a:bodyPr rtlCol="0" anchor="ctr"/>
+          <a:lstStyle/>
+          <a:p>
+            <a:pPr algn="ctr"/>
+            <a:r>
+              <a:rPr lang="en-US" sz="1350" dirty="0"/>
+              <a:t>1</a:t>
+            </a:r>
+          </a:p>
+        </p:txBody>
+      </p:sp>
+      <p:sp>
+        <p:nvSpPr>
+          <p:cNvPr id="5" name="Rectangle 4"/>
+          <p:cNvSpPr/>
+          <p:nvPr/>
+        </p:nvSpPr>
+        <p:spPr>
+          <a:xfrm rot="1065321">
+            <a:off x="3415495" y="685801"/>
+            <a:ext cx="1370671" cy="751742"/>
+          </a:xfrm>
+          <a:prstGeom prst="rect">
+            <a:avLst/>
+          </a:prstGeom>
+        </p:spPr>
+        <p:style>
+          <a:lnRef idx="2">
+            <a:schemeClr val="accent1">
+              <a:shade val="50000"/>
+            </a:schemeClr>
+          </a:lnRef>
+          <a:fillRef idx="1">
+            <a:schemeClr val="accent1"/>
+          </a:fillRef>
+          <a:effectRef idx="0">
+            <a:schemeClr val="accent1"/>
+          </a:effectRef>
+          <a:fontRef idx="minor">
+            <a:schemeClr val="lt1"/>
+          </a:fontRef>
+        </p:style>
+        <p:txBody>
+          <a:bodyPr rtlCol="0" anchor="ctr"/>
+          <a:lstStyle/>
+          <a:p>
+            <a:pPr algn="ctr"/>
+            <a:r>
+              <a:rPr lang="en-US" sz="1350" dirty="0"/>
+              <a:t>2</a:t>
+            </a:r>
+          </a:p>
+        </p:txBody>
+      </p:sp>
+      <p:sp>
+        <p:nvSpPr>
+          <p:cNvPr id="6" name="Oval 5"/>
+          <p:cNvSpPr/>
+          <p:nvPr/>
+        </p:nvSpPr>
+        <p:spPr>
+          <a:xfrm>
+            <a:off x="6864131" y="662720"/>
+            <a:ext cx="850655" cy="797902"/>
+          </a:xfrm>
+          <a:prstGeom prst="ellipse">
+            <a:avLst/>
+          </a:prstGeom>
+        </p:spPr>
+        <p:style>
+          <a:lnRef idx="2">
+            <a:schemeClr val="accent1">
+              <a:shade val="50000"/>
+            </a:schemeClr>
+          </a:lnRef>
+          <a:fillRef idx="1">
+            <a:schemeClr val="accent1"/>
+          </a:fillRef>
+          <a:effectRef idx="0">
+            <a:schemeClr val="accent1"/>
+          </a:effectRef>
+          <a:fontRef idx="minor">
+            <a:schemeClr val="lt1"/>
+          </a:fontRef>
+        </p:style>
+        <p:txBody>
+          <a:bodyPr rtlCol="0" anchor="ctr"/>
+          <a:lstStyle/>
+          <a:p>
+            <a:pPr algn="ctr"/>
+            <a:r>
+              <a:rPr lang="en-US" sz="1350" dirty="0"/>
+              <a:t>3</a:t>
+            </a:r>
+          </a:p>
+        </p:txBody>
+      </p:sp>
+      <p:sp>
+        <p:nvSpPr>
+          <p:cNvPr id="7" name="Rounded Rectangle 6"/>
+          <p:cNvSpPr/>
+          <p:nvPr/>
+        </p:nvSpPr>
+        <p:spPr>
+          <a:xfrm>
+            <a:off x="645502" y="1608023"/>
+            <a:ext cx="533400" cy="402248"/>
+          </a:xfrm>
+          <a:prstGeom prst="roundRect">
+            <a:avLst/>
+          </a:prstGeom>
+        </p:spPr>
+        <p:style>
+          <a:lnRef idx="2">
+            <a:schemeClr val="accent1">
+              <a:shade val="50000"/>
+            </a:schemeClr>
+          </a:lnRef>
+          <a:fillRef idx="1">
+            <a:schemeClr val="accent1"/>
+          </a:fillRef>
+          <a:effectRef idx="0">
+            <a:schemeClr val="accent1"/>
+          </a:effectRef>
+          <a:fontRef idx="minor">
+            <a:schemeClr val="lt1"/>
+          </a:fontRef>
+        </p:style>
+        <p:txBody>
+          <a:bodyPr rtlCol="0" anchor="ctr"/>
+          <a:lstStyle/>
+          <a:p>
+            <a:pPr algn="ctr"/>
+            <a:r>
+              <a:rPr lang="en-US" sz="1350" dirty="0"/>
+              <a:t>4</a:t>
+            </a:r>
+          </a:p>
+        </p:txBody>
+      </p:sp>
+      <p:sp>
+        <p:nvSpPr>
+          <p:cNvPr id="8" name="Rectangle 7"/>
+          <p:cNvSpPr/>
+          <p:nvPr/>
+        </p:nvSpPr>
+        <p:spPr>
+          <a:xfrm rot="16200000">
+            <a:off x="3645829" y="1433276"/>
+            <a:ext cx="910004" cy="751742"/>
+          </a:xfrm>
+          <a:prstGeom prst="rect">
+            <a:avLst/>
+          </a:prstGeom>
+        </p:spPr>
+        <p:style>
+          <a:lnRef idx="2">
+            <a:schemeClr val="accent1">
+              <a:shade val="50000"/>
+            </a:schemeClr>
+          </a:lnRef>
+          <a:fillRef idx="1">
+            <a:schemeClr val="accent1"/>
+          </a:fillRef>
+          <a:effectRef idx="0">
+            <a:schemeClr val="accent1"/>
+          </a:effectRef>
+          <a:fontRef idx="minor">
+            <a:schemeClr val="lt1"/>
+          </a:fontRef>
+        </p:style>
+        <p:txBody>
+          <a:bodyPr rtlCol="0" anchor="ctr"/>
+          <a:lstStyle/>
+          <a:p>
+            <a:pPr algn="ctr"/>
+            <a:r>
+              <a:rPr lang="en-US" sz="1350" dirty="0"/>
+              <a:t>5</a:t>
+            </a:r>
+          </a:p>
+        </p:txBody>
+      </p:sp>
+      <p:sp>
+        <p:nvSpPr>
+          <p:cNvPr id="9" name="Rectangle 8"/>
+          <p:cNvSpPr/>
+          <p:nvPr/>
+        </p:nvSpPr>
+        <p:spPr>
+          <a:xfrm>
+            <a:off x="6596538" y="1433276"/>
+            <a:ext cx="1385845" cy="751742"/>
+          </a:xfrm>
+          <a:prstGeom prst="rect">
+            <a:avLst/>
+          </a:prstGeom>
+        </p:spPr>
+        <p:style>
+          <a:lnRef idx="2">
+            <a:schemeClr val="accent1">
+              <a:shade val="50000"/>
+            </a:schemeClr>
+          </a:lnRef>
+          <a:fillRef idx="1">
+            <a:schemeClr val="accent1"/>
+          </a:fillRef>
+          <a:effectRef idx="0">
+            <a:schemeClr val="accent1"/>
+          </a:effectRef>
+          <a:fontRef idx="minor">
+            <a:schemeClr val="lt1"/>
+          </a:fontRef>
+        </p:style>
+        <p:txBody>
+          <a:bodyPr rtlCol="0" anchor="ctr"/>
+          <a:lstStyle/>
+          <a:p>
+            <a:pPr algn="ctr"/>
+            <a:r>
+              <a:rPr lang="en-US" sz="1350" dirty="0"/>
+              <a:t>6</a:t>
+            </a:r>
+          </a:p>
+        </p:txBody>
+      </p:sp>
+      <p:sp>
+        <p:nvSpPr>
+          <p:cNvPr id="10" name="Oval 9"/>
+          <p:cNvSpPr/>
+          <p:nvPr/>
+        </p:nvSpPr>
+        <p:spPr>
+          <a:xfrm rot="2252568">
+            <a:off x="249378" y="2157672"/>
+            <a:ext cx="1325648" cy="797902"/>
+          </a:xfrm>
+          <a:prstGeom prst="ellipse">
+            <a:avLst/>
+          </a:prstGeom>
+        </p:spPr>
+        <p:style>
+          <a:lnRef idx="2">
+            <a:schemeClr val="accent1">
+              <a:shade val="50000"/>
+            </a:schemeClr>
+          </a:lnRef>
+          <a:fillRef idx="1">
+            <a:schemeClr val="accent1"/>
+          </a:fillRef>
+          <a:effectRef idx="0">
+            <a:schemeClr val="accent1"/>
+          </a:effectRef>
+          <a:fontRef idx="minor">
+            <a:schemeClr val="lt1"/>
+          </a:fontRef>
+        </p:style>
+        <p:txBody>
+          <a:bodyPr rtlCol="0" anchor="ctr"/>
+          <a:lstStyle/>
+          <a:p>
+            <a:pPr algn="ctr"/>
+            <a:r>
+              <a:rPr lang="en-US" sz="1350" dirty="0"/>
+              <a:t>7</a:t>
+            </a:r>
+          </a:p>
+        </p:txBody>
+      </p:sp>
+      <p:sp>
+        <p:nvSpPr>
+          <p:cNvPr id="11" name="Rounded Rectangle 10"/>
+          <p:cNvSpPr/>
+          <p:nvPr/>
+        </p:nvSpPr>
+        <p:spPr>
+          <a:xfrm rot="19308688">
+            <a:off x="3490864" y="2355500"/>
+            <a:ext cx="1219932" cy="402248"/>
+          </a:xfrm>
+          <a:prstGeom prst="roundRect">
+            <a:avLst/>
+          </a:prstGeom>
+        </p:spPr>
+        <p:style>
+          <a:lnRef idx="2">
+            <a:schemeClr val="accent1">
+              <a:shade val="50000"/>
+            </a:schemeClr>
+          </a:lnRef>
+          <a:fillRef idx="1">
+            <a:schemeClr val="accent1"/>
+          </a:fillRef>
+          <a:effectRef idx="0">
+            <a:schemeClr val="accent1"/>
+          </a:effectRef>
+          <a:fontRef idx="minor">
+            <a:schemeClr val="lt1"/>
+          </a:fontRef>
+        </p:style>
+        <p:txBody>
+          <a:bodyPr rtlCol="0" anchor="ctr"/>
+          <a:lstStyle/>
+          <a:p>
+            <a:pPr algn="ctr"/>
+            <a:r>
+              <a:rPr lang="en-US" sz="1350" dirty="0"/>
+              <a:t>8</a:t>
+            </a:r>
+          </a:p>
+        </p:txBody>
+      </p:sp>
+      <p:sp>
+        <p:nvSpPr>
+          <p:cNvPr id="12" name="Rectangle 11"/>
+          <p:cNvSpPr/>
+          <p:nvPr/>
+        </p:nvSpPr>
+        <p:spPr>
+          <a:xfrm>
+            <a:off x="155228" y="2928229"/>
+            <a:ext cx="1513948" cy="751742"/>
+          </a:xfrm>
+          <a:prstGeom prst="rect">
+            <a:avLst/>
+          </a:prstGeom>
+        </p:spPr>
+        <p:style>
+          <a:lnRef idx="2">
+            <a:schemeClr val="accent1">
+              <a:shade val="50000"/>
+            </a:schemeClr>
+          </a:lnRef>
+          <a:fillRef idx="1">
+            <a:schemeClr val="accent1"/>
+          </a:fillRef>
+          <a:effectRef idx="0">
+            <a:schemeClr val="accent1"/>
+          </a:effectRef>
+          <a:fontRef idx="minor">
+            <a:schemeClr val="lt1"/>
+          </a:fontRef>
+        </p:style>
+        <p:txBody>
+          <a:bodyPr rtlCol="0" anchor="ctr"/>
+          <a:lstStyle/>
+          <a:p>
+            <a:pPr algn="ctr"/>
+            <a:r>
+              <a:rPr lang="en-US" sz="1350" dirty="0"/>
+              <a:t>9</a:t>
+            </a:r>
+          </a:p>
+        </p:txBody>
+      </p:sp>
+      <p:sp>
+        <p:nvSpPr>
+          <p:cNvPr id="13" name="Rectangle 12"/>
+          <p:cNvSpPr/>
+          <p:nvPr/>
+        </p:nvSpPr>
+        <p:spPr>
+          <a:xfrm>
+            <a:off x="3645828" y="2928229"/>
+            <a:ext cx="910004" cy="751742"/>
+          </a:xfrm>
+          <a:prstGeom prst="rect">
+            <a:avLst/>
+          </a:prstGeom>
+        </p:spPr>
+        <p:style>
+          <a:lnRef idx="2">
+            <a:schemeClr val="accent1">
+              <a:shade val="50000"/>
+            </a:schemeClr>
+          </a:lnRef>
+          <a:fillRef idx="1">
+            <a:schemeClr val="accent1"/>
+          </a:fillRef>
+          <a:effectRef idx="0">
+            <a:schemeClr val="accent1"/>
+          </a:effectRef>
+          <a:fontRef idx="minor">
+            <a:schemeClr val="lt1"/>
+          </a:fontRef>
+        </p:style>
+        <p:txBody>
+          <a:bodyPr rtlCol="0" anchor="ctr"/>
+          <a:lstStyle/>
+          <a:p>
+            <a:pPr algn="ctr"/>
+            <a:r>
+              <a:rPr lang="en-US" sz="1350" dirty="0"/>
+              <a:t>10</a:t>
+            </a:r>
+          </a:p>
+        </p:txBody>
+      </p:sp>
+      <p:pic>
+        <p:nvPicPr>
+          <p:cNvPr id="14" name="Picture 11"/>
+          <p:cNvPicPr>
+            <a:picLocks noChangeAspect="1" noChangeArrowheads="1"/>
+          </p:cNvPicPr>
+          <p:nvPr/>
+        </p:nvPicPr>
+        <p:blipFill rotWithShape="1">
+          <a:blip r:embed="rId2">
+            <a:extLst>
+              <a:ext uri="{28A0092B-C50C-407E-A947-70E740481C1C}">
+                <a14:useLocalDpi xmlns:a14="http://schemas.microsoft.com/office/drawing/2010/main" val="0"/>
+              </a:ext>
+            </a:extLst>
+          </a:blip>
+          <a:srcRect l="17869" r="10975"/>
+          <a:stretch/>
+        </p:blipFill>
+        <p:spPr bwMode="auto">
+          <a:xfrm rot="1756192">
+            <a:off x="400131" y="3546752"/>
+            <a:ext cx="1024143" cy="1009650"/>
+          </a:xfrm>
+          <a:prstGeom prst="rect">
+            <a:avLst/>
+          </a:prstGeom>
+          <a:ln>
+            <a:noFill/>
+          </a:ln>
+          <a:effectLst>
+            <a:outerShdw blurRad="190500" algn="tl" rotWithShape="0">
+              <a:srgbClr val="000000">
+                <a:alpha val="70000"/>
+              </a:srgbClr>
+            </a:outerShdw>
+          </a:effectLst>
+          <a:extLst>
+            <a:ext uri="{909E8E84-426E-40DD-AFC4-6F175D3DCCD1}">
+              <a14:hiddenFill xmlns:a14="http://schemas.microsoft.com/office/drawing/2010/main">
+                <a:solidFill>
+                  <a:schemeClr val="accent1"/>
+                </a:solidFill>
+              </a14:hiddenFill>
+            </a:ext>
+            <a:ext uri="{91240B29-F687-4F45-9708-019B960494DF}">
+              <a14:hiddenLine xmlns:a14="http://schemas.microsoft.com/office/drawing/2010/main" w="9525">
+                <a:solidFill>
+                  <a:schemeClr val="tx1"/>
+                </a:solidFill>
+                <a:miter lim="800000"/>
+                <a:headEnd/>
+                <a:tailEnd/>
+              </a14:hiddenLine>
+            </a:ext>
+          </a:extLst>
+        </p:spPr>
+      </p:pic>
+      <p:pic>
+        <p:nvPicPr>
+          <p:cNvPr id="15" name="Picture 12"/>
+          <p:cNvPicPr>
+            <a:picLocks noChangeAspect="1" noChangeArrowheads="1"/>
+          </p:cNvPicPr>
+          <p:nvPr/>
+        </p:nvPicPr>
+        <p:blipFill rotWithShape="1">
+          <a:blip r:embed="rId3">
+            <a:extLst>
+              <a:ext uri="{28A0092B-C50C-407E-A947-70E740481C1C}">
+                <a14:useLocalDpi xmlns:a14="http://schemas.microsoft.com/office/drawing/2010/main" val="0"/>
+              </a:ext>
+            </a:extLst>
+          </a:blip>
+          <a:srcRect l="14680" r="13179"/>
+          <a:stretch/>
+        </p:blipFill>
+        <p:spPr bwMode="auto">
+          <a:xfrm rot="18564554">
+            <a:off x="3435720" y="3432452"/>
+            <a:ext cx="1330222" cy="1238250"/>
+          </a:xfrm>
+          <a:prstGeom prst="rect">
+            <a:avLst/>
+          </a:prstGeom>
+          <a:ln>
+            <a:noFill/>
+          </a:ln>
+          <a:effectLst>
+            <a:outerShdw blurRad="190500" algn="tl" rotWithShape="0">
+              <a:srgbClr val="000000">
+                <a:alpha val="70000"/>
+              </a:srgbClr>
+            </a:outerShdw>
+          </a:effectLst>
+          <a:extLst>
+            <a:ext uri="{909E8E84-426E-40DD-AFC4-6F175D3DCCD1}">
+              <a14:hiddenFill xmlns:a14="http://schemas.microsoft.com/office/drawing/2010/main">
+                <a:solidFill>
+                  <a:schemeClr val="accent1"/>
+                </a:solidFill>
+              </a14:hiddenFill>
+            </a:ext>
+            <a:ext uri="{91240B29-F687-4F45-9708-019B960494DF}">
+              <a14:hiddenLine xmlns:a14="http://schemas.microsoft.com/office/drawing/2010/main" w="9525">
+                <a:solidFill>
+                  <a:schemeClr val="tx1"/>
+                </a:solidFill>
+                <a:miter lim="800000"/>
+                <a:headEnd/>
+                <a:tailEnd/>
+              </a14:hiddenLine>
+            </a:ext>
+          </a:extLst>
+        </p:spPr>
+      </p:pic>
+      <p:pic>
+        <p:nvPicPr>
+          <p:cNvPr id="16" name="Picture 3"/>
+          <p:cNvPicPr>
+            <a:picLocks noChangeAspect="1" noChangeArrowheads="1"/>
+          </p:cNvPicPr>
+          <p:nvPr/>
+        </p:nvPicPr>
+        <p:blipFill rotWithShape="1">
+          <a:blip r:embed="rId4">
+            <a:extLst>
+              <a:ext uri="{28A0092B-C50C-407E-A947-70E740481C1C}">
+                <a14:useLocalDpi xmlns:a14="http://schemas.microsoft.com/office/drawing/2010/main" val="0"/>
+              </a:ext>
+            </a:extLst>
+          </a:blip>
+          <a:srcRect l="19185"/>
+          <a:stretch/>
+        </p:blipFill>
+        <p:spPr bwMode="auto">
+          <a:xfrm rot="42386591">
+            <a:off x="400979" y="4166468"/>
+            <a:ext cx="1022446" cy="1265171"/>
+          </a:xfrm>
+          <a:prstGeom prst="rect">
+            <a:avLst/>
+          </a:prstGeom>
+          <a:ln>
+            <a:noFill/>
+          </a:ln>
+          <a:effectLst>
+            <a:outerShdw blurRad="190500" algn="tl" rotWithShape="0">
+              <a:srgbClr val="000000">
+                <a:alpha val="70000"/>
+              </a:srgbClr>
+            </a:outerShdw>
+          </a:effectLst>
+          <a:extLst>
+            <a:ext uri="{909E8E84-426E-40DD-AFC4-6F175D3DCCD1}">
+              <a14:hiddenFill xmlns:a14="http://schemas.microsoft.com/office/drawing/2010/main">
+                <a:solidFill>
+                  <a:schemeClr val="accent1"/>
+                </a:solidFill>
+              </a14:hiddenFill>
+            </a:ext>
+            <a:ext uri="{91240B29-F687-4F45-9708-019B960494DF}">
+              <a14:hiddenLine xmlns:a14="http://schemas.microsoft.com/office/drawing/2010/main" w="9525">
+                <a:solidFill>
+                  <a:schemeClr val="tx1"/>
+                </a:solidFill>
+                <a:miter lim="800000"/>
+                <a:headEnd/>
+                <a:tailEnd/>
+              </a14:hiddenLine>
+            </a:ext>
+          </a:extLst>
+        </p:spPr>
+      </p:pic>
+      <p:sp>
+        <p:nvSpPr>
+          <p:cNvPr id="17" name="Rectangle 16"/>
+          <p:cNvSpPr/>
+          <p:nvPr/>
+        </p:nvSpPr>
+        <p:spPr>
+          <a:xfrm rot="1065321">
+            <a:off x="6604123" y="4423182"/>
+            <a:ext cx="1370671" cy="751742"/>
+          </a:xfrm>
+          <a:prstGeom prst="rect">
+            <a:avLst/>
+          </a:prstGeom>
+        </p:spPr>
+        <p:style>
+          <a:lnRef idx="2">
+            <a:schemeClr val="accent1">
+              <a:shade val="50000"/>
+            </a:schemeClr>
+          </a:lnRef>
+          <a:fillRef idx="1">
+            <a:schemeClr val="accent1"/>
+          </a:fillRef>
+          <a:effectRef idx="0">
+            <a:schemeClr val="accent1"/>
+          </a:effectRef>
+          <a:fontRef idx="minor">
+            <a:schemeClr val="lt1"/>
+          </a:fontRef>
+        </p:style>
+        <p:txBody>
+          <a:bodyPr rtlCol="0" anchor="ctr"/>
+          <a:lstStyle/>
+          <a:p>
+            <a:pPr algn="ctr"/>
+            <a:r>
+              <a:rPr lang="en-US" sz="1350" dirty="0"/>
+              <a:t>14</a:t>
+            </a:r>
+          </a:p>
+        </p:txBody>
+      </p:sp>
+    </p:spTree>
+    <p:extLst>
+      <p:ext uri="{BB962C8B-B14F-4D97-AF65-F5344CB8AC3E}">
+        <p14:creationId xmlns:p14="http://schemas.microsoft.com/office/powerpoint/2010/main" val="1353979874"/>
+      </p:ext>
+    </p:extLst>
+  </p:cSld>
+  <p:clrMapOvr>
+    <a:masterClrMapping/>
+  </p:clrMapOvr>
+</p:sld>
+</file>
+
+<file path=ppt/slides/slide19.xml><?xml version="1.0" encoding="utf-8"?>
+<p:sld xmlns:a="http://schemas.openxmlformats.org/drawingml/2006/main" xmlns:r="http://schemas.openxmlformats.org/officeDocument/2006/relationships" xmlns:p="http://schemas.openxmlformats.org/presentationml/2006/main">
+  <p:cSld>
+    <p:spTree>
+      <p:nvGrpSpPr>
+        <p:cNvPr id="1" name=""/>
+        <p:cNvGrpSpPr/>
+        <p:nvPr/>
+      </p:nvGrpSpPr>
+      <p:grpSpPr>
+        <a:xfrm>
+          <a:off x="0" y="0"/>
+          <a:ext cx="0" cy="0"/>
+          <a:chOff x="0" y="0"/>
+          <a:chExt cx="0" cy="0"/>
+        </a:xfrm>
+      </p:grpSpPr>
+      <p:sp>
+        <p:nvSpPr>
+          <p:cNvPr id="2" name="Title 1"/>
+          <p:cNvSpPr>
+            <a:spLocks noGrp="1"/>
+          </p:cNvSpPr>
+          <p:nvPr>
+            <p:ph type="title"/>
+          </p:nvPr>
+        </p:nvSpPr>
+        <p:spPr/>
+        <p:txBody>
+          <a:bodyPr/>
+          <a:lstStyle/>
+          <a:p>
+            <a:r>
+              <a:rPr lang="en-US" dirty="0"/>
+              <a:t>Distribute:: Grid / First &amp; Second / Shape Edge</a:t>
+            </a:r>
+            <a:endParaRPr lang="en-SG" dirty="0"/>
+          </a:p>
+        </p:txBody>
+      </p:sp>
+      <p:sp>
+        <p:nvSpPr>
+          <p:cNvPr id="3" name="Content Placeholder 2"/>
+          <p:cNvSpPr>
+            <a:spLocks noGrp="1"/>
+          </p:cNvSpPr>
+          <p:nvPr>
+            <p:ph idx="1"/>
+          </p:nvPr>
+        </p:nvSpPr>
+        <p:spPr/>
+        <p:txBody>
+          <a:bodyPr/>
+          <a:lstStyle/>
+          <a:p>
+            <a:endParaRPr lang="en-SG" dirty="0"/>
+          </a:p>
+        </p:txBody>
+      </p:sp>
+    </p:spTree>
+    <p:extLst>
+      <p:ext uri="{BB962C8B-B14F-4D97-AF65-F5344CB8AC3E}">
+        <p14:creationId xmlns:p14="http://schemas.microsoft.com/office/powerpoint/2010/main" val="1498104756"/>
+      </p:ext>
+    </p:extLst>
+  </p:cSld>
+  <p:clrMapOvr>
+    <a:masterClrMapping/>
+  </p:clrMapOvr>
 </p:sld>
 </file>
 
@@ -9537,6 +14456,1438 @@
 </p:sld>
 </file>
 
+<file path=ppt/slides/slide20.xml><?xml version="1.0" encoding="utf-8"?>
+<p:sld xmlns:a="http://schemas.openxmlformats.org/drawingml/2006/main" xmlns:r="http://schemas.openxmlformats.org/officeDocument/2006/relationships" xmlns:p="http://schemas.openxmlformats.org/presentationml/2006/main">
+  <p:cSld>
+    <p:spTree>
+      <p:nvGrpSpPr>
+        <p:cNvPr id="1" name=""/>
+        <p:cNvGrpSpPr/>
+        <p:nvPr/>
+      </p:nvGrpSpPr>
+      <p:grpSpPr>
+        <a:xfrm>
+          <a:off x="0" y="0"/>
+          <a:ext cx="0" cy="0"/>
+          <a:chOff x="0" y="0"/>
+          <a:chExt cx="0" cy="0"/>
+        </a:xfrm>
+      </p:grpSpPr>
+      <p:sp>
+        <p:nvSpPr>
+          <p:cNvPr id="4" name="Rectangle 3"/>
+          <p:cNvSpPr/>
+          <p:nvPr/>
+        </p:nvSpPr>
+        <p:spPr>
+          <a:xfrm>
+            <a:off x="457200" y="685800"/>
+            <a:ext cx="910004" cy="751742"/>
+          </a:xfrm>
+          <a:prstGeom prst="rect">
+            <a:avLst/>
+          </a:prstGeom>
+        </p:spPr>
+        <p:style>
+          <a:lnRef idx="2">
+            <a:schemeClr val="accent1">
+              <a:shade val="50000"/>
+            </a:schemeClr>
+          </a:lnRef>
+          <a:fillRef idx="1">
+            <a:schemeClr val="accent1"/>
+          </a:fillRef>
+          <a:effectRef idx="0">
+            <a:schemeClr val="accent1"/>
+          </a:effectRef>
+          <a:fontRef idx="minor">
+            <a:schemeClr val="lt1"/>
+          </a:fontRef>
+        </p:style>
+        <p:txBody>
+          <a:bodyPr rtlCol="0" anchor="ctr"/>
+          <a:lstStyle/>
+          <a:p>
+            <a:pPr algn="ctr"/>
+            <a:r>
+              <a:rPr lang="en-US" sz="1350" dirty="0"/>
+              <a:t>1</a:t>
+            </a:r>
+          </a:p>
+        </p:txBody>
+      </p:sp>
+      <p:sp>
+        <p:nvSpPr>
+          <p:cNvPr id="5" name="Rectangle 4"/>
+          <p:cNvSpPr/>
+          <p:nvPr/>
+        </p:nvSpPr>
+        <p:spPr>
+          <a:xfrm rot="1065321">
+            <a:off x="2706145" y="876891"/>
+            <a:ext cx="1370671" cy="751742"/>
+          </a:xfrm>
+          <a:prstGeom prst="rect">
+            <a:avLst/>
+          </a:prstGeom>
+        </p:spPr>
+        <p:style>
+          <a:lnRef idx="2">
+            <a:schemeClr val="accent1">
+              <a:shade val="50000"/>
+            </a:schemeClr>
+          </a:lnRef>
+          <a:fillRef idx="1">
+            <a:schemeClr val="accent1"/>
+          </a:fillRef>
+          <a:effectRef idx="0">
+            <a:schemeClr val="accent1"/>
+          </a:effectRef>
+          <a:fontRef idx="minor">
+            <a:schemeClr val="lt1"/>
+          </a:fontRef>
+        </p:style>
+        <p:txBody>
+          <a:bodyPr rtlCol="0" anchor="ctr"/>
+          <a:lstStyle/>
+          <a:p>
+            <a:pPr algn="ctr"/>
+            <a:r>
+              <a:rPr lang="en-US" sz="1350" dirty="0"/>
+              <a:t>2</a:t>
+            </a:r>
+          </a:p>
+        </p:txBody>
+      </p:sp>
+      <p:sp>
+        <p:nvSpPr>
+          <p:cNvPr id="6" name="Oval 5"/>
+          <p:cNvSpPr/>
+          <p:nvPr/>
+        </p:nvSpPr>
+        <p:spPr>
+          <a:xfrm>
+            <a:off x="5415757" y="685800"/>
+            <a:ext cx="850655" cy="797902"/>
+          </a:xfrm>
+          <a:prstGeom prst="ellipse">
+            <a:avLst/>
+          </a:prstGeom>
+        </p:spPr>
+        <p:style>
+          <a:lnRef idx="2">
+            <a:schemeClr val="accent1">
+              <a:shade val="50000"/>
+            </a:schemeClr>
+          </a:lnRef>
+          <a:fillRef idx="1">
+            <a:schemeClr val="accent1"/>
+          </a:fillRef>
+          <a:effectRef idx="0">
+            <a:schemeClr val="accent1"/>
+          </a:effectRef>
+          <a:fontRef idx="minor">
+            <a:schemeClr val="lt1"/>
+          </a:fontRef>
+        </p:style>
+        <p:txBody>
+          <a:bodyPr rtlCol="0" anchor="ctr"/>
+          <a:lstStyle/>
+          <a:p>
+            <a:pPr algn="ctr"/>
+            <a:r>
+              <a:rPr lang="en-US" sz="1350" dirty="0"/>
+              <a:t>3</a:t>
+            </a:r>
+          </a:p>
+        </p:txBody>
+      </p:sp>
+      <p:sp>
+        <p:nvSpPr>
+          <p:cNvPr id="7" name="Rounded Rectangle 6"/>
+          <p:cNvSpPr/>
+          <p:nvPr/>
+        </p:nvSpPr>
+        <p:spPr>
+          <a:xfrm>
+            <a:off x="7523373" y="685800"/>
+            <a:ext cx="533400" cy="402248"/>
+          </a:xfrm>
+          <a:prstGeom prst="roundRect">
+            <a:avLst/>
+          </a:prstGeom>
+        </p:spPr>
+        <p:style>
+          <a:lnRef idx="2">
+            <a:schemeClr val="accent1">
+              <a:shade val="50000"/>
+            </a:schemeClr>
+          </a:lnRef>
+          <a:fillRef idx="1">
+            <a:schemeClr val="accent1"/>
+          </a:fillRef>
+          <a:effectRef idx="0">
+            <a:schemeClr val="accent1"/>
+          </a:effectRef>
+          <a:fontRef idx="minor">
+            <a:schemeClr val="lt1"/>
+          </a:fontRef>
+        </p:style>
+        <p:txBody>
+          <a:bodyPr rtlCol="0" anchor="ctr"/>
+          <a:lstStyle/>
+          <a:p>
+            <a:pPr algn="ctr"/>
+            <a:r>
+              <a:rPr lang="en-US" sz="1350" dirty="0"/>
+              <a:t>4</a:t>
+            </a:r>
+          </a:p>
+        </p:txBody>
+      </p:sp>
+      <p:sp>
+        <p:nvSpPr>
+          <p:cNvPr id="8" name="Rectangle 7"/>
+          <p:cNvSpPr/>
+          <p:nvPr/>
+        </p:nvSpPr>
+        <p:spPr>
+          <a:xfrm rot="16200000">
+            <a:off x="378069" y="1702475"/>
+            <a:ext cx="910004" cy="751742"/>
+          </a:xfrm>
+          <a:prstGeom prst="rect">
+            <a:avLst/>
+          </a:prstGeom>
+        </p:spPr>
+        <p:style>
+          <a:lnRef idx="2">
+            <a:schemeClr val="accent1">
+              <a:shade val="50000"/>
+            </a:schemeClr>
+          </a:lnRef>
+          <a:fillRef idx="1">
+            <a:schemeClr val="accent1"/>
+          </a:fillRef>
+          <a:effectRef idx="0">
+            <a:schemeClr val="accent1"/>
+          </a:effectRef>
+          <a:fontRef idx="minor">
+            <a:schemeClr val="lt1"/>
+          </a:fontRef>
+        </p:style>
+        <p:txBody>
+          <a:bodyPr rtlCol="0" anchor="ctr"/>
+          <a:lstStyle/>
+          <a:p>
+            <a:pPr algn="ctr"/>
+            <a:r>
+              <a:rPr lang="en-US" sz="1350" dirty="0"/>
+              <a:t>5</a:t>
+            </a:r>
+          </a:p>
+        </p:txBody>
+      </p:sp>
+      <p:sp>
+        <p:nvSpPr>
+          <p:cNvPr id="9" name="Rectangle 8"/>
+          <p:cNvSpPr/>
+          <p:nvPr/>
+        </p:nvSpPr>
+        <p:spPr>
+          <a:xfrm>
+            <a:off x="2259030" y="1702475"/>
+            <a:ext cx="1385845" cy="751742"/>
+          </a:xfrm>
+          <a:prstGeom prst="rect">
+            <a:avLst/>
+          </a:prstGeom>
+        </p:spPr>
+        <p:style>
+          <a:lnRef idx="2">
+            <a:schemeClr val="accent1">
+              <a:shade val="50000"/>
+            </a:schemeClr>
+          </a:lnRef>
+          <a:fillRef idx="1">
+            <a:schemeClr val="accent1"/>
+          </a:fillRef>
+          <a:effectRef idx="0">
+            <a:schemeClr val="accent1"/>
+          </a:effectRef>
+          <a:fontRef idx="minor">
+            <a:schemeClr val="lt1"/>
+          </a:fontRef>
+        </p:style>
+        <p:txBody>
+          <a:bodyPr rtlCol="0" anchor="ctr"/>
+          <a:lstStyle/>
+          <a:p>
+            <a:pPr algn="ctr"/>
+            <a:r>
+              <a:rPr lang="en-US" sz="1350" dirty="0"/>
+              <a:t>6</a:t>
+            </a:r>
+          </a:p>
+        </p:txBody>
+      </p:sp>
+      <p:sp>
+        <p:nvSpPr>
+          <p:cNvPr id="10" name="Oval 9"/>
+          <p:cNvSpPr/>
+          <p:nvPr/>
+        </p:nvSpPr>
+        <p:spPr>
+          <a:xfrm rot="2252568">
+            <a:off x="4611331" y="1679395"/>
+            <a:ext cx="1325648" cy="797902"/>
+          </a:xfrm>
+          <a:prstGeom prst="ellipse">
+            <a:avLst/>
+          </a:prstGeom>
+        </p:spPr>
+        <p:style>
+          <a:lnRef idx="2">
+            <a:schemeClr val="accent1">
+              <a:shade val="50000"/>
+            </a:schemeClr>
+          </a:lnRef>
+          <a:fillRef idx="1">
+            <a:schemeClr val="accent1"/>
+          </a:fillRef>
+          <a:effectRef idx="0">
+            <a:schemeClr val="accent1"/>
+          </a:effectRef>
+          <a:fontRef idx="minor">
+            <a:schemeClr val="lt1"/>
+          </a:fontRef>
+        </p:style>
+        <p:txBody>
+          <a:bodyPr rtlCol="0" anchor="ctr"/>
+          <a:lstStyle/>
+          <a:p>
+            <a:pPr algn="ctr"/>
+            <a:r>
+              <a:rPr lang="en-US" sz="1350" dirty="0"/>
+              <a:t>7</a:t>
+            </a:r>
+          </a:p>
+        </p:txBody>
+      </p:sp>
+      <p:sp>
+        <p:nvSpPr>
+          <p:cNvPr id="11" name="Rounded Rectangle 10"/>
+          <p:cNvSpPr/>
+          <p:nvPr/>
+        </p:nvSpPr>
+        <p:spPr>
+          <a:xfrm rot="19308688">
+            <a:off x="6870139" y="1877222"/>
+            <a:ext cx="1219932" cy="402248"/>
+          </a:xfrm>
+          <a:prstGeom prst="roundRect">
+            <a:avLst/>
+          </a:prstGeom>
+        </p:spPr>
+        <p:style>
+          <a:lnRef idx="2">
+            <a:schemeClr val="accent1">
+              <a:shade val="50000"/>
+            </a:schemeClr>
+          </a:lnRef>
+          <a:fillRef idx="1">
+            <a:schemeClr val="accent1"/>
+          </a:fillRef>
+          <a:effectRef idx="0">
+            <a:schemeClr val="accent1"/>
+          </a:effectRef>
+          <a:fontRef idx="minor">
+            <a:schemeClr val="lt1"/>
+          </a:fontRef>
+        </p:style>
+        <p:txBody>
+          <a:bodyPr rtlCol="0" anchor="ctr"/>
+          <a:lstStyle/>
+          <a:p>
+            <a:pPr algn="ctr"/>
+            <a:r>
+              <a:rPr lang="en-US" sz="1350" dirty="0"/>
+              <a:t>8</a:t>
+            </a:r>
+          </a:p>
+        </p:txBody>
+      </p:sp>
+      <p:sp>
+        <p:nvSpPr>
+          <p:cNvPr id="12" name="Rectangle 11"/>
+          <p:cNvSpPr/>
+          <p:nvPr/>
+        </p:nvSpPr>
+        <p:spPr>
+          <a:xfrm>
+            <a:off x="457200" y="2868037"/>
+            <a:ext cx="1513948" cy="751742"/>
+          </a:xfrm>
+          <a:prstGeom prst="rect">
+            <a:avLst/>
+          </a:prstGeom>
+        </p:spPr>
+        <p:style>
+          <a:lnRef idx="2">
+            <a:schemeClr val="accent1">
+              <a:shade val="50000"/>
+            </a:schemeClr>
+          </a:lnRef>
+          <a:fillRef idx="1">
+            <a:schemeClr val="accent1"/>
+          </a:fillRef>
+          <a:effectRef idx="0">
+            <a:schemeClr val="accent1"/>
+          </a:effectRef>
+          <a:fontRef idx="minor">
+            <a:schemeClr val="lt1"/>
+          </a:fontRef>
+        </p:style>
+        <p:txBody>
+          <a:bodyPr rtlCol="0" anchor="ctr"/>
+          <a:lstStyle/>
+          <a:p>
+            <a:pPr algn="ctr"/>
+            <a:r>
+              <a:rPr lang="en-US" sz="1350" dirty="0"/>
+              <a:t>9</a:t>
+            </a:r>
+          </a:p>
+        </p:txBody>
+      </p:sp>
+      <p:sp>
+        <p:nvSpPr>
+          <p:cNvPr id="13" name="Rectangle 12"/>
+          <p:cNvSpPr/>
+          <p:nvPr/>
+        </p:nvSpPr>
+        <p:spPr>
+          <a:xfrm>
+            <a:off x="2633609" y="2868037"/>
+            <a:ext cx="910004" cy="751742"/>
+          </a:xfrm>
+          <a:prstGeom prst="rect">
+            <a:avLst/>
+          </a:prstGeom>
+        </p:spPr>
+        <p:style>
+          <a:lnRef idx="2">
+            <a:schemeClr val="accent1">
+              <a:shade val="50000"/>
+            </a:schemeClr>
+          </a:lnRef>
+          <a:fillRef idx="1">
+            <a:schemeClr val="accent1"/>
+          </a:fillRef>
+          <a:effectRef idx="0">
+            <a:schemeClr val="accent1"/>
+          </a:effectRef>
+          <a:fontRef idx="minor">
+            <a:schemeClr val="lt1"/>
+          </a:fontRef>
+        </p:style>
+        <p:txBody>
+          <a:bodyPr rtlCol="0" anchor="ctr"/>
+          <a:lstStyle/>
+          <a:p>
+            <a:pPr algn="ctr"/>
+            <a:r>
+              <a:rPr lang="en-US" sz="1350" dirty="0"/>
+              <a:t>10</a:t>
+            </a:r>
+          </a:p>
+        </p:txBody>
+      </p:sp>
+      <p:pic>
+        <p:nvPicPr>
+          <p:cNvPr id="14" name="Picture 11"/>
+          <p:cNvPicPr>
+            <a:picLocks noChangeAspect="1" noChangeArrowheads="1"/>
+          </p:cNvPicPr>
+          <p:nvPr/>
+        </p:nvPicPr>
+        <p:blipFill rotWithShape="1">
+          <a:blip r:embed="rId2">
+            <a:extLst>
+              <a:ext uri="{28A0092B-C50C-407E-A947-70E740481C1C}">
+                <a14:useLocalDpi xmlns:a14="http://schemas.microsoft.com/office/drawing/2010/main" val="0"/>
+              </a:ext>
+            </a:extLst>
+          </a:blip>
+          <a:srcRect l="17869" r="10975"/>
+          <a:stretch/>
+        </p:blipFill>
+        <p:spPr bwMode="auto">
+          <a:xfrm rot="1756192">
+            <a:off x="4387517" y="2739083"/>
+            <a:ext cx="1024143" cy="1009650"/>
+          </a:xfrm>
+          <a:prstGeom prst="rect">
+            <a:avLst/>
+          </a:prstGeom>
+          <a:ln>
+            <a:noFill/>
+          </a:ln>
+          <a:effectLst>
+            <a:outerShdw blurRad="190500" algn="tl" rotWithShape="0">
+              <a:srgbClr val="000000">
+                <a:alpha val="70000"/>
+              </a:srgbClr>
+            </a:outerShdw>
+          </a:effectLst>
+          <a:extLst>
+            <a:ext uri="{909E8E84-426E-40DD-AFC4-6F175D3DCCD1}">
+              <a14:hiddenFill xmlns:a14="http://schemas.microsoft.com/office/drawing/2010/main">
+                <a:solidFill>
+                  <a:schemeClr val="accent1"/>
+                </a:solidFill>
+              </a14:hiddenFill>
+            </a:ext>
+            <a:ext uri="{91240B29-F687-4F45-9708-019B960494DF}">
+              <a14:hiddenLine xmlns:a14="http://schemas.microsoft.com/office/drawing/2010/main" w="9525">
+                <a:solidFill>
+                  <a:schemeClr val="tx1"/>
+                </a:solidFill>
+                <a:miter lim="800000"/>
+                <a:headEnd/>
+                <a:tailEnd/>
+              </a14:hiddenLine>
+            </a:ext>
+          </a:extLst>
+        </p:spPr>
+      </p:pic>
+      <p:pic>
+        <p:nvPicPr>
+          <p:cNvPr id="15" name="Picture 12"/>
+          <p:cNvPicPr>
+            <a:picLocks noChangeAspect="1" noChangeArrowheads="1"/>
+          </p:cNvPicPr>
+          <p:nvPr/>
+        </p:nvPicPr>
+        <p:blipFill rotWithShape="1">
+          <a:blip r:embed="rId3">
+            <a:extLst>
+              <a:ext uri="{28A0092B-C50C-407E-A947-70E740481C1C}">
+                <a14:useLocalDpi xmlns:a14="http://schemas.microsoft.com/office/drawing/2010/main" val="0"/>
+              </a:ext>
+            </a:extLst>
+          </a:blip>
+          <a:srcRect l="14680" r="13179"/>
+          <a:stretch/>
+        </p:blipFill>
+        <p:spPr bwMode="auto">
+          <a:xfrm rot="18564554">
+            <a:off x="6491058" y="2624783"/>
+            <a:ext cx="1330222" cy="1238250"/>
+          </a:xfrm>
+          <a:prstGeom prst="rect">
+            <a:avLst/>
+          </a:prstGeom>
+          <a:ln>
+            <a:noFill/>
+          </a:ln>
+          <a:effectLst>
+            <a:outerShdw blurRad="190500" algn="tl" rotWithShape="0">
+              <a:srgbClr val="000000">
+                <a:alpha val="70000"/>
+              </a:srgbClr>
+            </a:outerShdw>
+          </a:effectLst>
+          <a:extLst>
+            <a:ext uri="{909E8E84-426E-40DD-AFC4-6F175D3DCCD1}">
+              <a14:hiddenFill xmlns:a14="http://schemas.microsoft.com/office/drawing/2010/main">
+                <a:solidFill>
+                  <a:schemeClr val="accent1"/>
+                </a:solidFill>
+              </a14:hiddenFill>
+            </a:ext>
+            <a:ext uri="{91240B29-F687-4F45-9708-019B960494DF}">
+              <a14:hiddenLine xmlns:a14="http://schemas.microsoft.com/office/drawing/2010/main" w="9525">
+                <a:solidFill>
+                  <a:schemeClr val="tx1"/>
+                </a:solidFill>
+                <a:miter lim="800000"/>
+                <a:headEnd/>
+                <a:tailEnd/>
+              </a14:hiddenLine>
+            </a:ext>
+          </a:extLst>
+        </p:spPr>
+      </p:pic>
+      <p:pic>
+        <p:nvPicPr>
+          <p:cNvPr id="16" name="Picture 3"/>
+          <p:cNvPicPr>
+            <a:picLocks noChangeAspect="1" noChangeArrowheads="1"/>
+          </p:cNvPicPr>
+          <p:nvPr/>
+        </p:nvPicPr>
+        <p:blipFill rotWithShape="1">
+          <a:blip r:embed="rId4">
+            <a:extLst>
+              <a:ext uri="{28A0092B-C50C-407E-A947-70E740481C1C}">
+                <a14:useLocalDpi xmlns:a14="http://schemas.microsoft.com/office/drawing/2010/main" val="0"/>
+              </a:ext>
+            </a:extLst>
+          </a:blip>
+          <a:srcRect l="19185"/>
+          <a:stretch/>
+        </p:blipFill>
+        <p:spPr bwMode="auto">
+          <a:xfrm rot="42386591">
+            <a:off x="591240" y="3998634"/>
+            <a:ext cx="1022446" cy="1265171"/>
+          </a:xfrm>
+          <a:prstGeom prst="rect">
+            <a:avLst/>
+          </a:prstGeom>
+          <a:ln>
+            <a:noFill/>
+          </a:ln>
+          <a:effectLst>
+            <a:outerShdw blurRad="190500" algn="tl" rotWithShape="0">
+              <a:srgbClr val="000000">
+                <a:alpha val="70000"/>
+              </a:srgbClr>
+            </a:outerShdw>
+          </a:effectLst>
+          <a:extLst>
+            <a:ext uri="{909E8E84-426E-40DD-AFC4-6F175D3DCCD1}">
+              <a14:hiddenFill xmlns:a14="http://schemas.microsoft.com/office/drawing/2010/main">
+                <a:solidFill>
+                  <a:schemeClr val="accent1"/>
+                </a:solidFill>
+              </a14:hiddenFill>
+            </a:ext>
+            <a:ext uri="{91240B29-F687-4F45-9708-019B960494DF}">
+              <a14:hiddenLine xmlns:a14="http://schemas.microsoft.com/office/drawing/2010/main" w="9525">
+                <a:solidFill>
+                  <a:schemeClr val="tx1"/>
+                </a:solidFill>
+                <a:miter lim="800000"/>
+                <a:headEnd/>
+                <a:tailEnd/>
+              </a14:hiddenLine>
+            </a:ext>
+          </a:extLst>
+        </p:spPr>
+      </p:pic>
+      <p:sp>
+        <p:nvSpPr>
+          <p:cNvPr id="17" name="Rectangle 16"/>
+          <p:cNvSpPr/>
+          <p:nvPr/>
+        </p:nvSpPr>
+        <p:spPr>
+          <a:xfrm rot="1065321">
+            <a:off x="6604123" y="4423182"/>
+            <a:ext cx="1370671" cy="751742"/>
+          </a:xfrm>
+          <a:prstGeom prst="rect">
+            <a:avLst/>
+          </a:prstGeom>
+        </p:spPr>
+        <p:style>
+          <a:lnRef idx="2">
+            <a:schemeClr val="accent1">
+              <a:shade val="50000"/>
+            </a:schemeClr>
+          </a:lnRef>
+          <a:fillRef idx="1">
+            <a:schemeClr val="accent1"/>
+          </a:fillRef>
+          <a:effectRef idx="0">
+            <a:schemeClr val="accent1"/>
+          </a:effectRef>
+          <a:fontRef idx="minor">
+            <a:schemeClr val="lt1"/>
+          </a:fontRef>
+        </p:style>
+        <p:txBody>
+          <a:bodyPr rtlCol="0" anchor="ctr"/>
+          <a:lstStyle/>
+          <a:p>
+            <a:pPr algn="ctr"/>
+            <a:r>
+              <a:rPr lang="en-US" sz="1350" dirty="0"/>
+              <a:t>14</a:t>
+            </a:r>
+          </a:p>
+        </p:txBody>
+      </p:sp>
+    </p:spTree>
+    <p:extLst>
+      <p:ext uri="{BB962C8B-B14F-4D97-AF65-F5344CB8AC3E}">
+        <p14:creationId xmlns:p14="http://schemas.microsoft.com/office/powerpoint/2010/main" val="3485521178"/>
+      </p:ext>
+    </p:extLst>
+  </p:cSld>
+  <p:clrMapOvr>
+    <a:masterClrMapping/>
+  </p:clrMapOvr>
+</p:sld>
+</file>
+
+<file path=ppt/slides/slide21.xml><?xml version="1.0" encoding="utf-8"?>
+<p:sld xmlns:a="http://schemas.openxmlformats.org/drawingml/2006/main" xmlns:r="http://schemas.openxmlformats.org/officeDocument/2006/relationships" xmlns:p="http://schemas.openxmlformats.org/presentationml/2006/main">
+  <p:cSld>
+    <p:spTree>
+      <p:nvGrpSpPr>
+        <p:cNvPr id="1" name=""/>
+        <p:cNvGrpSpPr/>
+        <p:nvPr/>
+      </p:nvGrpSpPr>
+      <p:grpSpPr>
+        <a:xfrm>
+          <a:off x="0" y="0"/>
+          <a:ext cx="0" cy="0"/>
+          <a:chOff x="0" y="0"/>
+          <a:chExt cx="0" cy="0"/>
+        </a:xfrm>
+      </p:grpSpPr>
+      <p:sp>
+        <p:nvSpPr>
+          <p:cNvPr id="4" name="Rectangle 3"/>
+          <p:cNvSpPr/>
+          <p:nvPr/>
+        </p:nvSpPr>
+        <p:spPr>
+          <a:xfrm>
+            <a:off x="457200" y="685800"/>
+            <a:ext cx="910004" cy="751742"/>
+          </a:xfrm>
+          <a:prstGeom prst="rect">
+            <a:avLst/>
+          </a:prstGeom>
+        </p:spPr>
+        <p:style>
+          <a:lnRef idx="2">
+            <a:schemeClr val="accent1">
+              <a:shade val="50000"/>
+            </a:schemeClr>
+          </a:lnRef>
+          <a:fillRef idx="1">
+            <a:schemeClr val="accent1"/>
+          </a:fillRef>
+          <a:effectRef idx="0">
+            <a:schemeClr val="accent1"/>
+          </a:effectRef>
+          <a:fontRef idx="minor">
+            <a:schemeClr val="lt1"/>
+          </a:fontRef>
+        </p:style>
+        <p:txBody>
+          <a:bodyPr rtlCol="0" anchor="ctr"/>
+          <a:lstStyle/>
+          <a:p>
+            <a:pPr algn="ctr"/>
+            <a:r>
+              <a:rPr lang="en-US" sz="1350" dirty="0"/>
+              <a:t>1</a:t>
+            </a:r>
+          </a:p>
+        </p:txBody>
+      </p:sp>
+      <p:sp>
+        <p:nvSpPr>
+          <p:cNvPr id="5" name="Rectangle 4"/>
+          <p:cNvSpPr/>
+          <p:nvPr/>
+        </p:nvSpPr>
+        <p:spPr>
+          <a:xfrm rot="1065321">
+            <a:off x="3601325" y="876891"/>
+            <a:ext cx="1370671" cy="751742"/>
+          </a:xfrm>
+          <a:prstGeom prst="rect">
+            <a:avLst/>
+          </a:prstGeom>
+        </p:spPr>
+        <p:style>
+          <a:lnRef idx="2">
+            <a:schemeClr val="accent1">
+              <a:shade val="50000"/>
+            </a:schemeClr>
+          </a:lnRef>
+          <a:fillRef idx="1">
+            <a:schemeClr val="accent1"/>
+          </a:fillRef>
+          <a:effectRef idx="0">
+            <a:schemeClr val="accent1"/>
+          </a:effectRef>
+          <a:fontRef idx="minor">
+            <a:schemeClr val="lt1"/>
+          </a:fontRef>
+        </p:style>
+        <p:txBody>
+          <a:bodyPr rtlCol="0" anchor="ctr"/>
+          <a:lstStyle/>
+          <a:p>
+            <a:pPr algn="ctr"/>
+            <a:r>
+              <a:rPr lang="en-US" sz="1350" dirty="0"/>
+              <a:t>2</a:t>
+            </a:r>
+          </a:p>
+        </p:txBody>
+      </p:sp>
+      <p:sp>
+        <p:nvSpPr>
+          <p:cNvPr id="6" name="Oval 5"/>
+          <p:cNvSpPr/>
+          <p:nvPr/>
+        </p:nvSpPr>
+        <p:spPr>
+          <a:xfrm>
+            <a:off x="7206118" y="685800"/>
+            <a:ext cx="850655" cy="797902"/>
+          </a:xfrm>
+          <a:prstGeom prst="ellipse">
+            <a:avLst/>
+          </a:prstGeom>
+        </p:spPr>
+        <p:style>
+          <a:lnRef idx="2">
+            <a:schemeClr val="accent1">
+              <a:shade val="50000"/>
+            </a:schemeClr>
+          </a:lnRef>
+          <a:fillRef idx="1">
+            <a:schemeClr val="accent1"/>
+          </a:fillRef>
+          <a:effectRef idx="0">
+            <a:schemeClr val="accent1"/>
+          </a:effectRef>
+          <a:fontRef idx="minor">
+            <a:schemeClr val="lt1"/>
+          </a:fontRef>
+        </p:style>
+        <p:txBody>
+          <a:bodyPr rtlCol="0" anchor="ctr"/>
+          <a:lstStyle/>
+          <a:p>
+            <a:pPr algn="ctr"/>
+            <a:r>
+              <a:rPr lang="en-US" sz="1350" dirty="0"/>
+              <a:t>3</a:t>
+            </a:r>
+          </a:p>
+        </p:txBody>
+      </p:sp>
+      <p:sp>
+        <p:nvSpPr>
+          <p:cNvPr id="7" name="Rounded Rectangle 6"/>
+          <p:cNvSpPr/>
+          <p:nvPr/>
+        </p:nvSpPr>
+        <p:spPr>
+          <a:xfrm>
+            <a:off x="457199" y="1588599"/>
+            <a:ext cx="533400" cy="402248"/>
+          </a:xfrm>
+          <a:prstGeom prst="roundRect">
+            <a:avLst/>
+          </a:prstGeom>
+        </p:spPr>
+        <p:style>
+          <a:lnRef idx="2">
+            <a:schemeClr val="accent1">
+              <a:shade val="50000"/>
+            </a:schemeClr>
+          </a:lnRef>
+          <a:fillRef idx="1">
+            <a:schemeClr val="accent1"/>
+          </a:fillRef>
+          <a:effectRef idx="0">
+            <a:schemeClr val="accent1"/>
+          </a:effectRef>
+          <a:fontRef idx="minor">
+            <a:schemeClr val="lt1"/>
+          </a:fontRef>
+        </p:style>
+        <p:txBody>
+          <a:bodyPr rtlCol="0" anchor="ctr"/>
+          <a:lstStyle/>
+          <a:p>
+            <a:pPr algn="ctr"/>
+            <a:r>
+              <a:rPr lang="en-US" sz="1350" dirty="0"/>
+              <a:t>4</a:t>
+            </a:r>
+          </a:p>
+        </p:txBody>
+      </p:sp>
+      <p:sp>
+        <p:nvSpPr>
+          <p:cNvPr id="8" name="Rectangle 7"/>
+          <p:cNvSpPr/>
+          <p:nvPr/>
+        </p:nvSpPr>
+        <p:spPr>
+          <a:xfrm rot="16200000">
+            <a:off x="3375763" y="1413852"/>
+            <a:ext cx="910004" cy="751742"/>
+          </a:xfrm>
+          <a:prstGeom prst="rect">
+            <a:avLst/>
+          </a:prstGeom>
+        </p:spPr>
+        <p:style>
+          <a:lnRef idx="2">
+            <a:schemeClr val="accent1">
+              <a:shade val="50000"/>
+            </a:schemeClr>
+          </a:lnRef>
+          <a:fillRef idx="1">
+            <a:schemeClr val="accent1"/>
+          </a:fillRef>
+          <a:effectRef idx="0">
+            <a:schemeClr val="accent1"/>
+          </a:effectRef>
+          <a:fontRef idx="minor">
+            <a:schemeClr val="lt1"/>
+          </a:fontRef>
+        </p:style>
+        <p:txBody>
+          <a:bodyPr rtlCol="0" anchor="ctr"/>
+          <a:lstStyle/>
+          <a:p>
+            <a:pPr algn="ctr"/>
+            <a:r>
+              <a:rPr lang="en-US" sz="1350" dirty="0"/>
+              <a:t>5</a:t>
+            </a:r>
+          </a:p>
+        </p:txBody>
+      </p:sp>
+      <p:sp>
+        <p:nvSpPr>
+          <p:cNvPr id="9" name="Rectangle 8"/>
+          <p:cNvSpPr/>
+          <p:nvPr/>
+        </p:nvSpPr>
+        <p:spPr>
+          <a:xfrm>
+            <a:off x="6670930" y="1413852"/>
+            <a:ext cx="1385845" cy="751742"/>
+          </a:xfrm>
+          <a:prstGeom prst="rect">
+            <a:avLst/>
+          </a:prstGeom>
+        </p:spPr>
+        <p:style>
+          <a:lnRef idx="2">
+            <a:schemeClr val="accent1">
+              <a:shade val="50000"/>
+            </a:schemeClr>
+          </a:lnRef>
+          <a:fillRef idx="1">
+            <a:schemeClr val="accent1"/>
+          </a:fillRef>
+          <a:effectRef idx="0">
+            <a:schemeClr val="accent1"/>
+          </a:effectRef>
+          <a:fontRef idx="minor">
+            <a:schemeClr val="lt1"/>
+          </a:fontRef>
+        </p:style>
+        <p:txBody>
+          <a:bodyPr rtlCol="0" anchor="ctr"/>
+          <a:lstStyle/>
+          <a:p>
+            <a:pPr algn="ctr"/>
+            <a:r>
+              <a:rPr lang="en-US" sz="1350" dirty="0"/>
+              <a:t>6</a:t>
+            </a:r>
+          </a:p>
+        </p:txBody>
+      </p:sp>
+      <p:sp>
+        <p:nvSpPr>
+          <p:cNvPr id="10" name="Oval 9"/>
+          <p:cNvSpPr/>
+          <p:nvPr/>
+        </p:nvSpPr>
+        <p:spPr>
+          <a:xfrm rot="2252568">
+            <a:off x="373569" y="1873816"/>
+            <a:ext cx="1325648" cy="797902"/>
+          </a:xfrm>
+          <a:prstGeom prst="ellipse">
+            <a:avLst/>
+          </a:prstGeom>
+        </p:spPr>
+        <p:style>
+          <a:lnRef idx="2">
+            <a:schemeClr val="accent1">
+              <a:shade val="50000"/>
+            </a:schemeClr>
+          </a:lnRef>
+          <a:fillRef idx="1">
+            <a:schemeClr val="accent1"/>
+          </a:fillRef>
+          <a:effectRef idx="0">
+            <a:schemeClr val="accent1"/>
+          </a:effectRef>
+          <a:fontRef idx="minor">
+            <a:schemeClr val="lt1"/>
+          </a:fontRef>
+        </p:style>
+        <p:txBody>
+          <a:bodyPr rtlCol="0" anchor="ctr"/>
+          <a:lstStyle/>
+          <a:p>
+            <a:pPr algn="ctr"/>
+            <a:r>
+              <a:rPr lang="en-US" sz="1350" dirty="0"/>
+              <a:t>7</a:t>
+            </a:r>
+          </a:p>
+        </p:txBody>
+      </p:sp>
+      <p:sp>
+        <p:nvSpPr>
+          <p:cNvPr id="11" name="Rounded Rectangle 10"/>
+          <p:cNvSpPr/>
+          <p:nvPr/>
+        </p:nvSpPr>
+        <p:spPr>
+          <a:xfrm rot="19308688">
+            <a:off x="6870139" y="2071643"/>
+            <a:ext cx="1219932" cy="402248"/>
+          </a:xfrm>
+          <a:prstGeom prst="roundRect">
+            <a:avLst/>
+          </a:prstGeom>
+        </p:spPr>
+        <p:style>
+          <a:lnRef idx="2">
+            <a:schemeClr val="accent1">
+              <a:shade val="50000"/>
+            </a:schemeClr>
+          </a:lnRef>
+          <a:fillRef idx="1">
+            <a:schemeClr val="accent1"/>
+          </a:fillRef>
+          <a:effectRef idx="0">
+            <a:schemeClr val="accent1"/>
+          </a:effectRef>
+          <a:fontRef idx="minor">
+            <a:schemeClr val="lt1"/>
+          </a:fontRef>
+        </p:style>
+        <p:txBody>
+          <a:bodyPr rtlCol="0" anchor="ctr"/>
+          <a:lstStyle/>
+          <a:p>
+            <a:pPr algn="ctr"/>
+            <a:r>
+              <a:rPr lang="en-US" sz="1350" dirty="0"/>
+              <a:t>8</a:t>
+            </a:r>
+          </a:p>
+        </p:txBody>
+      </p:sp>
+      <p:sp>
+        <p:nvSpPr>
+          <p:cNvPr id="12" name="Rectangle 11"/>
+          <p:cNvSpPr/>
+          <p:nvPr/>
+        </p:nvSpPr>
+        <p:spPr>
+          <a:xfrm>
+            <a:off x="457200" y="2300809"/>
+            <a:ext cx="1513948" cy="751742"/>
+          </a:xfrm>
+          <a:prstGeom prst="rect">
+            <a:avLst/>
+          </a:prstGeom>
+        </p:spPr>
+        <p:style>
+          <a:lnRef idx="2">
+            <a:schemeClr val="accent1">
+              <a:shade val="50000"/>
+            </a:schemeClr>
+          </a:lnRef>
+          <a:fillRef idx="1">
+            <a:schemeClr val="accent1"/>
+          </a:fillRef>
+          <a:effectRef idx="0">
+            <a:schemeClr val="accent1"/>
+          </a:effectRef>
+          <a:fontRef idx="minor">
+            <a:schemeClr val="lt1"/>
+          </a:fontRef>
+        </p:style>
+        <p:txBody>
+          <a:bodyPr rtlCol="0" anchor="ctr"/>
+          <a:lstStyle/>
+          <a:p>
+            <a:pPr algn="ctr"/>
+            <a:r>
+              <a:rPr lang="en-US" sz="1350" dirty="0"/>
+              <a:t>9</a:t>
+            </a:r>
+          </a:p>
+        </p:txBody>
+      </p:sp>
+      <p:sp>
+        <p:nvSpPr>
+          <p:cNvPr id="13" name="Rectangle 12"/>
+          <p:cNvSpPr/>
+          <p:nvPr/>
+        </p:nvSpPr>
+        <p:spPr>
+          <a:xfrm>
+            <a:off x="7146770" y="2300809"/>
+            <a:ext cx="910004" cy="751742"/>
+          </a:xfrm>
+          <a:prstGeom prst="rect">
+            <a:avLst/>
+          </a:prstGeom>
+        </p:spPr>
+        <p:style>
+          <a:lnRef idx="2">
+            <a:schemeClr val="accent1">
+              <a:shade val="50000"/>
+            </a:schemeClr>
+          </a:lnRef>
+          <a:fillRef idx="1">
+            <a:schemeClr val="accent1"/>
+          </a:fillRef>
+          <a:effectRef idx="0">
+            <a:schemeClr val="accent1"/>
+          </a:effectRef>
+          <a:fontRef idx="minor">
+            <a:schemeClr val="lt1"/>
+          </a:fontRef>
+        </p:style>
+        <p:txBody>
+          <a:bodyPr rtlCol="0" anchor="ctr"/>
+          <a:lstStyle/>
+          <a:p>
+            <a:pPr algn="ctr"/>
+            <a:r>
+              <a:rPr lang="en-US" sz="1350" dirty="0"/>
+              <a:t>10</a:t>
+            </a:r>
+          </a:p>
+        </p:txBody>
+      </p:sp>
+      <p:pic>
+        <p:nvPicPr>
+          <p:cNvPr id="14" name="Picture 11"/>
+          <p:cNvPicPr>
+            <a:picLocks noChangeAspect="1" noChangeArrowheads="1"/>
+          </p:cNvPicPr>
+          <p:nvPr/>
+        </p:nvPicPr>
+        <p:blipFill rotWithShape="1">
+          <a:blip r:embed="rId2">
+            <a:extLst>
+              <a:ext uri="{28A0092B-C50C-407E-A947-70E740481C1C}">
+                <a14:useLocalDpi xmlns:a14="http://schemas.microsoft.com/office/drawing/2010/main" val="0"/>
+              </a:ext>
+            </a:extLst>
+          </a:blip>
+          <a:srcRect l="17869" r="10975"/>
+          <a:stretch/>
+        </p:blipFill>
+        <p:spPr bwMode="auto">
+          <a:xfrm rot="1756192">
+            <a:off x="638643" y="2969662"/>
+            <a:ext cx="1024143" cy="1009650"/>
+          </a:xfrm>
+          <a:prstGeom prst="rect">
+            <a:avLst/>
+          </a:prstGeom>
+          <a:ln>
+            <a:noFill/>
+          </a:ln>
+          <a:effectLst>
+            <a:outerShdw blurRad="190500" algn="tl" rotWithShape="0">
+              <a:srgbClr val="000000">
+                <a:alpha val="70000"/>
+              </a:srgbClr>
+            </a:outerShdw>
+          </a:effectLst>
+          <a:extLst>
+            <a:ext uri="{909E8E84-426E-40DD-AFC4-6F175D3DCCD1}">
+              <a14:hiddenFill xmlns:a14="http://schemas.microsoft.com/office/drawing/2010/main">
+                <a:solidFill>
+                  <a:schemeClr val="accent1"/>
+                </a:solidFill>
+              </a14:hiddenFill>
+            </a:ext>
+            <a:ext uri="{91240B29-F687-4F45-9708-019B960494DF}">
+              <a14:hiddenLine xmlns:a14="http://schemas.microsoft.com/office/drawing/2010/main" w="9525">
+                <a:solidFill>
+                  <a:schemeClr val="tx1"/>
+                </a:solidFill>
+                <a:miter lim="800000"/>
+                <a:headEnd/>
+                <a:tailEnd/>
+              </a14:hiddenLine>
+            </a:ext>
+          </a:extLst>
+        </p:spPr>
+      </p:pic>
+      <p:pic>
+        <p:nvPicPr>
+          <p:cNvPr id="15" name="Picture 12"/>
+          <p:cNvPicPr>
+            <a:picLocks noChangeAspect="1" noChangeArrowheads="1"/>
+          </p:cNvPicPr>
+          <p:nvPr/>
+        </p:nvPicPr>
+        <p:blipFill rotWithShape="1">
+          <a:blip r:embed="rId3">
+            <a:extLst>
+              <a:ext uri="{28A0092B-C50C-407E-A947-70E740481C1C}">
+                <a14:useLocalDpi xmlns:a14="http://schemas.microsoft.com/office/drawing/2010/main" val="0"/>
+              </a:ext>
+            </a:extLst>
+          </a:blip>
+          <a:srcRect l="14680" r="13179"/>
+          <a:stretch/>
+        </p:blipFill>
+        <p:spPr bwMode="auto">
+          <a:xfrm rot="18564554">
+            <a:off x="6491057" y="2855362"/>
+            <a:ext cx="1330222" cy="1238250"/>
+          </a:xfrm>
+          <a:prstGeom prst="rect">
+            <a:avLst/>
+          </a:prstGeom>
+          <a:ln>
+            <a:noFill/>
+          </a:ln>
+          <a:effectLst>
+            <a:outerShdw blurRad="190500" algn="tl" rotWithShape="0">
+              <a:srgbClr val="000000">
+                <a:alpha val="70000"/>
+              </a:srgbClr>
+            </a:outerShdw>
+          </a:effectLst>
+          <a:extLst>
+            <a:ext uri="{909E8E84-426E-40DD-AFC4-6F175D3DCCD1}">
+              <a14:hiddenFill xmlns:a14="http://schemas.microsoft.com/office/drawing/2010/main">
+                <a:solidFill>
+                  <a:schemeClr val="accent1"/>
+                </a:solidFill>
+              </a14:hiddenFill>
+            </a:ext>
+            <a:ext uri="{91240B29-F687-4F45-9708-019B960494DF}">
+              <a14:hiddenLine xmlns:a14="http://schemas.microsoft.com/office/drawing/2010/main" w="9525">
+                <a:solidFill>
+                  <a:schemeClr val="tx1"/>
+                </a:solidFill>
+                <a:miter lim="800000"/>
+                <a:headEnd/>
+                <a:tailEnd/>
+              </a14:hiddenLine>
+            </a:ext>
+          </a:extLst>
+        </p:spPr>
+      </p:pic>
+      <p:pic>
+        <p:nvPicPr>
+          <p:cNvPr id="16" name="Picture 3"/>
+          <p:cNvPicPr>
+            <a:picLocks noChangeAspect="1" noChangeArrowheads="1"/>
+          </p:cNvPicPr>
+          <p:nvPr/>
+        </p:nvPicPr>
+        <p:blipFill rotWithShape="1">
+          <a:blip r:embed="rId4">
+            <a:extLst>
+              <a:ext uri="{28A0092B-C50C-407E-A947-70E740481C1C}">
+                <a14:useLocalDpi xmlns:a14="http://schemas.microsoft.com/office/drawing/2010/main" val="0"/>
+              </a:ext>
+            </a:extLst>
+          </a:blip>
+          <a:srcRect l="19185"/>
+          <a:stretch/>
+        </p:blipFill>
+        <p:spPr bwMode="auto">
+          <a:xfrm rot="42386591">
+            <a:off x="591240" y="3998634"/>
+            <a:ext cx="1022446" cy="1265171"/>
+          </a:xfrm>
+          <a:prstGeom prst="rect">
+            <a:avLst/>
+          </a:prstGeom>
+          <a:ln>
+            <a:noFill/>
+          </a:ln>
+          <a:effectLst>
+            <a:outerShdw blurRad="190500" algn="tl" rotWithShape="0">
+              <a:srgbClr val="000000">
+                <a:alpha val="70000"/>
+              </a:srgbClr>
+            </a:outerShdw>
+          </a:effectLst>
+          <a:extLst>
+            <a:ext uri="{909E8E84-426E-40DD-AFC4-6F175D3DCCD1}">
+              <a14:hiddenFill xmlns:a14="http://schemas.microsoft.com/office/drawing/2010/main">
+                <a:solidFill>
+                  <a:schemeClr val="accent1"/>
+                </a:solidFill>
+              </a14:hiddenFill>
+            </a:ext>
+            <a:ext uri="{91240B29-F687-4F45-9708-019B960494DF}">
+              <a14:hiddenLine xmlns:a14="http://schemas.microsoft.com/office/drawing/2010/main" w="9525">
+                <a:solidFill>
+                  <a:schemeClr val="tx1"/>
+                </a:solidFill>
+                <a:miter lim="800000"/>
+                <a:headEnd/>
+                <a:tailEnd/>
+              </a14:hiddenLine>
+            </a:ext>
+          </a:extLst>
+        </p:spPr>
+      </p:pic>
+      <p:sp>
+        <p:nvSpPr>
+          <p:cNvPr id="17" name="Rectangle 16"/>
+          <p:cNvSpPr/>
+          <p:nvPr/>
+        </p:nvSpPr>
+        <p:spPr>
+          <a:xfrm rot="1065321">
+            <a:off x="6604123" y="4423182"/>
+            <a:ext cx="1370671" cy="751742"/>
+          </a:xfrm>
+          <a:prstGeom prst="rect">
+            <a:avLst/>
+          </a:prstGeom>
+        </p:spPr>
+        <p:style>
+          <a:lnRef idx="2">
+            <a:schemeClr val="accent1">
+              <a:shade val="50000"/>
+            </a:schemeClr>
+          </a:lnRef>
+          <a:fillRef idx="1">
+            <a:schemeClr val="accent1"/>
+          </a:fillRef>
+          <a:effectRef idx="0">
+            <a:schemeClr val="accent1"/>
+          </a:effectRef>
+          <a:fontRef idx="minor">
+            <a:schemeClr val="lt1"/>
+          </a:fontRef>
+        </p:style>
+        <p:txBody>
+          <a:bodyPr rtlCol="0" anchor="ctr"/>
+          <a:lstStyle/>
+          <a:p>
+            <a:pPr algn="ctr"/>
+            <a:r>
+              <a:rPr lang="en-US" sz="1350" dirty="0"/>
+              <a:t>14</a:t>
+            </a:r>
+          </a:p>
+        </p:txBody>
+      </p:sp>
+    </p:spTree>
+    <p:extLst>
+      <p:ext uri="{BB962C8B-B14F-4D97-AF65-F5344CB8AC3E}">
+        <p14:creationId xmlns:p14="http://schemas.microsoft.com/office/powerpoint/2010/main" val="594615615"/>
+      </p:ext>
+    </p:extLst>
+  </p:cSld>
+  <p:clrMapOvr>
+    <a:masterClrMapping/>
+  </p:clrMapOvr>
+</p:sld>
+</file>
+
+<file path=ppt/slides/slide22.xml><?xml version="1.0" encoding="utf-8"?>
+<p:sld xmlns:a="http://schemas.openxmlformats.org/drawingml/2006/main" xmlns:r="http://schemas.openxmlformats.org/officeDocument/2006/relationships" xmlns:p="http://schemas.openxmlformats.org/presentationml/2006/main" show="0">
+  <p:cSld name="PPAck201403240026082737">
+    <p:spTree>
+      <p:nvGrpSpPr>
+        <p:cNvPr id="1" name=""/>
+        <p:cNvGrpSpPr/>
+        <p:nvPr/>
+      </p:nvGrpSpPr>
+      <p:grpSpPr>
+        <a:xfrm>
+          <a:off x="0" y="0"/>
+          <a:ext cx="0" cy="0"/>
+          <a:chOff x="0" y="0"/>
+          <a:chExt cx="0" cy="0"/>
+        </a:xfrm>
+      </p:grpSpPr>
+      <p:sp>
+        <p:nvSpPr>
+          <p:cNvPr id="2" name="标题 1"/>
+          <p:cNvSpPr>
+            <a:spLocks noGrp="1"/>
+          </p:cNvSpPr>
+          <p:nvPr>
+            <p:ph type="title"/>
+          </p:nvPr>
+        </p:nvSpPr>
+        <p:spPr/>
+        <p:txBody>
+          <a:bodyPr/>
+          <a:lstStyle/>
+          <a:p>
+            <a:endParaRPr lang="en-SG"/>
+          </a:p>
+        </p:txBody>
+      </p:sp>
+      <p:pic>
+        <p:nvPicPr>
+          <p:cNvPr id="4" name="内容占位符 3"/>
+          <p:cNvPicPr>
+            <a:picLocks noGrp="1"/>
+          </p:cNvPicPr>
+          <p:nvPr>
+            <p:ph idx="1"/>
+          </p:nvPr>
+        </p:nvPicPr>
+        <p:blipFill>
+          <a:blip r:embed="rId2">
+            <a:extLst>
+              <a:ext uri="{28A0092B-C50C-407E-A947-70E740481C1C}">
+                <a14:useLocalDpi xmlns:a14="http://schemas.microsoft.com/office/drawing/2010/main" val="0"/>
+              </a:ext>
+            </a:extLst>
+          </a:blip>
+          <a:stretch>
+            <a:fillRect/>
+          </a:stretch>
+        </p:blipFill>
+        <p:spPr>
+          <a:xfrm>
+            <a:off x="1074665" y="1600200"/>
+            <a:ext cx="6994670" cy="4525963"/>
+          </a:xfrm>
+        </p:spPr>
+      </p:pic>
+    </p:spTree>
+    <p:extLst>
+      <p:ext uri="{BB962C8B-B14F-4D97-AF65-F5344CB8AC3E}">
+        <p14:creationId xmlns:p14="http://schemas.microsoft.com/office/powerpoint/2010/main" val="2306293579"/>
+      </p:ext>
+    </p:extLst>
+  </p:cSld>
+  <p:clrMapOvr>
+    <a:masterClrMapping/>
+  </p:clrMapOvr>
+</p:sld>
+</file>
+
 <file path=ppt/slides/slide3.xml><?xml version="1.0" encoding="utf-8"?>
 <p:sld xmlns:a="http://schemas.openxmlformats.org/drawingml/2006/main" xmlns:r="http://schemas.openxmlformats.org/officeDocument/2006/relationships" xmlns:p="http://schemas.openxmlformats.org/presentationml/2006/main">
   <p:cSld>
@@ -9562,7 +15913,7 @@
         </p:nvSpPr>
         <p:spPr>
           <a:xfrm>
-            <a:off x="421103" y="1396316"/>
+            <a:off x="457200" y="685800"/>
             <a:ext cx="910004" cy="751742"/>
           </a:xfrm>
           <a:prstGeom prst="rect">
@@ -9604,9 +15955,9 @@
           <p:nvPr/>
         </p:nvSpPr>
         <p:spPr>
-          <a:xfrm>
-            <a:off x="3051467" y="1772187"/>
-            <a:ext cx="910004" cy="751742"/>
+          <a:xfrm rot="1065321">
+            <a:off x="2626897" y="1061671"/>
+            <a:ext cx="1370671" cy="751742"/>
           </a:xfrm>
           <a:prstGeom prst="rect">
             <a:avLst/>
@@ -9648,7 +15999,7 @@
         </p:nvSpPr>
         <p:spPr>
           <a:xfrm>
-            <a:off x="4842525" y="1580456"/>
+            <a:off x="4878622" y="869940"/>
             <a:ext cx="850655" cy="797902"/>
           </a:xfrm>
           <a:prstGeom prst="ellipse">
@@ -9691,8 +16042,8 @@
         </p:nvSpPr>
         <p:spPr>
           <a:xfrm>
-            <a:off x="6096000" y="2971800"/>
-            <a:ext cx="1219932" cy="402248"/>
+            <a:off x="6132097" y="2261284"/>
+            <a:ext cx="533400" cy="402248"/>
           </a:xfrm>
           <a:prstGeom prst="roundRect">
             <a:avLst/>
@@ -9733,8 +16084,8 @@
           <p:nvPr/>
         </p:nvSpPr>
         <p:spPr>
-          <a:xfrm>
-            <a:off x="7472889" y="1979407"/>
+          <a:xfrm rot="16200000">
+            <a:off x="6680961" y="1079347"/>
             <a:ext cx="910004" cy="751742"/>
           </a:xfrm>
           <a:prstGeom prst="rect">
@@ -9777,8 +16128,8 @@
         </p:nvSpPr>
         <p:spPr>
           <a:xfrm>
-            <a:off x="1060744" y="3076797"/>
-            <a:ext cx="910004" cy="751742"/>
+            <a:off x="798097" y="2020633"/>
+            <a:ext cx="1385845" cy="751742"/>
           </a:xfrm>
           <a:prstGeom prst="rect">
             <a:avLst/>
@@ -9819,9 +16170,9 @@
           <p:nvPr/>
         </p:nvSpPr>
         <p:spPr>
-          <a:xfrm>
-            <a:off x="2830927" y="2731149"/>
-            <a:ext cx="850655" cy="797902"/>
+          <a:xfrm rot="2252568">
+            <a:off x="2832504" y="2430638"/>
+            <a:ext cx="1325648" cy="797902"/>
           </a:xfrm>
           <a:prstGeom prst="ellipse">
             <a:avLst/>
@@ -9862,8 +16213,8 @@
           <p:nvPr/>
         </p:nvSpPr>
         <p:spPr>
-          <a:xfrm>
-            <a:off x="4047920" y="3261527"/>
+          <a:xfrm rot="19308688">
+            <a:off x="4462203" y="2165157"/>
             <a:ext cx="1219932" cy="402248"/>
           </a:xfrm>
           <a:prstGeom prst="roundRect">
@@ -9906,8 +16257,8 @@
         </p:nvSpPr>
         <p:spPr>
           <a:xfrm>
-            <a:off x="5267852" y="3881346"/>
-            <a:ext cx="910004" cy="751742"/>
+            <a:off x="5765171" y="3117594"/>
+            <a:ext cx="1513948" cy="751742"/>
           </a:xfrm>
           <a:prstGeom prst="rect">
             <a:avLst/>
@@ -9949,7 +16300,7 @@
         </p:nvSpPr>
         <p:spPr>
           <a:xfrm>
-            <a:off x="7481689" y="3972763"/>
+            <a:off x="7517786" y="3262247"/>
             <a:ext cx="910004" cy="751742"/>
           </a:xfrm>
           <a:prstGeom prst="rect">
@@ -9980,6 +16331,223 @@
             <a:r>
               <a:rPr lang="en-US" sz="1350" dirty="0"/>
               <a:t>10</a:t>
+            </a:r>
+          </a:p>
+        </p:txBody>
+      </p:sp>
+      <p:pic>
+        <p:nvPicPr>
+          <p:cNvPr id="14" name="Picture 11"/>
+          <p:cNvPicPr>
+            <a:picLocks noChangeAspect="1" noChangeArrowheads="1"/>
+          </p:cNvPicPr>
+          <p:nvPr/>
+        </p:nvPicPr>
+        <p:blipFill rotWithShape="1">
+          <a:blip r:embed="rId2">
+            <a:extLst>
+              <a:ext uri="{28A0092B-C50C-407E-A947-70E740481C1C}">
+                <a14:useLocalDpi xmlns:a14="http://schemas.microsoft.com/office/drawing/2010/main" val="0"/>
+              </a:ext>
+            </a:extLst>
+          </a:blip>
+          <a:srcRect l="17869" r="10975"/>
+          <a:stretch/>
+        </p:blipFill>
+        <p:spPr bwMode="auto">
+          <a:xfrm rot="1756192">
+            <a:off x="3318777" y="4106614"/>
+            <a:ext cx="1024143" cy="1009650"/>
+          </a:xfrm>
+          <a:prstGeom prst="rect">
+            <a:avLst/>
+          </a:prstGeom>
+          <a:ln>
+            <a:noFill/>
+          </a:ln>
+          <a:effectLst>
+            <a:outerShdw blurRad="190500" algn="tl" rotWithShape="0">
+              <a:srgbClr val="000000">
+                <a:alpha val="70000"/>
+              </a:srgbClr>
+            </a:outerShdw>
+          </a:effectLst>
+          <a:extLst>
+            <a:ext uri="{909E8E84-426E-40DD-AFC4-6F175D3DCCD1}">
+              <a14:hiddenFill xmlns:a14="http://schemas.microsoft.com/office/drawing/2010/main">
+                <a:solidFill>
+                  <a:schemeClr val="accent1"/>
+                </a:solidFill>
+              </a14:hiddenFill>
+            </a:ext>
+            <a:ext uri="{91240B29-F687-4F45-9708-019B960494DF}">
+              <a14:hiddenLine xmlns:a14="http://schemas.microsoft.com/office/drawing/2010/main" w="9525">
+                <a:solidFill>
+                  <a:schemeClr val="tx1"/>
+                </a:solidFill>
+                <a:miter lim="800000"/>
+                <a:headEnd/>
+                <a:tailEnd/>
+              </a14:hiddenLine>
+            </a:ext>
+          </a:extLst>
+        </p:spPr>
+      </p:pic>
+      <p:pic>
+        <p:nvPicPr>
+          <p:cNvPr id="15" name="Picture 12"/>
+          <p:cNvPicPr>
+            <a:picLocks noChangeAspect="1" noChangeArrowheads="1"/>
+          </p:cNvPicPr>
+          <p:nvPr/>
+        </p:nvPicPr>
+        <p:blipFill rotWithShape="1">
+          <a:blip r:embed="rId3">
+            <a:extLst>
+              <a:ext uri="{28A0092B-C50C-407E-A947-70E740481C1C}">
+                <a14:useLocalDpi xmlns:a14="http://schemas.microsoft.com/office/drawing/2010/main" val="0"/>
+              </a:ext>
+            </a:extLst>
+          </a:blip>
+          <a:srcRect l="14680" r="13179"/>
+          <a:stretch/>
+        </p:blipFill>
+        <p:spPr bwMode="auto">
+          <a:xfrm rot="18564554">
+            <a:off x="922292" y="3621510"/>
+            <a:ext cx="1330222" cy="1238250"/>
+          </a:xfrm>
+          <a:prstGeom prst="rect">
+            <a:avLst/>
+          </a:prstGeom>
+          <a:ln>
+            <a:noFill/>
+          </a:ln>
+          <a:effectLst>
+            <a:outerShdw blurRad="190500" algn="tl" rotWithShape="0">
+              <a:srgbClr val="000000">
+                <a:alpha val="70000"/>
+              </a:srgbClr>
+            </a:outerShdw>
+          </a:effectLst>
+          <a:extLst>
+            <a:ext uri="{909E8E84-426E-40DD-AFC4-6F175D3DCCD1}">
+              <a14:hiddenFill xmlns:a14="http://schemas.microsoft.com/office/drawing/2010/main">
+                <a:solidFill>
+                  <a:schemeClr val="accent1"/>
+                </a:solidFill>
+              </a14:hiddenFill>
+            </a:ext>
+            <a:ext uri="{91240B29-F687-4F45-9708-019B960494DF}">
+              <a14:hiddenLine xmlns:a14="http://schemas.microsoft.com/office/drawing/2010/main" w="9525">
+                <a:solidFill>
+                  <a:schemeClr val="tx1"/>
+                </a:solidFill>
+                <a:miter lim="800000"/>
+                <a:headEnd/>
+                <a:tailEnd/>
+              </a14:hiddenLine>
+            </a:ext>
+          </a:extLst>
+        </p:spPr>
+      </p:pic>
+      <p:pic>
+        <p:nvPicPr>
+          <p:cNvPr id="16" name="Picture 3"/>
+          <p:cNvPicPr>
+            <a:picLocks noChangeAspect="1" noChangeArrowheads="1"/>
+          </p:cNvPicPr>
+          <p:nvPr/>
+        </p:nvPicPr>
+        <p:blipFill rotWithShape="1">
+          <a:blip r:embed="rId4">
+            <a:extLst>
+              <a:ext uri="{28A0092B-C50C-407E-A947-70E740481C1C}">
+                <a14:useLocalDpi xmlns:a14="http://schemas.microsoft.com/office/drawing/2010/main" val="0"/>
+              </a:ext>
+            </a:extLst>
+          </a:blip>
+          <a:srcRect l="19185"/>
+          <a:stretch/>
+        </p:blipFill>
+        <p:spPr bwMode="auto">
+          <a:xfrm rot="42386591">
+            <a:off x="5012934" y="4211057"/>
+            <a:ext cx="1022446" cy="1265171"/>
+          </a:xfrm>
+          <a:prstGeom prst="rect">
+            <a:avLst/>
+          </a:prstGeom>
+          <a:ln>
+            <a:noFill/>
+          </a:ln>
+          <a:effectLst>
+            <a:outerShdw blurRad="190500" algn="tl" rotWithShape="0">
+              <a:srgbClr val="000000">
+                <a:alpha val="70000"/>
+              </a:srgbClr>
+            </a:outerShdw>
+          </a:effectLst>
+          <a:extLst>
+            <a:ext uri="{909E8E84-426E-40DD-AFC4-6F175D3DCCD1}">
+              <a14:hiddenFill xmlns:a14="http://schemas.microsoft.com/office/drawing/2010/main">
+                <a:solidFill>
+                  <a:schemeClr val="accent1"/>
+                </a:solidFill>
+              </a14:hiddenFill>
+            </a:ext>
+            <a:ext uri="{91240B29-F687-4F45-9708-019B960494DF}">
+              <a14:hiddenLine xmlns:a14="http://schemas.microsoft.com/office/drawing/2010/main" w="9525">
+                <a:solidFill>
+                  <a:schemeClr val="tx1"/>
+                </a:solidFill>
+                <a:miter lim="800000"/>
+                <a:headEnd/>
+                <a:tailEnd/>
+              </a14:hiddenLine>
+            </a:ext>
+          </a:extLst>
+        </p:spPr>
+      </p:pic>
+      <p:sp>
+        <p:nvSpPr>
+          <p:cNvPr id="17" name="Rectangle 16"/>
+          <p:cNvSpPr/>
+          <p:nvPr/>
+        </p:nvSpPr>
+        <p:spPr>
+          <a:xfrm rot="1065321">
+            <a:off x="6604123" y="4423182"/>
+            <a:ext cx="1370671" cy="751742"/>
+          </a:xfrm>
+          <a:prstGeom prst="rect">
+            <a:avLst/>
+          </a:prstGeom>
+        </p:spPr>
+        <p:style>
+          <a:lnRef idx="2">
+            <a:schemeClr val="accent1">
+              <a:shade val="50000"/>
+            </a:schemeClr>
+          </a:lnRef>
+          <a:fillRef idx="1">
+            <a:schemeClr val="accent1"/>
+          </a:fillRef>
+          <a:effectRef idx="0">
+            <a:schemeClr val="accent1"/>
+          </a:effectRef>
+          <a:fontRef idx="minor">
+            <a:schemeClr val="lt1"/>
+          </a:fontRef>
+        </p:style>
+        <p:txBody>
+          <a:bodyPr rtlCol="0" anchor="ctr"/>
+          <a:lstStyle/>
+          <a:p>
+            <a:pPr algn="ctr"/>
+            <a:r>
+              <a:rPr lang="en-US" sz="1350" dirty="0"/>
+              <a:t>14</a:t>
             </a:r>
           </a:p>
         </p:txBody>
@@ -10031,7 +16599,7 @@
           <a:p>
             <a:r>
               <a:rPr lang="en-US" dirty="0"/>
-              <a:t>Distribute:: Grid (4 x 3) w/ Shape Center</a:t>
+              <a:t>Distribute:: Grid / First / Shape Center</a:t>
             </a:r>
             <a:endParaRPr lang="en-SG" dirty="0"/>
           </a:p>
@@ -10094,7 +16662,7 @@
         </p:nvSpPr>
         <p:spPr>
           <a:xfrm>
-            <a:off x="421103" y="1396316"/>
+            <a:off x="457200" y="685800"/>
             <a:ext cx="910004" cy="751742"/>
           </a:xfrm>
           <a:prstGeom prst="rect">
@@ -10136,9 +16704,9 @@
           <p:nvPr/>
         </p:nvSpPr>
         <p:spPr>
-          <a:xfrm>
-            <a:off x="1768035" y="1396316"/>
-            <a:ext cx="910004" cy="751742"/>
+          <a:xfrm rot="1065321">
+            <a:off x="1878155" y="685801"/>
+            <a:ext cx="1370671" cy="751742"/>
           </a:xfrm>
           <a:prstGeom prst="rect">
             <a:avLst/>
@@ -10180,7 +16748,7 @@
         </p:nvSpPr>
         <p:spPr>
           <a:xfrm>
-            <a:off x="2989678" y="1373236"/>
+            <a:off x="3725993" y="662720"/>
             <a:ext cx="850655" cy="797902"/>
           </a:xfrm>
           <a:prstGeom prst="ellipse">
@@ -10223,8 +16791,8 @@
         </p:nvSpPr>
         <p:spPr>
           <a:xfrm>
-            <a:off x="266139" y="2472885"/>
-            <a:ext cx="1219932" cy="402248"/>
+            <a:off x="5605739" y="860547"/>
+            <a:ext cx="533400" cy="402248"/>
           </a:xfrm>
           <a:prstGeom prst="roundRect">
             <a:avLst/>
@@ -10265,8 +16833,8 @@
           <p:nvPr/>
         </p:nvSpPr>
         <p:spPr>
-          <a:xfrm>
-            <a:off x="1768035" y="2298138"/>
+          <a:xfrm rot="16200000">
+            <a:off x="457200" y="1892809"/>
             <a:ext cx="910004" cy="751742"/>
           </a:xfrm>
           <a:prstGeom prst="rect">
@@ -10309,8 +16877,8 @@
         </p:nvSpPr>
         <p:spPr>
           <a:xfrm>
-            <a:off x="2960003" y="2298138"/>
-            <a:ext cx="910004" cy="751742"/>
+            <a:off x="1870569" y="1892809"/>
+            <a:ext cx="1385845" cy="751742"/>
           </a:xfrm>
           <a:prstGeom prst="rect">
             <a:avLst/>
@@ -10351,9 +16919,9 @@
           <p:nvPr/>
         </p:nvSpPr>
         <p:spPr>
-          <a:xfrm>
-            <a:off x="450777" y="3176880"/>
-            <a:ext cx="850655" cy="797902"/>
+          <a:xfrm rot="2252568">
+            <a:off x="3488496" y="1869729"/>
+            <a:ext cx="1325648" cy="797902"/>
           </a:xfrm>
           <a:prstGeom prst="ellipse">
             <a:avLst/>
@@ -10394,8 +16962,8 @@
           <p:nvPr/>
         </p:nvSpPr>
         <p:spPr>
-          <a:xfrm>
-            <a:off x="1613071" y="3374707"/>
+          <a:xfrm rot="19308688">
+            <a:off x="5262474" y="2067556"/>
             <a:ext cx="1219932" cy="402248"/>
           </a:xfrm>
           <a:prstGeom prst="roundRect">
@@ -10438,8 +17006,8 @@
         </p:nvSpPr>
         <p:spPr>
           <a:xfrm>
-            <a:off x="2960003" y="3199960"/>
-            <a:ext cx="910004" cy="751742"/>
+            <a:off x="155228" y="3439796"/>
+            <a:ext cx="1513948" cy="751742"/>
           </a:xfrm>
           <a:prstGeom prst="rect">
             <a:avLst/>
@@ -10481,7 +17049,7 @@
         </p:nvSpPr>
         <p:spPr>
           <a:xfrm>
-            <a:off x="421103" y="4101782"/>
+            <a:off x="2108489" y="3439796"/>
             <a:ext cx="910004" cy="751742"/>
           </a:xfrm>
           <a:prstGeom prst="rect">
@@ -10516,10 +17084,227 @@
           </a:p>
         </p:txBody>
       </p:sp>
+      <p:pic>
+        <p:nvPicPr>
+          <p:cNvPr id="14" name="Picture 11"/>
+          <p:cNvPicPr>
+            <a:picLocks noChangeAspect="1" noChangeArrowheads="1"/>
+          </p:cNvPicPr>
+          <p:nvPr/>
+        </p:nvPicPr>
+        <p:blipFill rotWithShape="1">
+          <a:blip r:embed="rId2">
+            <a:extLst>
+              <a:ext uri="{28A0092B-C50C-407E-A947-70E740481C1C}">
+                <a14:useLocalDpi xmlns:a14="http://schemas.microsoft.com/office/drawing/2010/main" val="0"/>
+              </a:ext>
+            </a:extLst>
+          </a:blip>
+          <a:srcRect l="17869" r="10975"/>
+          <a:stretch/>
+        </p:blipFill>
+        <p:spPr bwMode="auto">
+          <a:xfrm rot="1756192">
+            <a:off x="3639249" y="3310842"/>
+            <a:ext cx="1024143" cy="1009650"/>
+          </a:xfrm>
+          <a:prstGeom prst="rect">
+            <a:avLst/>
+          </a:prstGeom>
+          <a:ln>
+            <a:noFill/>
+          </a:ln>
+          <a:effectLst>
+            <a:outerShdw blurRad="190500" algn="tl" rotWithShape="0">
+              <a:srgbClr val="000000">
+                <a:alpha val="70000"/>
+              </a:srgbClr>
+            </a:outerShdw>
+          </a:effectLst>
+          <a:extLst>
+            <a:ext uri="{909E8E84-426E-40DD-AFC4-6F175D3DCCD1}">
+              <a14:hiddenFill xmlns:a14="http://schemas.microsoft.com/office/drawing/2010/main">
+                <a:solidFill>
+                  <a:schemeClr val="accent1"/>
+                </a:solidFill>
+              </a14:hiddenFill>
+            </a:ext>
+            <a:ext uri="{91240B29-F687-4F45-9708-019B960494DF}">
+              <a14:hiddenLine xmlns:a14="http://schemas.microsoft.com/office/drawing/2010/main" w="9525">
+                <a:solidFill>
+                  <a:schemeClr val="tx1"/>
+                </a:solidFill>
+                <a:miter lim="800000"/>
+                <a:headEnd/>
+                <a:tailEnd/>
+              </a14:hiddenLine>
+            </a:ext>
+          </a:extLst>
+        </p:spPr>
+      </p:pic>
+      <p:pic>
+        <p:nvPicPr>
+          <p:cNvPr id="15" name="Picture 12"/>
+          <p:cNvPicPr>
+            <a:picLocks noChangeAspect="1" noChangeArrowheads="1"/>
+          </p:cNvPicPr>
+          <p:nvPr/>
+        </p:nvPicPr>
+        <p:blipFill rotWithShape="1">
+          <a:blip r:embed="rId3">
+            <a:extLst>
+              <a:ext uri="{28A0092B-C50C-407E-A947-70E740481C1C}">
+                <a14:useLocalDpi xmlns:a14="http://schemas.microsoft.com/office/drawing/2010/main" val="0"/>
+              </a:ext>
+            </a:extLst>
+          </a:blip>
+          <a:srcRect l="14680" r="13179"/>
+          <a:stretch/>
+        </p:blipFill>
+        <p:spPr bwMode="auto">
+          <a:xfrm rot="18564554">
+            <a:off x="5207328" y="3196542"/>
+            <a:ext cx="1330222" cy="1238250"/>
+          </a:xfrm>
+          <a:prstGeom prst="rect">
+            <a:avLst/>
+          </a:prstGeom>
+          <a:ln>
+            <a:noFill/>
+          </a:ln>
+          <a:effectLst>
+            <a:outerShdw blurRad="190500" algn="tl" rotWithShape="0">
+              <a:srgbClr val="000000">
+                <a:alpha val="70000"/>
+              </a:srgbClr>
+            </a:outerShdw>
+          </a:effectLst>
+          <a:extLst>
+            <a:ext uri="{909E8E84-426E-40DD-AFC4-6F175D3DCCD1}">
+              <a14:hiddenFill xmlns:a14="http://schemas.microsoft.com/office/drawing/2010/main">
+                <a:solidFill>
+                  <a:schemeClr val="accent1"/>
+                </a:solidFill>
+              </a14:hiddenFill>
+            </a:ext>
+            <a:ext uri="{91240B29-F687-4F45-9708-019B960494DF}">
+              <a14:hiddenLine xmlns:a14="http://schemas.microsoft.com/office/drawing/2010/main" w="9525">
+                <a:solidFill>
+                  <a:schemeClr val="tx1"/>
+                </a:solidFill>
+                <a:miter lim="800000"/>
+                <a:headEnd/>
+                <a:tailEnd/>
+              </a14:hiddenLine>
+            </a:ext>
+          </a:extLst>
+        </p:spPr>
+      </p:pic>
+      <p:pic>
+        <p:nvPicPr>
+          <p:cNvPr id="16" name="Picture 3"/>
+          <p:cNvPicPr>
+            <a:picLocks noChangeAspect="1" noChangeArrowheads="1"/>
+          </p:cNvPicPr>
+          <p:nvPr/>
+        </p:nvPicPr>
+        <p:blipFill rotWithShape="1">
+          <a:blip r:embed="rId4">
+            <a:extLst>
+              <a:ext uri="{28A0092B-C50C-407E-A947-70E740481C1C}">
+                <a14:useLocalDpi xmlns:a14="http://schemas.microsoft.com/office/drawing/2010/main" val="0"/>
+              </a:ext>
+            </a:extLst>
+          </a:blip>
+          <a:srcRect l="19185"/>
+          <a:stretch/>
+        </p:blipFill>
+        <p:spPr bwMode="auto">
+          <a:xfrm rot="42386591">
+            <a:off x="400979" y="4951818"/>
+            <a:ext cx="1022446" cy="1265171"/>
+          </a:xfrm>
+          <a:prstGeom prst="rect">
+            <a:avLst/>
+          </a:prstGeom>
+          <a:ln>
+            <a:noFill/>
+          </a:ln>
+          <a:effectLst>
+            <a:outerShdw blurRad="190500" algn="tl" rotWithShape="0">
+              <a:srgbClr val="000000">
+                <a:alpha val="70000"/>
+              </a:srgbClr>
+            </a:outerShdw>
+          </a:effectLst>
+          <a:extLst>
+            <a:ext uri="{909E8E84-426E-40DD-AFC4-6F175D3DCCD1}">
+              <a14:hiddenFill xmlns:a14="http://schemas.microsoft.com/office/drawing/2010/main">
+                <a:solidFill>
+                  <a:schemeClr val="accent1"/>
+                </a:solidFill>
+              </a14:hiddenFill>
+            </a:ext>
+            <a:ext uri="{91240B29-F687-4F45-9708-019B960494DF}">
+              <a14:hiddenLine xmlns:a14="http://schemas.microsoft.com/office/drawing/2010/main" w="9525">
+                <a:solidFill>
+                  <a:schemeClr val="tx1"/>
+                </a:solidFill>
+                <a:miter lim="800000"/>
+                <a:headEnd/>
+                <a:tailEnd/>
+              </a14:hiddenLine>
+            </a:ext>
+          </a:extLst>
+        </p:spPr>
+      </p:pic>
+      <p:sp>
+        <p:nvSpPr>
+          <p:cNvPr id="17" name="Rectangle 16"/>
+          <p:cNvSpPr/>
+          <p:nvPr/>
+        </p:nvSpPr>
+        <p:spPr>
+          <a:xfrm rot="1065321">
+            <a:off x="1878155" y="5208532"/>
+            <a:ext cx="1370671" cy="751742"/>
+          </a:xfrm>
+          <a:prstGeom prst="rect">
+            <a:avLst/>
+          </a:prstGeom>
+        </p:spPr>
+        <p:style>
+          <a:lnRef idx="2">
+            <a:schemeClr val="accent1">
+              <a:shade val="50000"/>
+            </a:schemeClr>
+          </a:lnRef>
+          <a:fillRef idx="1">
+            <a:schemeClr val="accent1"/>
+          </a:fillRef>
+          <a:effectRef idx="0">
+            <a:schemeClr val="accent1"/>
+          </a:effectRef>
+          <a:fontRef idx="minor">
+            <a:schemeClr val="lt1"/>
+          </a:fontRef>
+        </p:style>
+        <p:txBody>
+          <a:bodyPr rtlCol="0" anchor="ctr"/>
+          <a:lstStyle/>
+          <a:p>
+            <a:pPr algn="ctr"/>
+            <a:r>
+              <a:rPr lang="en-US" sz="1350" dirty="0"/>
+              <a:t>14</a:t>
+            </a:r>
+          </a:p>
+        </p:txBody>
+      </p:sp>
     </p:spTree>
     <p:extLst>
       <p:ext uri="{BB962C8B-B14F-4D97-AF65-F5344CB8AC3E}">
-        <p14:creationId xmlns:p14="http://schemas.microsoft.com/office/powerpoint/2010/main" val="1936428744"/>
+        <p14:creationId xmlns:p14="http://schemas.microsoft.com/office/powerpoint/2010/main" val="1633996196"/>
       </p:ext>
     </p:extLst>
   </p:cSld>
@@ -10554,7 +17339,7 @@
         </p:nvSpPr>
         <p:spPr>
           <a:xfrm>
-            <a:off x="421103" y="1396316"/>
+            <a:off x="457200" y="685800"/>
             <a:ext cx="910004" cy="751742"/>
           </a:xfrm>
           <a:prstGeom prst="rect">
@@ -10596,9 +17381,9 @@
           <p:nvPr/>
         </p:nvSpPr>
         <p:spPr>
-          <a:xfrm>
-            <a:off x="3951396" y="1396316"/>
-            <a:ext cx="910004" cy="751742"/>
+          <a:xfrm rot="1065321">
+            <a:off x="1751155" y="685801"/>
+            <a:ext cx="1370671" cy="751742"/>
           </a:xfrm>
           <a:prstGeom prst="rect">
             <a:avLst/>
@@ -10640,7 +17425,7 @@
         </p:nvSpPr>
         <p:spPr>
           <a:xfrm>
-            <a:off x="7511363" y="1373236"/>
+            <a:off x="3471993" y="662720"/>
             <a:ext cx="850655" cy="797902"/>
           </a:xfrm>
           <a:prstGeom prst="ellipse">
@@ -10683,8 +17468,8 @@
         </p:nvSpPr>
         <p:spPr>
           <a:xfrm>
-            <a:off x="266139" y="2429879"/>
-            <a:ext cx="1219932" cy="402248"/>
+            <a:off x="5224739" y="860547"/>
+            <a:ext cx="533400" cy="402248"/>
           </a:xfrm>
           <a:prstGeom prst="roundRect">
             <a:avLst/>
@@ -10725,8 +17510,8 @@
           <p:nvPr/>
         </p:nvSpPr>
         <p:spPr>
-          <a:xfrm>
-            <a:off x="3951396" y="2255131"/>
+          <a:xfrm rot="16200000">
+            <a:off x="457200" y="1765809"/>
             <a:ext cx="910004" cy="751742"/>
           </a:xfrm>
           <a:prstGeom prst="rect">
@@ -10769,8 +17554,8 @@
         </p:nvSpPr>
         <p:spPr>
           <a:xfrm>
-            <a:off x="7481689" y="2255132"/>
-            <a:ext cx="910004" cy="751742"/>
+            <a:off x="1743569" y="1765809"/>
+            <a:ext cx="1385845" cy="751742"/>
           </a:xfrm>
           <a:prstGeom prst="rect">
             <a:avLst/>
@@ -10811,9 +17596,9 @@
           <p:nvPr/>
         </p:nvSpPr>
         <p:spPr>
-          <a:xfrm>
-            <a:off x="450778" y="3090867"/>
-            <a:ext cx="850655" cy="797902"/>
+          <a:xfrm rot="2252568">
+            <a:off x="3234496" y="1742729"/>
+            <a:ext cx="1325648" cy="797902"/>
           </a:xfrm>
           <a:prstGeom prst="ellipse">
             <a:avLst/>
@@ -10854,8 +17639,8 @@
           <p:nvPr/>
         </p:nvSpPr>
         <p:spPr>
-          <a:xfrm>
-            <a:off x="3796432" y="3288694"/>
+          <a:xfrm rot="19308688">
+            <a:off x="4881474" y="1940556"/>
             <a:ext cx="1219932" cy="402248"/>
           </a:xfrm>
           <a:prstGeom prst="roundRect">
@@ -10898,8 +17683,8 @@
         </p:nvSpPr>
         <p:spPr>
           <a:xfrm>
-            <a:off x="7481689" y="3113947"/>
-            <a:ext cx="910004" cy="751742"/>
+            <a:off x="155228" y="3185796"/>
+            <a:ext cx="1513948" cy="751742"/>
           </a:xfrm>
           <a:prstGeom prst="rect">
             <a:avLst/>
@@ -10941,7 +17726,7 @@
         </p:nvSpPr>
         <p:spPr>
           <a:xfrm>
-            <a:off x="7481689" y="3972763"/>
+            <a:off x="1981489" y="3185796"/>
             <a:ext cx="910004" cy="751742"/>
           </a:xfrm>
           <a:prstGeom prst="rect">
@@ -10976,10 +17761,227 @@
           </a:p>
         </p:txBody>
       </p:sp>
+      <p:pic>
+        <p:nvPicPr>
+          <p:cNvPr id="14" name="Picture 11"/>
+          <p:cNvPicPr>
+            <a:picLocks noChangeAspect="1" noChangeArrowheads="1"/>
+          </p:cNvPicPr>
+          <p:nvPr/>
+        </p:nvPicPr>
+        <p:blipFill rotWithShape="1">
+          <a:blip r:embed="rId2">
+            <a:extLst>
+              <a:ext uri="{28A0092B-C50C-407E-A947-70E740481C1C}">
+                <a14:useLocalDpi xmlns:a14="http://schemas.microsoft.com/office/drawing/2010/main" val="0"/>
+              </a:ext>
+            </a:extLst>
+          </a:blip>
+          <a:srcRect l="17869" r="10975"/>
+          <a:stretch/>
+        </p:blipFill>
+        <p:spPr bwMode="auto">
+          <a:xfrm rot="1756192">
+            <a:off x="3385249" y="3056842"/>
+            <a:ext cx="1024143" cy="1009650"/>
+          </a:xfrm>
+          <a:prstGeom prst="rect">
+            <a:avLst/>
+          </a:prstGeom>
+          <a:ln>
+            <a:noFill/>
+          </a:ln>
+          <a:effectLst>
+            <a:outerShdw blurRad="190500" algn="tl" rotWithShape="0">
+              <a:srgbClr val="000000">
+                <a:alpha val="70000"/>
+              </a:srgbClr>
+            </a:outerShdw>
+          </a:effectLst>
+          <a:extLst>
+            <a:ext uri="{909E8E84-426E-40DD-AFC4-6F175D3DCCD1}">
+              <a14:hiddenFill xmlns:a14="http://schemas.microsoft.com/office/drawing/2010/main">
+                <a:solidFill>
+                  <a:schemeClr val="accent1"/>
+                </a:solidFill>
+              </a14:hiddenFill>
+            </a:ext>
+            <a:ext uri="{91240B29-F687-4F45-9708-019B960494DF}">
+              <a14:hiddenLine xmlns:a14="http://schemas.microsoft.com/office/drawing/2010/main" w="9525">
+                <a:solidFill>
+                  <a:schemeClr val="tx1"/>
+                </a:solidFill>
+                <a:miter lim="800000"/>
+                <a:headEnd/>
+                <a:tailEnd/>
+              </a14:hiddenLine>
+            </a:ext>
+          </a:extLst>
+        </p:spPr>
+      </p:pic>
+      <p:pic>
+        <p:nvPicPr>
+          <p:cNvPr id="15" name="Picture 12"/>
+          <p:cNvPicPr>
+            <a:picLocks noChangeAspect="1" noChangeArrowheads="1"/>
+          </p:cNvPicPr>
+          <p:nvPr/>
+        </p:nvPicPr>
+        <p:blipFill rotWithShape="1">
+          <a:blip r:embed="rId3">
+            <a:extLst>
+              <a:ext uri="{28A0092B-C50C-407E-A947-70E740481C1C}">
+                <a14:useLocalDpi xmlns:a14="http://schemas.microsoft.com/office/drawing/2010/main" val="0"/>
+              </a:ext>
+            </a:extLst>
+          </a:blip>
+          <a:srcRect l="14680" r="13179"/>
+          <a:stretch/>
+        </p:blipFill>
+        <p:spPr bwMode="auto">
+          <a:xfrm rot="18564554">
+            <a:off x="4826328" y="2942542"/>
+            <a:ext cx="1330222" cy="1238250"/>
+          </a:xfrm>
+          <a:prstGeom prst="rect">
+            <a:avLst/>
+          </a:prstGeom>
+          <a:ln>
+            <a:noFill/>
+          </a:ln>
+          <a:effectLst>
+            <a:outerShdw blurRad="190500" algn="tl" rotWithShape="0">
+              <a:srgbClr val="000000">
+                <a:alpha val="70000"/>
+              </a:srgbClr>
+            </a:outerShdw>
+          </a:effectLst>
+          <a:extLst>
+            <a:ext uri="{909E8E84-426E-40DD-AFC4-6F175D3DCCD1}">
+              <a14:hiddenFill xmlns:a14="http://schemas.microsoft.com/office/drawing/2010/main">
+                <a:solidFill>
+                  <a:schemeClr val="accent1"/>
+                </a:solidFill>
+              </a14:hiddenFill>
+            </a:ext>
+            <a:ext uri="{91240B29-F687-4F45-9708-019B960494DF}">
+              <a14:hiddenLine xmlns:a14="http://schemas.microsoft.com/office/drawing/2010/main" w="9525">
+                <a:solidFill>
+                  <a:schemeClr val="tx1"/>
+                </a:solidFill>
+                <a:miter lim="800000"/>
+                <a:headEnd/>
+                <a:tailEnd/>
+              </a14:hiddenLine>
+            </a:ext>
+          </a:extLst>
+        </p:spPr>
+      </p:pic>
+      <p:pic>
+        <p:nvPicPr>
+          <p:cNvPr id="16" name="Picture 3"/>
+          <p:cNvPicPr>
+            <a:picLocks noChangeAspect="1" noChangeArrowheads="1"/>
+          </p:cNvPicPr>
+          <p:nvPr/>
+        </p:nvPicPr>
+        <p:blipFill rotWithShape="1">
+          <a:blip r:embed="rId4">
+            <a:extLst>
+              <a:ext uri="{28A0092B-C50C-407E-A947-70E740481C1C}">
+                <a14:useLocalDpi xmlns:a14="http://schemas.microsoft.com/office/drawing/2010/main" val="0"/>
+              </a:ext>
+            </a:extLst>
+          </a:blip>
+          <a:srcRect l="19185"/>
+          <a:stretch/>
+        </p:blipFill>
+        <p:spPr bwMode="auto">
+          <a:xfrm rot="42386591">
+            <a:off x="400979" y="4570818"/>
+            <a:ext cx="1022446" cy="1265171"/>
+          </a:xfrm>
+          <a:prstGeom prst="rect">
+            <a:avLst/>
+          </a:prstGeom>
+          <a:ln>
+            <a:noFill/>
+          </a:ln>
+          <a:effectLst>
+            <a:outerShdw blurRad="190500" algn="tl" rotWithShape="0">
+              <a:srgbClr val="000000">
+                <a:alpha val="70000"/>
+              </a:srgbClr>
+            </a:outerShdw>
+          </a:effectLst>
+          <a:extLst>
+            <a:ext uri="{909E8E84-426E-40DD-AFC4-6F175D3DCCD1}">
+              <a14:hiddenFill xmlns:a14="http://schemas.microsoft.com/office/drawing/2010/main">
+                <a:solidFill>
+                  <a:schemeClr val="accent1"/>
+                </a:solidFill>
+              </a14:hiddenFill>
+            </a:ext>
+            <a:ext uri="{91240B29-F687-4F45-9708-019B960494DF}">
+              <a14:hiddenLine xmlns:a14="http://schemas.microsoft.com/office/drawing/2010/main" w="9525">
+                <a:solidFill>
+                  <a:schemeClr val="tx1"/>
+                </a:solidFill>
+                <a:miter lim="800000"/>
+                <a:headEnd/>
+                <a:tailEnd/>
+              </a14:hiddenLine>
+            </a:ext>
+          </a:extLst>
+        </p:spPr>
+      </p:pic>
+      <p:sp>
+        <p:nvSpPr>
+          <p:cNvPr id="17" name="Rectangle 16"/>
+          <p:cNvSpPr/>
+          <p:nvPr/>
+        </p:nvSpPr>
+        <p:spPr>
+          <a:xfrm rot="1065321">
+            <a:off x="1751155" y="4827532"/>
+            <a:ext cx="1370671" cy="751742"/>
+          </a:xfrm>
+          <a:prstGeom prst="rect">
+            <a:avLst/>
+          </a:prstGeom>
+        </p:spPr>
+        <p:style>
+          <a:lnRef idx="2">
+            <a:schemeClr val="accent1">
+              <a:shade val="50000"/>
+            </a:schemeClr>
+          </a:lnRef>
+          <a:fillRef idx="1">
+            <a:schemeClr val="accent1"/>
+          </a:fillRef>
+          <a:effectRef idx="0">
+            <a:schemeClr val="accent1"/>
+          </a:effectRef>
+          <a:fontRef idx="minor">
+            <a:schemeClr val="lt1"/>
+          </a:fontRef>
+        </p:style>
+        <p:txBody>
+          <a:bodyPr rtlCol="0" anchor="ctr"/>
+          <a:lstStyle/>
+          <a:p>
+            <a:pPr algn="ctr"/>
+            <a:r>
+              <a:rPr lang="en-US" sz="1350" dirty="0"/>
+              <a:t>14</a:t>
+            </a:r>
+          </a:p>
+        </p:txBody>
+      </p:sp>
     </p:spTree>
     <p:extLst>
       <p:ext uri="{BB962C8B-B14F-4D97-AF65-F5344CB8AC3E}">
-        <p14:creationId xmlns:p14="http://schemas.microsoft.com/office/powerpoint/2010/main" val="2684555809"/>
+        <p14:creationId xmlns:p14="http://schemas.microsoft.com/office/powerpoint/2010/main" val="933093166"/>
       </p:ext>
     </p:extLst>
   </p:cSld>
@@ -11008,50 +18010,655 @@
       </p:grpSpPr>
       <p:sp>
         <p:nvSpPr>
-          <p:cNvPr id="2" name="Title 1"/>
-          <p:cNvSpPr>
-            <a:spLocks noGrp="1"/>
-          </p:cNvSpPr>
-          <p:nvPr>
-            <p:ph type="title"/>
-          </p:nvPr>
-        </p:nvSpPr>
-        <p:spPr/>
-        <p:txBody>
-          <a:bodyPr/>
-          <a:lstStyle/>
-          <a:p>
-            <a:r>
-              <a:rPr lang="en-US" dirty="0"/>
-              <a:t>Distribute:: Grid (4 x 3) w/ Shape Edge</a:t>
-            </a:r>
-            <a:endParaRPr lang="en-SG" dirty="0"/>
-          </a:p>
-        </p:txBody>
-      </p:sp>
-      <p:sp>
-        <p:nvSpPr>
-          <p:cNvPr id="3" name="Content Placeholder 2"/>
-          <p:cNvSpPr>
-            <a:spLocks noGrp="1"/>
-          </p:cNvSpPr>
-          <p:nvPr>
-            <p:ph idx="1"/>
-          </p:nvPr>
-        </p:nvSpPr>
-        <p:spPr/>
-        <p:txBody>
-          <a:bodyPr/>
-          <a:lstStyle/>
-          <a:p>
-            <a:endParaRPr lang="en-SG" dirty="0"/>
+          <p:cNvPr id="4" name="Rectangle 3"/>
+          <p:cNvSpPr/>
+          <p:nvPr/>
+        </p:nvSpPr>
+        <p:spPr>
+          <a:xfrm>
+            <a:off x="457200" y="685800"/>
+            <a:ext cx="910004" cy="751742"/>
+          </a:xfrm>
+          <a:prstGeom prst="rect">
+            <a:avLst/>
+          </a:prstGeom>
+        </p:spPr>
+        <p:style>
+          <a:lnRef idx="2">
+            <a:schemeClr val="accent1">
+              <a:shade val="50000"/>
+            </a:schemeClr>
+          </a:lnRef>
+          <a:fillRef idx="1">
+            <a:schemeClr val="accent1"/>
+          </a:fillRef>
+          <a:effectRef idx="0">
+            <a:schemeClr val="accent1"/>
+          </a:effectRef>
+          <a:fontRef idx="minor">
+            <a:schemeClr val="lt1"/>
+          </a:fontRef>
+        </p:style>
+        <p:txBody>
+          <a:bodyPr rtlCol="0" anchor="ctr"/>
+          <a:lstStyle/>
+          <a:p>
+            <a:pPr algn="ctr"/>
+            <a:r>
+              <a:rPr lang="en-US" sz="1350" dirty="0"/>
+              <a:t>1</a:t>
+            </a:r>
+          </a:p>
+        </p:txBody>
+      </p:sp>
+      <p:sp>
+        <p:nvSpPr>
+          <p:cNvPr id="5" name="Rectangle 4"/>
+          <p:cNvSpPr/>
+          <p:nvPr/>
+        </p:nvSpPr>
+        <p:spPr>
+          <a:xfrm rot="1065321">
+            <a:off x="1751156" y="685800"/>
+            <a:ext cx="1370671" cy="751742"/>
+          </a:xfrm>
+          <a:prstGeom prst="rect">
+            <a:avLst/>
+          </a:prstGeom>
+        </p:spPr>
+        <p:style>
+          <a:lnRef idx="2">
+            <a:schemeClr val="accent1">
+              <a:shade val="50000"/>
+            </a:schemeClr>
+          </a:lnRef>
+          <a:fillRef idx="1">
+            <a:schemeClr val="accent1"/>
+          </a:fillRef>
+          <a:effectRef idx="0">
+            <a:schemeClr val="accent1"/>
+          </a:effectRef>
+          <a:fontRef idx="minor">
+            <a:schemeClr val="lt1"/>
+          </a:fontRef>
+        </p:style>
+        <p:txBody>
+          <a:bodyPr rtlCol="0" anchor="ctr"/>
+          <a:lstStyle/>
+          <a:p>
+            <a:pPr algn="ctr"/>
+            <a:r>
+              <a:rPr lang="en-US" sz="1350" dirty="0"/>
+              <a:t>2</a:t>
+            </a:r>
+          </a:p>
+        </p:txBody>
+      </p:sp>
+      <p:sp>
+        <p:nvSpPr>
+          <p:cNvPr id="6" name="Oval 5"/>
+          <p:cNvSpPr/>
+          <p:nvPr/>
+        </p:nvSpPr>
+        <p:spPr>
+          <a:xfrm>
+            <a:off x="3545794" y="662720"/>
+            <a:ext cx="850655" cy="797902"/>
+          </a:xfrm>
+          <a:prstGeom prst="ellipse">
+            <a:avLst/>
+          </a:prstGeom>
+        </p:spPr>
+        <p:style>
+          <a:lnRef idx="2">
+            <a:schemeClr val="accent1">
+              <a:shade val="50000"/>
+            </a:schemeClr>
+          </a:lnRef>
+          <a:fillRef idx="1">
+            <a:schemeClr val="accent1"/>
+          </a:fillRef>
+          <a:effectRef idx="0">
+            <a:schemeClr val="accent1"/>
+          </a:effectRef>
+          <a:fontRef idx="minor">
+            <a:schemeClr val="lt1"/>
+          </a:fontRef>
+        </p:style>
+        <p:txBody>
+          <a:bodyPr rtlCol="0" anchor="ctr"/>
+          <a:lstStyle/>
+          <a:p>
+            <a:pPr algn="ctr"/>
+            <a:r>
+              <a:rPr lang="en-US" sz="1350" dirty="0"/>
+              <a:t>3</a:t>
+            </a:r>
+          </a:p>
+        </p:txBody>
+      </p:sp>
+      <p:sp>
+        <p:nvSpPr>
+          <p:cNvPr id="7" name="Rounded Rectangle 6"/>
+          <p:cNvSpPr/>
+          <p:nvPr/>
+        </p:nvSpPr>
+        <p:spPr>
+          <a:xfrm>
+            <a:off x="5372341" y="860547"/>
+            <a:ext cx="533400" cy="402248"/>
+          </a:xfrm>
+          <a:prstGeom prst="roundRect">
+            <a:avLst/>
+          </a:prstGeom>
+        </p:spPr>
+        <p:style>
+          <a:lnRef idx="2">
+            <a:schemeClr val="accent1">
+              <a:shade val="50000"/>
+            </a:schemeClr>
+          </a:lnRef>
+          <a:fillRef idx="1">
+            <a:schemeClr val="accent1"/>
+          </a:fillRef>
+          <a:effectRef idx="0">
+            <a:schemeClr val="accent1"/>
+          </a:effectRef>
+          <a:fontRef idx="minor">
+            <a:schemeClr val="lt1"/>
+          </a:fontRef>
+        </p:style>
+        <p:txBody>
+          <a:bodyPr rtlCol="0" anchor="ctr"/>
+          <a:lstStyle/>
+          <a:p>
+            <a:pPr algn="ctr"/>
+            <a:r>
+              <a:rPr lang="en-US" sz="1350" dirty="0"/>
+              <a:t>4</a:t>
+            </a:r>
+          </a:p>
+        </p:txBody>
+      </p:sp>
+      <p:sp>
+        <p:nvSpPr>
+          <p:cNvPr id="8" name="Rectangle 7"/>
+          <p:cNvSpPr/>
+          <p:nvPr/>
+        </p:nvSpPr>
+        <p:spPr>
+          <a:xfrm rot="16200000">
+            <a:off x="457200" y="1765809"/>
+            <a:ext cx="910004" cy="751742"/>
+          </a:xfrm>
+          <a:prstGeom prst="rect">
+            <a:avLst/>
+          </a:prstGeom>
+        </p:spPr>
+        <p:style>
+          <a:lnRef idx="2">
+            <a:schemeClr val="accent1">
+              <a:shade val="50000"/>
+            </a:schemeClr>
+          </a:lnRef>
+          <a:fillRef idx="1">
+            <a:schemeClr val="accent1"/>
+          </a:fillRef>
+          <a:effectRef idx="0">
+            <a:schemeClr val="accent1"/>
+          </a:effectRef>
+          <a:fontRef idx="minor">
+            <a:schemeClr val="lt1"/>
+          </a:fontRef>
+        </p:style>
+        <p:txBody>
+          <a:bodyPr rtlCol="0" anchor="ctr"/>
+          <a:lstStyle/>
+          <a:p>
+            <a:pPr algn="ctr"/>
+            <a:r>
+              <a:rPr lang="en-US" sz="1350" dirty="0"/>
+              <a:t>5</a:t>
+            </a:r>
+          </a:p>
+        </p:txBody>
+      </p:sp>
+      <p:sp>
+        <p:nvSpPr>
+          <p:cNvPr id="9" name="Rectangle 8"/>
+          <p:cNvSpPr/>
+          <p:nvPr/>
+        </p:nvSpPr>
+        <p:spPr>
+          <a:xfrm>
+            <a:off x="1743569" y="1765809"/>
+            <a:ext cx="1385845" cy="751742"/>
+          </a:xfrm>
+          <a:prstGeom prst="rect">
+            <a:avLst/>
+          </a:prstGeom>
+        </p:spPr>
+        <p:style>
+          <a:lnRef idx="2">
+            <a:schemeClr val="accent1">
+              <a:shade val="50000"/>
+            </a:schemeClr>
+          </a:lnRef>
+          <a:fillRef idx="1">
+            <a:schemeClr val="accent1"/>
+          </a:fillRef>
+          <a:effectRef idx="0">
+            <a:schemeClr val="accent1"/>
+          </a:effectRef>
+          <a:fontRef idx="minor">
+            <a:schemeClr val="lt1"/>
+          </a:fontRef>
+        </p:style>
+        <p:txBody>
+          <a:bodyPr rtlCol="0" anchor="ctr"/>
+          <a:lstStyle/>
+          <a:p>
+            <a:pPr algn="ctr"/>
+            <a:r>
+              <a:rPr lang="en-US" sz="1350" dirty="0"/>
+              <a:t>6</a:t>
+            </a:r>
+          </a:p>
+        </p:txBody>
+      </p:sp>
+      <p:sp>
+        <p:nvSpPr>
+          <p:cNvPr id="10" name="Oval 9"/>
+          <p:cNvSpPr/>
+          <p:nvPr/>
+        </p:nvSpPr>
+        <p:spPr>
+          <a:xfrm rot="2252568">
+            <a:off x="3308297" y="1742729"/>
+            <a:ext cx="1325648" cy="797902"/>
+          </a:xfrm>
+          <a:prstGeom prst="ellipse">
+            <a:avLst/>
+          </a:prstGeom>
+        </p:spPr>
+        <p:style>
+          <a:lnRef idx="2">
+            <a:schemeClr val="accent1">
+              <a:shade val="50000"/>
+            </a:schemeClr>
+          </a:lnRef>
+          <a:fillRef idx="1">
+            <a:schemeClr val="accent1"/>
+          </a:fillRef>
+          <a:effectRef idx="0">
+            <a:schemeClr val="accent1"/>
+          </a:effectRef>
+          <a:fontRef idx="minor">
+            <a:schemeClr val="lt1"/>
+          </a:fontRef>
+        </p:style>
+        <p:txBody>
+          <a:bodyPr rtlCol="0" anchor="ctr"/>
+          <a:lstStyle/>
+          <a:p>
+            <a:pPr algn="ctr"/>
+            <a:r>
+              <a:rPr lang="en-US" sz="1350" dirty="0"/>
+              <a:t>7</a:t>
+            </a:r>
+          </a:p>
+        </p:txBody>
+      </p:sp>
+      <p:sp>
+        <p:nvSpPr>
+          <p:cNvPr id="11" name="Rounded Rectangle 10"/>
+          <p:cNvSpPr/>
+          <p:nvPr/>
+        </p:nvSpPr>
+        <p:spPr>
+          <a:xfrm rot="19308688">
+            <a:off x="5029075" y="1940556"/>
+            <a:ext cx="1219932" cy="402248"/>
+          </a:xfrm>
+          <a:prstGeom prst="roundRect">
+            <a:avLst/>
+          </a:prstGeom>
+        </p:spPr>
+        <p:style>
+          <a:lnRef idx="2">
+            <a:schemeClr val="accent1">
+              <a:shade val="50000"/>
+            </a:schemeClr>
+          </a:lnRef>
+          <a:fillRef idx="1">
+            <a:schemeClr val="accent1"/>
+          </a:fillRef>
+          <a:effectRef idx="0">
+            <a:schemeClr val="accent1"/>
+          </a:effectRef>
+          <a:fontRef idx="minor">
+            <a:schemeClr val="lt1"/>
+          </a:fontRef>
+        </p:style>
+        <p:txBody>
+          <a:bodyPr rtlCol="0" anchor="ctr"/>
+          <a:lstStyle/>
+          <a:p>
+            <a:pPr algn="ctr"/>
+            <a:r>
+              <a:rPr lang="en-US" sz="1350" dirty="0"/>
+              <a:t>8</a:t>
+            </a:r>
+          </a:p>
+        </p:txBody>
+      </p:sp>
+      <p:sp>
+        <p:nvSpPr>
+          <p:cNvPr id="12" name="Rectangle 11"/>
+          <p:cNvSpPr/>
+          <p:nvPr/>
+        </p:nvSpPr>
+        <p:spPr>
+          <a:xfrm>
+            <a:off x="155228" y="3185796"/>
+            <a:ext cx="1513948" cy="751742"/>
+          </a:xfrm>
+          <a:prstGeom prst="rect">
+            <a:avLst/>
+          </a:prstGeom>
+        </p:spPr>
+        <p:style>
+          <a:lnRef idx="2">
+            <a:schemeClr val="accent1">
+              <a:shade val="50000"/>
+            </a:schemeClr>
+          </a:lnRef>
+          <a:fillRef idx="1">
+            <a:schemeClr val="accent1"/>
+          </a:fillRef>
+          <a:effectRef idx="0">
+            <a:schemeClr val="accent1"/>
+          </a:effectRef>
+          <a:fontRef idx="minor">
+            <a:schemeClr val="lt1"/>
+          </a:fontRef>
+        </p:style>
+        <p:txBody>
+          <a:bodyPr rtlCol="0" anchor="ctr"/>
+          <a:lstStyle/>
+          <a:p>
+            <a:pPr algn="ctr"/>
+            <a:r>
+              <a:rPr lang="en-US" sz="1350" dirty="0"/>
+              <a:t>9</a:t>
+            </a:r>
+          </a:p>
+        </p:txBody>
+      </p:sp>
+      <p:sp>
+        <p:nvSpPr>
+          <p:cNvPr id="13" name="Rectangle 12"/>
+          <p:cNvSpPr/>
+          <p:nvPr/>
+        </p:nvSpPr>
+        <p:spPr>
+          <a:xfrm>
+            <a:off x="1981489" y="3185796"/>
+            <a:ext cx="910004" cy="751742"/>
+          </a:xfrm>
+          <a:prstGeom prst="rect">
+            <a:avLst/>
+          </a:prstGeom>
+        </p:spPr>
+        <p:style>
+          <a:lnRef idx="2">
+            <a:schemeClr val="accent1">
+              <a:shade val="50000"/>
+            </a:schemeClr>
+          </a:lnRef>
+          <a:fillRef idx="1">
+            <a:schemeClr val="accent1"/>
+          </a:fillRef>
+          <a:effectRef idx="0">
+            <a:schemeClr val="accent1"/>
+          </a:effectRef>
+          <a:fontRef idx="minor">
+            <a:schemeClr val="lt1"/>
+          </a:fontRef>
+        </p:style>
+        <p:txBody>
+          <a:bodyPr rtlCol="0" anchor="ctr"/>
+          <a:lstStyle/>
+          <a:p>
+            <a:pPr algn="ctr"/>
+            <a:r>
+              <a:rPr lang="en-US" sz="1350" dirty="0"/>
+              <a:t>10</a:t>
+            </a:r>
+          </a:p>
+        </p:txBody>
+      </p:sp>
+      <p:pic>
+        <p:nvPicPr>
+          <p:cNvPr id="14" name="Picture 11"/>
+          <p:cNvPicPr>
+            <a:picLocks noChangeAspect="1" noChangeArrowheads="1"/>
+          </p:cNvPicPr>
+          <p:nvPr/>
+        </p:nvPicPr>
+        <p:blipFill rotWithShape="1">
+          <a:blip r:embed="rId2">
+            <a:extLst>
+              <a:ext uri="{28A0092B-C50C-407E-A947-70E740481C1C}">
+                <a14:useLocalDpi xmlns:a14="http://schemas.microsoft.com/office/drawing/2010/main" val="0"/>
+              </a:ext>
+            </a:extLst>
+          </a:blip>
+          <a:srcRect l="17869" r="10975"/>
+          <a:stretch/>
+        </p:blipFill>
+        <p:spPr bwMode="auto">
+          <a:xfrm rot="1756192">
+            <a:off x="3459050" y="3056842"/>
+            <a:ext cx="1024143" cy="1009650"/>
+          </a:xfrm>
+          <a:prstGeom prst="rect">
+            <a:avLst/>
+          </a:prstGeom>
+          <a:ln>
+            <a:noFill/>
+          </a:ln>
+          <a:effectLst>
+            <a:outerShdw blurRad="190500" algn="tl" rotWithShape="0">
+              <a:srgbClr val="000000">
+                <a:alpha val="70000"/>
+              </a:srgbClr>
+            </a:outerShdw>
+          </a:effectLst>
+          <a:extLst>
+            <a:ext uri="{909E8E84-426E-40DD-AFC4-6F175D3DCCD1}">
+              <a14:hiddenFill xmlns:a14="http://schemas.microsoft.com/office/drawing/2010/main">
+                <a:solidFill>
+                  <a:schemeClr val="accent1"/>
+                </a:solidFill>
+              </a14:hiddenFill>
+            </a:ext>
+            <a:ext uri="{91240B29-F687-4F45-9708-019B960494DF}">
+              <a14:hiddenLine xmlns:a14="http://schemas.microsoft.com/office/drawing/2010/main" w="9525">
+                <a:solidFill>
+                  <a:schemeClr val="tx1"/>
+                </a:solidFill>
+                <a:miter lim="800000"/>
+                <a:headEnd/>
+                <a:tailEnd/>
+              </a14:hiddenLine>
+            </a:ext>
+          </a:extLst>
+        </p:spPr>
+      </p:pic>
+      <p:pic>
+        <p:nvPicPr>
+          <p:cNvPr id="15" name="Picture 12"/>
+          <p:cNvPicPr>
+            <a:picLocks noChangeAspect="1" noChangeArrowheads="1"/>
+          </p:cNvPicPr>
+          <p:nvPr/>
+        </p:nvPicPr>
+        <p:blipFill rotWithShape="1">
+          <a:blip r:embed="rId3">
+            <a:extLst>
+              <a:ext uri="{28A0092B-C50C-407E-A947-70E740481C1C}">
+                <a14:useLocalDpi xmlns:a14="http://schemas.microsoft.com/office/drawing/2010/main" val="0"/>
+              </a:ext>
+            </a:extLst>
+          </a:blip>
+          <a:srcRect l="14680" r="13179"/>
+          <a:stretch/>
+        </p:blipFill>
+        <p:spPr bwMode="auto">
+          <a:xfrm rot="18564554">
+            <a:off x="4973930" y="2942542"/>
+            <a:ext cx="1330222" cy="1238250"/>
+          </a:xfrm>
+          <a:prstGeom prst="rect">
+            <a:avLst/>
+          </a:prstGeom>
+          <a:ln>
+            <a:noFill/>
+          </a:ln>
+          <a:effectLst>
+            <a:outerShdw blurRad="190500" algn="tl" rotWithShape="0">
+              <a:srgbClr val="000000">
+                <a:alpha val="70000"/>
+              </a:srgbClr>
+            </a:outerShdw>
+          </a:effectLst>
+          <a:extLst>
+            <a:ext uri="{909E8E84-426E-40DD-AFC4-6F175D3DCCD1}">
+              <a14:hiddenFill xmlns:a14="http://schemas.microsoft.com/office/drawing/2010/main">
+                <a:solidFill>
+                  <a:schemeClr val="accent1"/>
+                </a:solidFill>
+              </a14:hiddenFill>
+            </a:ext>
+            <a:ext uri="{91240B29-F687-4F45-9708-019B960494DF}">
+              <a14:hiddenLine xmlns:a14="http://schemas.microsoft.com/office/drawing/2010/main" w="9525">
+                <a:solidFill>
+                  <a:schemeClr val="tx1"/>
+                </a:solidFill>
+                <a:miter lim="800000"/>
+                <a:headEnd/>
+                <a:tailEnd/>
+              </a14:hiddenLine>
+            </a:ext>
+          </a:extLst>
+        </p:spPr>
+      </p:pic>
+      <p:pic>
+        <p:nvPicPr>
+          <p:cNvPr id="16" name="Picture 3"/>
+          <p:cNvPicPr>
+            <a:picLocks noChangeAspect="1" noChangeArrowheads="1"/>
+          </p:cNvPicPr>
+          <p:nvPr/>
+        </p:nvPicPr>
+        <p:blipFill rotWithShape="1">
+          <a:blip r:embed="rId4">
+            <a:extLst>
+              <a:ext uri="{28A0092B-C50C-407E-A947-70E740481C1C}">
+                <a14:useLocalDpi xmlns:a14="http://schemas.microsoft.com/office/drawing/2010/main" val="0"/>
+              </a:ext>
+            </a:extLst>
+          </a:blip>
+          <a:srcRect l="19185"/>
+          <a:stretch/>
+        </p:blipFill>
+        <p:spPr bwMode="auto">
+          <a:xfrm rot="42386591">
+            <a:off x="1925268" y="4570818"/>
+            <a:ext cx="1022446" cy="1265171"/>
+          </a:xfrm>
+          <a:prstGeom prst="rect">
+            <a:avLst/>
+          </a:prstGeom>
+          <a:ln>
+            <a:noFill/>
+          </a:ln>
+          <a:effectLst>
+            <a:outerShdw blurRad="190500" algn="tl" rotWithShape="0">
+              <a:srgbClr val="000000">
+                <a:alpha val="70000"/>
+              </a:srgbClr>
+            </a:outerShdw>
+          </a:effectLst>
+          <a:extLst>
+            <a:ext uri="{909E8E84-426E-40DD-AFC4-6F175D3DCCD1}">
+              <a14:hiddenFill xmlns:a14="http://schemas.microsoft.com/office/drawing/2010/main">
+                <a:solidFill>
+                  <a:schemeClr val="accent1"/>
+                </a:solidFill>
+              </a14:hiddenFill>
+            </a:ext>
+            <a:ext uri="{91240B29-F687-4F45-9708-019B960494DF}">
+              <a14:hiddenLine xmlns:a14="http://schemas.microsoft.com/office/drawing/2010/main" w="9525">
+                <a:solidFill>
+                  <a:schemeClr val="tx1"/>
+                </a:solidFill>
+                <a:miter lim="800000"/>
+                <a:headEnd/>
+                <a:tailEnd/>
+              </a14:hiddenLine>
+            </a:ext>
+          </a:extLst>
+        </p:spPr>
+      </p:pic>
+      <p:sp>
+        <p:nvSpPr>
+          <p:cNvPr id="17" name="Rectangle 16"/>
+          <p:cNvSpPr/>
+          <p:nvPr/>
+        </p:nvSpPr>
+        <p:spPr>
+          <a:xfrm rot="1065321">
+            <a:off x="3285786" y="4827532"/>
+            <a:ext cx="1370671" cy="751742"/>
+          </a:xfrm>
+          <a:prstGeom prst="rect">
+            <a:avLst/>
+          </a:prstGeom>
+        </p:spPr>
+        <p:style>
+          <a:lnRef idx="2">
+            <a:schemeClr val="accent1">
+              <a:shade val="50000"/>
+            </a:schemeClr>
+          </a:lnRef>
+          <a:fillRef idx="1">
+            <a:schemeClr val="accent1"/>
+          </a:fillRef>
+          <a:effectRef idx="0">
+            <a:schemeClr val="accent1"/>
+          </a:effectRef>
+          <a:fontRef idx="minor">
+            <a:schemeClr val="lt1"/>
+          </a:fontRef>
+        </p:style>
+        <p:txBody>
+          <a:bodyPr rtlCol="0" anchor="ctr"/>
+          <a:lstStyle/>
+          <a:p>
+            <a:pPr algn="ctr"/>
+            <a:r>
+              <a:rPr lang="en-US" sz="1350" dirty="0"/>
+              <a:t>14</a:t>
+            </a:r>
           </a:p>
         </p:txBody>
       </p:sp>
     </p:spTree>
     <p:extLst>
       <p:ext uri="{BB962C8B-B14F-4D97-AF65-F5344CB8AC3E}">
-        <p14:creationId xmlns:p14="http://schemas.microsoft.com/office/powerpoint/2010/main" val="3415541696"/>
+        <p14:creationId xmlns:p14="http://schemas.microsoft.com/office/powerpoint/2010/main" val="954156036"/>
       </p:ext>
     </p:extLst>
   </p:cSld>
@@ -11086,7 +18693,7 @@
         </p:nvSpPr>
         <p:spPr>
           <a:xfrm>
-            <a:off x="421103" y="1396316"/>
+            <a:off x="457200" y="685800"/>
             <a:ext cx="910004" cy="751742"/>
           </a:xfrm>
           <a:prstGeom prst="rect">
@@ -11128,9 +18735,9 @@
           <p:nvPr/>
         </p:nvSpPr>
         <p:spPr>
-          <a:xfrm>
-            <a:off x="1642746" y="1396316"/>
-            <a:ext cx="910004" cy="751742"/>
+          <a:xfrm rot="1065321">
+            <a:off x="1751155" y="685801"/>
+            <a:ext cx="1370671" cy="751742"/>
           </a:xfrm>
           <a:prstGeom prst="rect">
             <a:avLst/>
@@ -11172,7 +18779,7 @@
         </p:nvSpPr>
         <p:spPr>
           <a:xfrm>
-            <a:off x="2864388" y="1373236"/>
+            <a:off x="3471993" y="662720"/>
             <a:ext cx="850655" cy="797902"/>
           </a:xfrm>
           <a:prstGeom prst="ellipse">
@@ -11215,8 +18822,8 @@
         </p:nvSpPr>
         <p:spPr>
           <a:xfrm>
-            <a:off x="421103" y="2472885"/>
-            <a:ext cx="1219932" cy="402248"/>
+            <a:off x="5224739" y="860547"/>
+            <a:ext cx="533400" cy="402248"/>
           </a:xfrm>
           <a:prstGeom prst="roundRect">
             <a:avLst/>
@@ -11257,8 +18864,8 @@
           <p:nvPr/>
         </p:nvSpPr>
         <p:spPr>
-          <a:xfrm>
-            <a:off x="1768035" y="2298138"/>
+          <a:xfrm rot="16200000">
+            <a:off x="457200" y="1765809"/>
             <a:ext cx="910004" cy="751742"/>
           </a:xfrm>
           <a:prstGeom prst="rect">
@@ -11301,8 +18908,8 @@
         </p:nvSpPr>
         <p:spPr>
           <a:xfrm>
-            <a:off x="2805039" y="2298138"/>
-            <a:ext cx="910004" cy="751742"/>
+            <a:off x="1743569" y="1765809"/>
+            <a:ext cx="1385845" cy="751742"/>
           </a:xfrm>
           <a:prstGeom prst="rect">
             <a:avLst/>
@@ -11343,9 +18950,9 @@
           <p:nvPr/>
         </p:nvSpPr>
         <p:spPr>
-          <a:xfrm>
-            <a:off x="421103" y="3176880"/>
-            <a:ext cx="850655" cy="797902"/>
+          <a:xfrm rot="2252568">
+            <a:off x="3234496" y="1742729"/>
+            <a:ext cx="1325648" cy="797902"/>
           </a:xfrm>
           <a:prstGeom prst="ellipse">
             <a:avLst/>
@@ -11386,8 +18993,8 @@
           <p:nvPr/>
         </p:nvSpPr>
         <p:spPr>
-          <a:xfrm>
-            <a:off x="1428432" y="3374707"/>
+          <a:xfrm rot="19308688">
+            <a:off x="4881474" y="1940556"/>
             <a:ext cx="1219932" cy="402248"/>
           </a:xfrm>
           <a:prstGeom prst="roundRect">
@@ -11430,8 +19037,8 @@
         </p:nvSpPr>
         <p:spPr>
           <a:xfrm>
-            <a:off x="2805039" y="3199960"/>
-            <a:ext cx="910004" cy="751742"/>
+            <a:off x="155228" y="3185796"/>
+            <a:ext cx="1513948" cy="751742"/>
           </a:xfrm>
           <a:prstGeom prst="rect">
             <a:avLst/>
@@ -11473,7 +19080,7 @@
         </p:nvSpPr>
         <p:spPr>
           <a:xfrm>
-            <a:off x="421103" y="4101782"/>
+            <a:off x="1981489" y="3185796"/>
             <a:ext cx="910004" cy="751742"/>
           </a:xfrm>
           <a:prstGeom prst="rect">
@@ -11508,10 +19115,227 @@
           </a:p>
         </p:txBody>
       </p:sp>
+      <p:pic>
+        <p:nvPicPr>
+          <p:cNvPr id="14" name="Picture 11"/>
+          <p:cNvPicPr>
+            <a:picLocks noChangeAspect="1" noChangeArrowheads="1"/>
+          </p:cNvPicPr>
+          <p:nvPr/>
+        </p:nvPicPr>
+        <p:blipFill rotWithShape="1">
+          <a:blip r:embed="rId2">
+            <a:extLst>
+              <a:ext uri="{28A0092B-C50C-407E-A947-70E740481C1C}">
+                <a14:useLocalDpi xmlns:a14="http://schemas.microsoft.com/office/drawing/2010/main" val="0"/>
+              </a:ext>
+            </a:extLst>
+          </a:blip>
+          <a:srcRect l="17869" r="10975"/>
+          <a:stretch/>
+        </p:blipFill>
+        <p:spPr bwMode="auto">
+          <a:xfrm rot="1756192">
+            <a:off x="3385249" y="3056842"/>
+            <a:ext cx="1024143" cy="1009650"/>
+          </a:xfrm>
+          <a:prstGeom prst="rect">
+            <a:avLst/>
+          </a:prstGeom>
+          <a:ln>
+            <a:noFill/>
+          </a:ln>
+          <a:effectLst>
+            <a:outerShdw blurRad="190500" algn="tl" rotWithShape="0">
+              <a:srgbClr val="000000">
+                <a:alpha val="70000"/>
+              </a:srgbClr>
+            </a:outerShdw>
+          </a:effectLst>
+          <a:extLst>
+            <a:ext uri="{909E8E84-426E-40DD-AFC4-6F175D3DCCD1}">
+              <a14:hiddenFill xmlns:a14="http://schemas.microsoft.com/office/drawing/2010/main">
+                <a:solidFill>
+                  <a:schemeClr val="accent1"/>
+                </a:solidFill>
+              </a14:hiddenFill>
+            </a:ext>
+            <a:ext uri="{91240B29-F687-4F45-9708-019B960494DF}">
+              <a14:hiddenLine xmlns:a14="http://schemas.microsoft.com/office/drawing/2010/main" w="9525">
+                <a:solidFill>
+                  <a:schemeClr val="tx1"/>
+                </a:solidFill>
+                <a:miter lim="800000"/>
+                <a:headEnd/>
+                <a:tailEnd/>
+              </a14:hiddenLine>
+            </a:ext>
+          </a:extLst>
+        </p:spPr>
+      </p:pic>
+      <p:pic>
+        <p:nvPicPr>
+          <p:cNvPr id="15" name="Picture 12"/>
+          <p:cNvPicPr>
+            <a:picLocks noChangeAspect="1" noChangeArrowheads="1"/>
+          </p:cNvPicPr>
+          <p:nvPr/>
+        </p:nvPicPr>
+        <p:blipFill rotWithShape="1">
+          <a:blip r:embed="rId3">
+            <a:extLst>
+              <a:ext uri="{28A0092B-C50C-407E-A947-70E740481C1C}">
+                <a14:useLocalDpi xmlns:a14="http://schemas.microsoft.com/office/drawing/2010/main" val="0"/>
+              </a:ext>
+            </a:extLst>
+          </a:blip>
+          <a:srcRect l="14680" r="13179"/>
+          <a:stretch/>
+        </p:blipFill>
+        <p:spPr bwMode="auto">
+          <a:xfrm rot="18564554">
+            <a:off x="4826328" y="2942542"/>
+            <a:ext cx="1330222" cy="1238250"/>
+          </a:xfrm>
+          <a:prstGeom prst="rect">
+            <a:avLst/>
+          </a:prstGeom>
+          <a:ln>
+            <a:noFill/>
+          </a:ln>
+          <a:effectLst>
+            <a:outerShdw blurRad="190500" algn="tl" rotWithShape="0">
+              <a:srgbClr val="000000">
+                <a:alpha val="70000"/>
+              </a:srgbClr>
+            </a:outerShdw>
+          </a:effectLst>
+          <a:extLst>
+            <a:ext uri="{909E8E84-426E-40DD-AFC4-6F175D3DCCD1}">
+              <a14:hiddenFill xmlns:a14="http://schemas.microsoft.com/office/drawing/2010/main">
+                <a:solidFill>
+                  <a:schemeClr val="accent1"/>
+                </a:solidFill>
+              </a14:hiddenFill>
+            </a:ext>
+            <a:ext uri="{91240B29-F687-4F45-9708-019B960494DF}">
+              <a14:hiddenLine xmlns:a14="http://schemas.microsoft.com/office/drawing/2010/main" w="9525">
+                <a:solidFill>
+                  <a:schemeClr val="tx1"/>
+                </a:solidFill>
+                <a:miter lim="800000"/>
+                <a:headEnd/>
+                <a:tailEnd/>
+              </a14:hiddenLine>
+            </a:ext>
+          </a:extLst>
+        </p:spPr>
+      </p:pic>
+      <p:pic>
+        <p:nvPicPr>
+          <p:cNvPr id="16" name="Picture 3"/>
+          <p:cNvPicPr>
+            <a:picLocks noChangeAspect="1" noChangeArrowheads="1"/>
+          </p:cNvPicPr>
+          <p:nvPr/>
+        </p:nvPicPr>
+        <p:blipFill rotWithShape="1">
+          <a:blip r:embed="rId4">
+            <a:extLst>
+              <a:ext uri="{28A0092B-C50C-407E-A947-70E740481C1C}">
+                <a14:useLocalDpi xmlns:a14="http://schemas.microsoft.com/office/drawing/2010/main" val="0"/>
+              </a:ext>
+            </a:extLst>
+          </a:blip>
+          <a:srcRect l="19185"/>
+          <a:stretch/>
+        </p:blipFill>
+        <p:spPr bwMode="auto">
+          <a:xfrm rot="42386591">
+            <a:off x="3386097" y="4570818"/>
+            <a:ext cx="1022446" cy="1265171"/>
+          </a:xfrm>
+          <a:prstGeom prst="rect">
+            <a:avLst/>
+          </a:prstGeom>
+          <a:ln>
+            <a:noFill/>
+          </a:ln>
+          <a:effectLst>
+            <a:outerShdw blurRad="190500" algn="tl" rotWithShape="0">
+              <a:srgbClr val="000000">
+                <a:alpha val="70000"/>
+              </a:srgbClr>
+            </a:outerShdw>
+          </a:effectLst>
+          <a:extLst>
+            <a:ext uri="{909E8E84-426E-40DD-AFC4-6F175D3DCCD1}">
+              <a14:hiddenFill xmlns:a14="http://schemas.microsoft.com/office/drawing/2010/main">
+                <a:solidFill>
+                  <a:schemeClr val="accent1"/>
+                </a:solidFill>
+              </a14:hiddenFill>
+            </a:ext>
+            <a:ext uri="{91240B29-F687-4F45-9708-019B960494DF}">
+              <a14:hiddenLine xmlns:a14="http://schemas.microsoft.com/office/drawing/2010/main" w="9525">
+                <a:solidFill>
+                  <a:schemeClr val="tx1"/>
+                </a:solidFill>
+                <a:miter lim="800000"/>
+                <a:headEnd/>
+                <a:tailEnd/>
+              </a14:hiddenLine>
+            </a:ext>
+          </a:extLst>
+        </p:spPr>
+      </p:pic>
+      <p:sp>
+        <p:nvSpPr>
+          <p:cNvPr id="17" name="Rectangle 16"/>
+          <p:cNvSpPr/>
+          <p:nvPr/>
+        </p:nvSpPr>
+        <p:spPr>
+          <a:xfrm rot="1065321">
+            <a:off x="4806103" y="4827532"/>
+            <a:ext cx="1370671" cy="751742"/>
+          </a:xfrm>
+          <a:prstGeom prst="rect">
+            <a:avLst/>
+          </a:prstGeom>
+        </p:spPr>
+        <p:style>
+          <a:lnRef idx="2">
+            <a:schemeClr val="accent1">
+              <a:shade val="50000"/>
+            </a:schemeClr>
+          </a:lnRef>
+          <a:fillRef idx="1">
+            <a:schemeClr val="accent1"/>
+          </a:fillRef>
+          <a:effectRef idx="0">
+            <a:schemeClr val="accent1"/>
+          </a:effectRef>
+          <a:fontRef idx="minor">
+            <a:schemeClr val="lt1"/>
+          </a:fontRef>
+        </p:style>
+        <p:txBody>
+          <a:bodyPr rtlCol="0" anchor="ctr"/>
+          <a:lstStyle/>
+          <a:p>
+            <a:pPr algn="ctr"/>
+            <a:r>
+              <a:rPr lang="en-US" sz="1350" dirty="0"/>
+              <a:t>14</a:t>
+            </a:r>
+          </a:p>
+        </p:txBody>
+      </p:sp>
     </p:spTree>
     <p:extLst>
       <p:ext uri="{BB962C8B-B14F-4D97-AF65-F5344CB8AC3E}">
-        <p14:creationId xmlns:p14="http://schemas.microsoft.com/office/powerpoint/2010/main" val="590055402"/>
+        <p14:creationId xmlns:p14="http://schemas.microsoft.com/office/powerpoint/2010/main" val="2950489905"/>
       </p:ext>
     </p:extLst>
   </p:cSld>
@@ -11546,7 +19370,7 @@
         </p:nvSpPr>
         <p:spPr>
           <a:xfrm>
-            <a:off x="421103" y="1396316"/>
+            <a:off x="457200" y="685800"/>
             <a:ext cx="910004" cy="751742"/>
           </a:xfrm>
           <a:prstGeom prst="rect">
@@ -11588,9 +19412,9 @@
           <p:nvPr/>
         </p:nvSpPr>
         <p:spPr>
-          <a:xfrm>
-            <a:off x="3981071" y="1396316"/>
-            <a:ext cx="910004" cy="751742"/>
+          <a:xfrm rot="1065321">
+            <a:off x="1884445" y="685801"/>
+            <a:ext cx="1370671" cy="751742"/>
           </a:xfrm>
           <a:prstGeom prst="rect">
             <a:avLst/>
@@ -11632,7 +19456,7 @@
         </p:nvSpPr>
         <p:spPr>
           <a:xfrm>
-            <a:off x="7541038" y="1373236"/>
+            <a:off x="3737980" y="662720"/>
             <a:ext cx="850655" cy="797902"/>
           </a:xfrm>
           <a:prstGeom prst="ellipse">
@@ -11675,8 +19499,8 @@
         </p:nvSpPr>
         <p:spPr>
           <a:xfrm>
-            <a:off x="421103" y="2422185"/>
-            <a:ext cx="1219932" cy="402248"/>
+            <a:off x="645502" y="1882512"/>
+            <a:ext cx="533400" cy="402248"/>
           </a:xfrm>
           <a:prstGeom prst="roundRect">
             <a:avLst/>
@@ -11717,8 +19541,8 @@
           <p:nvPr/>
         </p:nvSpPr>
         <p:spPr>
-          <a:xfrm>
-            <a:off x="4106361" y="2247438"/>
+          <a:xfrm rot="16200000">
+            <a:off x="2114778" y="1707765"/>
             <a:ext cx="910004" cy="751742"/>
           </a:xfrm>
           <a:prstGeom prst="rect">
@@ -11761,8 +19585,8 @@
         </p:nvSpPr>
         <p:spPr>
           <a:xfrm>
-            <a:off x="7481690" y="2247438"/>
-            <a:ext cx="910004" cy="751742"/>
+            <a:off x="3470385" y="1707764"/>
+            <a:ext cx="1385845" cy="751742"/>
           </a:xfrm>
           <a:prstGeom prst="rect">
             <a:avLst/>
@@ -11803,9 +19627,9 @@
           <p:nvPr/>
         </p:nvSpPr>
         <p:spPr>
-          <a:xfrm>
-            <a:off x="421103" y="3075481"/>
-            <a:ext cx="850655" cy="797902"/>
+          <a:xfrm rot="2252568">
+            <a:off x="249378" y="2652734"/>
+            <a:ext cx="1325648" cy="797902"/>
           </a:xfrm>
           <a:prstGeom prst="ellipse">
             <a:avLst/>
@@ -11846,8 +19670,8 @@
           <p:nvPr/>
         </p:nvSpPr>
         <p:spPr>
-          <a:xfrm>
-            <a:off x="3766758" y="3273308"/>
+          <a:xfrm rot="19308688">
+            <a:off x="1959814" y="2850560"/>
             <a:ext cx="1219932" cy="402248"/>
           </a:xfrm>
           <a:prstGeom prst="roundRect">
@@ -11890,8 +19714,8 @@
         </p:nvSpPr>
         <p:spPr>
           <a:xfrm>
-            <a:off x="7481689" y="3098561"/>
-            <a:ext cx="910004" cy="751742"/>
+            <a:off x="155228" y="3564730"/>
+            <a:ext cx="1513948" cy="751742"/>
           </a:xfrm>
           <a:prstGeom prst="rect">
             <a:avLst/>
@@ -11933,7 +19757,7 @@
         </p:nvSpPr>
         <p:spPr>
           <a:xfrm>
-            <a:off x="7481689" y="3972763"/>
+            <a:off x="2114778" y="3564730"/>
             <a:ext cx="910004" cy="751742"/>
           </a:xfrm>
           <a:prstGeom prst="rect">
@@ -11968,10 +19792,227 @@
           </a:p>
         </p:txBody>
       </p:sp>
+      <p:pic>
+        <p:nvPicPr>
+          <p:cNvPr id="14" name="Picture 11"/>
+          <p:cNvPicPr>
+            <a:picLocks noChangeAspect="1" noChangeArrowheads="1"/>
+          </p:cNvPicPr>
+          <p:nvPr/>
+        </p:nvPicPr>
+        <p:blipFill rotWithShape="1">
+          <a:blip r:embed="rId2">
+            <a:extLst>
+              <a:ext uri="{28A0092B-C50C-407E-A947-70E740481C1C}">
+                <a14:useLocalDpi xmlns:a14="http://schemas.microsoft.com/office/drawing/2010/main" val="0"/>
+              </a:ext>
+            </a:extLst>
+          </a:blip>
+          <a:srcRect l="17869" r="10975"/>
+          <a:stretch/>
+        </p:blipFill>
+        <p:spPr bwMode="auto">
+          <a:xfrm rot="1756192">
+            <a:off x="400131" y="4718588"/>
+            <a:ext cx="1024143" cy="1009650"/>
+          </a:xfrm>
+          <a:prstGeom prst="rect">
+            <a:avLst/>
+          </a:prstGeom>
+          <a:ln>
+            <a:noFill/>
+          </a:ln>
+          <a:effectLst>
+            <a:outerShdw blurRad="190500" algn="tl" rotWithShape="0">
+              <a:srgbClr val="000000">
+                <a:alpha val="70000"/>
+              </a:srgbClr>
+            </a:outerShdw>
+          </a:effectLst>
+          <a:extLst>
+            <a:ext uri="{909E8E84-426E-40DD-AFC4-6F175D3DCCD1}">
+              <a14:hiddenFill xmlns:a14="http://schemas.microsoft.com/office/drawing/2010/main">
+                <a:solidFill>
+                  <a:schemeClr val="accent1"/>
+                </a:solidFill>
+              </a14:hiddenFill>
+            </a:ext>
+            <a:ext uri="{91240B29-F687-4F45-9708-019B960494DF}">
+              <a14:hiddenLine xmlns:a14="http://schemas.microsoft.com/office/drawing/2010/main" w="9525">
+                <a:solidFill>
+                  <a:schemeClr val="tx1"/>
+                </a:solidFill>
+                <a:miter lim="800000"/>
+                <a:headEnd/>
+                <a:tailEnd/>
+              </a14:hiddenLine>
+            </a:ext>
+          </a:extLst>
+        </p:spPr>
+      </p:pic>
+      <p:pic>
+        <p:nvPicPr>
+          <p:cNvPr id="15" name="Picture 12"/>
+          <p:cNvPicPr>
+            <a:picLocks noChangeAspect="1" noChangeArrowheads="1"/>
+          </p:cNvPicPr>
+          <p:nvPr/>
+        </p:nvPicPr>
+        <p:blipFill rotWithShape="1">
+          <a:blip r:embed="rId3">
+            <a:extLst>
+              <a:ext uri="{28A0092B-C50C-407E-A947-70E740481C1C}">
+                <a14:useLocalDpi xmlns:a14="http://schemas.microsoft.com/office/drawing/2010/main" val="0"/>
+              </a:ext>
+            </a:extLst>
+          </a:blip>
+          <a:srcRect l="14680" r="13179"/>
+          <a:stretch/>
+        </p:blipFill>
+        <p:spPr bwMode="auto">
+          <a:xfrm rot="18564554">
+            <a:off x="1904670" y="4604288"/>
+            <a:ext cx="1330222" cy="1238250"/>
+          </a:xfrm>
+          <a:prstGeom prst="rect">
+            <a:avLst/>
+          </a:prstGeom>
+          <a:ln>
+            <a:noFill/>
+          </a:ln>
+          <a:effectLst>
+            <a:outerShdw blurRad="190500" algn="tl" rotWithShape="0">
+              <a:srgbClr val="000000">
+                <a:alpha val="70000"/>
+              </a:srgbClr>
+            </a:outerShdw>
+          </a:effectLst>
+          <a:extLst>
+            <a:ext uri="{909E8E84-426E-40DD-AFC4-6F175D3DCCD1}">
+              <a14:hiddenFill xmlns:a14="http://schemas.microsoft.com/office/drawing/2010/main">
+                <a:solidFill>
+                  <a:schemeClr val="accent1"/>
+                </a:solidFill>
+              </a14:hiddenFill>
+            </a:ext>
+            <a:ext uri="{91240B29-F687-4F45-9708-019B960494DF}">
+              <a14:hiddenLine xmlns:a14="http://schemas.microsoft.com/office/drawing/2010/main" w="9525">
+                <a:solidFill>
+                  <a:schemeClr val="tx1"/>
+                </a:solidFill>
+                <a:miter lim="800000"/>
+                <a:headEnd/>
+                <a:tailEnd/>
+              </a14:hiddenLine>
+            </a:ext>
+          </a:extLst>
+        </p:spPr>
+      </p:pic>
+      <p:pic>
+        <p:nvPicPr>
+          <p:cNvPr id="16" name="Picture 3"/>
+          <p:cNvPicPr>
+            <a:picLocks noChangeAspect="1" noChangeArrowheads="1"/>
+          </p:cNvPicPr>
+          <p:nvPr/>
+        </p:nvPicPr>
+        <p:blipFill rotWithShape="1">
+          <a:blip r:embed="rId4">
+            <a:extLst>
+              <a:ext uri="{28A0092B-C50C-407E-A947-70E740481C1C}">
+                <a14:useLocalDpi xmlns:a14="http://schemas.microsoft.com/office/drawing/2010/main" val="0"/>
+              </a:ext>
+            </a:extLst>
+          </a:blip>
+          <a:srcRect l="19185"/>
+          <a:stretch/>
+        </p:blipFill>
+        <p:spPr bwMode="auto">
+          <a:xfrm rot="42386591">
+            <a:off x="400979" y="6232563"/>
+            <a:ext cx="1022446" cy="1265171"/>
+          </a:xfrm>
+          <a:prstGeom prst="rect">
+            <a:avLst/>
+          </a:prstGeom>
+          <a:ln>
+            <a:noFill/>
+          </a:ln>
+          <a:effectLst>
+            <a:outerShdw blurRad="190500" algn="tl" rotWithShape="0">
+              <a:srgbClr val="000000">
+                <a:alpha val="70000"/>
+              </a:srgbClr>
+            </a:outerShdw>
+          </a:effectLst>
+          <a:extLst>
+            <a:ext uri="{909E8E84-426E-40DD-AFC4-6F175D3DCCD1}">
+              <a14:hiddenFill xmlns:a14="http://schemas.microsoft.com/office/drawing/2010/main">
+                <a:solidFill>
+                  <a:schemeClr val="accent1"/>
+                </a:solidFill>
+              </a14:hiddenFill>
+            </a:ext>
+            <a:ext uri="{91240B29-F687-4F45-9708-019B960494DF}">
+              <a14:hiddenLine xmlns:a14="http://schemas.microsoft.com/office/drawing/2010/main" w="9525">
+                <a:solidFill>
+                  <a:schemeClr val="tx1"/>
+                </a:solidFill>
+                <a:miter lim="800000"/>
+                <a:headEnd/>
+                <a:tailEnd/>
+              </a14:hiddenLine>
+            </a:ext>
+          </a:extLst>
+        </p:spPr>
+      </p:pic>
+      <p:sp>
+        <p:nvSpPr>
+          <p:cNvPr id="17" name="Rectangle 16"/>
+          <p:cNvSpPr/>
+          <p:nvPr/>
+        </p:nvSpPr>
+        <p:spPr>
+          <a:xfrm rot="1065321">
+            <a:off x="1884444" y="6489278"/>
+            <a:ext cx="1370671" cy="751742"/>
+          </a:xfrm>
+          <a:prstGeom prst="rect">
+            <a:avLst/>
+          </a:prstGeom>
+        </p:spPr>
+        <p:style>
+          <a:lnRef idx="2">
+            <a:schemeClr val="accent1">
+              <a:shade val="50000"/>
+            </a:schemeClr>
+          </a:lnRef>
+          <a:fillRef idx="1">
+            <a:schemeClr val="accent1"/>
+          </a:fillRef>
+          <a:effectRef idx="0">
+            <a:schemeClr val="accent1"/>
+          </a:effectRef>
+          <a:fontRef idx="minor">
+            <a:schemeClr val="lt1"/>
+          </a:fontRef>
+        </p:style>
+        <p:txBody>
+          <a:bodyPr rtlCol="0" anchor="ctr"/>
+          <a:lstStyle/>
+          <a:p>
+            <a:pPr algn="ctr"/>
+            <a:r>
+              <a:rPr lang="en-US" sz="1350" dirty="0"/>
+              <a:t>14</a:t>
+            </a:r>
+          </a:p>
+        </p:txBody>
+      </p:sp>
     </p:spTree>
     <p:extLst>
       <p:ext uri="{BB962C8B-B14F-4D97-AF65-F5344CB8AC3E}">
-        <p14:creationId xmlns:p14="http://schemas.microsoft.com/office/powerpoint/2010/main" val="3992381514"/>
+        <p14:creationId xmlns:p14="http://schemas.microsoft.com/office/powerpoint/2010/main" val="3840228876"/>
       </p:ext>
     </p:extLst>
   </p:cSld>
